--- a/GradTrakPoster.pptx
+++ b/GradTrakPoster.pptx
@@ -34,7 +34,7 @@
       </p:grpSpPr>
       <p:sp>
         <p:nvSpPr>
-          <p:cNvPr id="41" name="PlaceHolder 1"/>
+          <p:cNvPr id="40" name="PlaceHolder 1"/>
           <p:cNvSpPr>
             <a:spLocks noGrp="1"/>
           </p:cNvSpPr>
@@ -60,27 +60,24 @@
             <a:noAutofit/>
           </a:bodyPr>
           <a:p>
-            <a:r>
-              <a:rPr b="0" lang="en-US" sz="7260" spc="-1" strike="noStrike">
-                <a:solidFill>
-                  <a:srgbClr val="000000"/>
-                </a:solidFill>
-                <a:latin typeface="Calibri"/>
+            <a:pPr algn="ctr">
+              <a:buNone/>
+            </a:pPr>
+            <a:r>
+              <a:rPr b="0" lang="en-US" sz="4400" spc="-1" strike="noStrike">
+                <a:latin typeface="Arial"/>
               </a:rPr>
               <a:t>Click to move the slide</a:t>
             </a:r>
-            <a:endParaRPr b="0" lang="en-US" sz="7260" spc="-1" strike="noStrike">
-              <a:solidFill>
-                <a:srgbClr val="000000"/>
-              </a:solidFill>
-              <a:latin typeface="Calibri"/>
-            </a:endParaRPr>
-          </a:p>
-        </p:txBody>
-      </p:sp>
-      <p:sp>
-        <p:nvSpPr>
-          <p:cNvPr id="42" name="PlaceHolder 2"/>
+            <a:endParaRPr b="0" lang="en-US" sz="4400" spc="-1" strike="noStrike">
+              <a:latin typeface="Arial"/>
+            </a:endParaRPr>
+          </a:p>
+        </p:txBody>
+      </p:sp>
+      <p:sp>
+        <p:nvSpPr>
+          <p:cNvPr id="41" name="PlaceHolder 2"/>
           <p:cNvSpPr>
             <a:spLocks noGrp="1"/>
           </p:cNvSpPr>
@@ -120,7 +117,7 @@
       </p:sp>
       <p:sp>
         <p:nvSpPr>
-          <p:cNvPr id="43" name="PlaceHolder 3"/>
+          <p:cNvPr id="42" name="PlaceHolder 3"/>
           <p:cNvSpPr>
             <a:spLocks noGrp="1"/>
           </p:cNvSpPr>
@@ -160,7 +157,7 @@
       </p:sp>
       <p:sp>
         <p:nvSpPr>
-          <p:cNvPr id="44" name="PlaceHolder 4"/>
+          <p:cNvPr id="43" name="PlaceHolder 4"/>
           <p:cNvSpPr>
             <a:spLocks noGrp="1"/>
           </p:cNvSpPr>
@@ -211,7 +208,7 @@
       </p:sp>
       <p:sp>
         <p:nvSpPr>
-          <p:cNvPr id="45" name="PlaceHolder 5"/>
+          <p:cNvPr id="44" name="PlaceHolder 5"/>
           <p:cNvSpPr>
             <a:spLocks noGrp="1"/>
           </p:cNvSpPr>
@@ -258,7 +255,7 @@
       </p:sp>
       <p:sp>
         <p:nvSpPr>
-          <p:cNvPr id="46" name="PlaceHolder 6"/>
+          <p:cNvPr id="45" name="PlaceHolder 6"/>
           <p:cNvSpPr>
             <a:spLocks noGrp="1"/>
           </p:cNvSpPr>
@@ -295,7 +292,7 @@
             <a:pPr algn="r">
               <a:buNone/>
             </a:pPr>
-            <a:fld id="{21B201D5-2304-4D9F-A67F-A35983D2AF7A}" type="slidenum">
+            <a:fld id="{B21852E0-3DCE-4997-A678-7F5052380876}" type="slidenum">
               <a:rPr b="0" lang="en-US" sz="1400" spc="-1" strike="noStrike">
                 <a:latin typeface="Times New Roman"/>
               </a:rPr>
@@ -332,7 +329,7 @@
       </p:grpSpPr>
       <p:sp>
         <p:nvSpPr>
-          <p:cNvPr id="58" name="PlaceHolder 1"/>
+          <p:cNvPr id="57" name="PlaceHolder 1"/>
           <p:cNvSpPr>
             <a:spLocks noGrp="1"/>
           </p:cNvSpPr>
@@ -343,19 +340,19 @@
         <p:spPr>
           <a:xfrm>
             <a:off x="1371600" y="1143000"/>
-            <a:ext cx="4114440" cy="3085920"/>
-          </a:xfrm>
-          <a:prstGeom prst="rect">
-            <a:avLst/>
-          </a:prstGeom>
-          <a:ln w="0">
-            <a:noFill/>
-          </a:ln>
-        </p:spPr>
-      </p:sp>
-      <p:sp>
-        <p:nvSpPr>
-          <p:cNvPr id="59" name="PlaceHolder 2"/>
+            <a:ext cx="4114080" cy="3085560"/>
+          </a:xfrm>
+          <a:prstGeom prst="rect">
+            <a:avLst/>
+          </a:prstGeom>
+          <a:ln w="0">
+            <a:noFill/>
+          </a:ln>
+        </p:spPr>
+      </p:sp>
+      <p:sp>
+        <p:nvSpPr>
+          <p:cNvPr id="58" name="PlaceHolder 2"/>
           <p:cNvSpPr>
             <a:spLocks noGrp="1"/>
           </p:cNvSpPr>
@@ -366,18 +363,18 @@
         <p:spPr>
           <a:xfrm>
             <a:off x="685800" y="4400640"/>
-            <a:ext cx="5486040" cy="3600000"/>
-          </a:xfrm>
-          <a:prstGeom prst="rect">
-            <a:avLst/>
-          </a:prstGeom>
-          <a:noFill/>
-          <a:ln w="0">
-            <a:noFill/>
-          </a:ln>
-        </p:spPr>
-        <p:txBody>
-          <a:bodyPr anchor="t">
+            <a:ext cx="5485680" cy="3599640"/>
+          </a:xfrm>
+          <a:prstGeom prst="rect">
+            <a:avLst/>
+          </a:prstGeom>
+          <a:noFill/>
+          <a:ln w="0">
+            <a:noFill/>
+          </a:ln>
+        </p:spPr>
+        <p:txBody>
+          <a:bodyPr lIns="0" rIns="0" tIns="0" bIns="0" anchor="t">
             <a:noAutofit/>
           </a:bodyPr>
           <a:p>
@@ -389,7 +386,7 @@
       </p:sp>
       <p:sp>
         <p:nvSpPr>
-          <p:cNvPr id="60" name="PlaceHolder 3"/>
+          <p:cNvPr id="59" name="PlaceHolder 3"/>
           <p:cNvSpPr>
             <a:spLocks noGrp="1"/>
           </p:cNvSpPr>
@@ -400,18 +397,18 @@
         <p:spPr>
           <a:xfrm>
             <a:off x="3884760" y="8685360"/>
-            <a:ext cx="2971440" cy="458280"/>
-          </a:xfrm>
-          <a:prstGeom prst="rect">
-            <a:avLst/>
-          </a:prstGeom>
-          <a:noFill/>
-          <a:ln w="0">
-            <a:noFill/>
-          </a:ln>
-        </p:spPr>
-        <p:txBody>
-          <a:bodyPr anchor="b">
+            <a:ext cx="2971080" cy="457920"/>
+          </a:xfrm>
+          <a:prstGeom prst="rect">
+            <a:avLst/>
+          </a:prstGeom>
+          <a:noFill/>
+          <a:ln w="0">
+            <a:noFill/>
+          </a:ln>
+        </p:spPr>
+        <p:txBody>
+          <a:bodyPr lIns="0" rIns="0" tIns="0" bIns="0" anchor="b">
             <a:noAutofit/>
           </a:bodyPr>
           <a:lstStyle>
@@ -436,7 +433,7 @@
               </a:lnSpc>
               <a:buNone/>
             </a:pPr>
-            <a:fld id="{7E3C9514-D026-4A4B-A8C3-52AE2DE63F5E}" type="slidenum">
+            <a:fld id="{9C3A1C80-D650-4F47-B3D2-020EB55D92E8}" type="slidenum">
               <a:rPr b="0" lang="en-US" sz="1200" spc="-1" strike="noStrike">
                 <a:solidFill>
                   <a:srgbClr val="000000"/>
@@ -481,7 +478,7 @@
             <a:spLocks noGrp="1"/>
           </p:cNvSpPr>
           <p:nvPr>
-            <p:ph type="ftr" idx="2"/>
+            <p:ph type="ftr" idx="1"/>
           </p:nvPr>
         </p:nvSpPr>
         <p:spPr/>
@@ -501,14 +498,14 @@
             <a:spLocks noGrp="1"/>
           </p:cNvSpPr>
           <p:nvPr>
-            <p:ph type="sldNum" idx="3"/>
+            <p:ph type="sldNum" idx="2"/>
           </p:nvPr>
         </p:nvSpPr>
         <p:spPr/>
         <p:txBody>
           <a:bodyPr/>
           <a:p>
-            <a:fld id="{D6DD14B8-9330-4BBF-A440-0BDBC4F43CF3}" type="slidenum">
+            <a:fld id="{D0EF4638-FAB0-48CD-A620-5EB0727AC7DB}" type="slidenum">
               <a:t>&lt;#&gt;</a:t>
             </a:fld>
           </a:p>
@@ -521,7 +518,7 @@
             <a:spLocks noGrp="1"/>
           </p:cNvSpPr>
           <p:nvPr>
-            <p:ph type="dt" idx="1"/>
+            <p:ph type="dt" idx="3"/>
           </p:nvPr>
         </p:nvSpPr>
         <p:spPr/>
@@ -559,7 +556,7 @@
       </p:grpSpPr>
       <p:sp>
         <p:nvSpPr>
-          <p:cNvPr id="26" name="PlaceHolder 1"/>
+          <p:cNvPr id="25" name="PlaceHolder 1"/>
           <p:cNvSpPr>
             <a:spLocks noGrp="1"/>
           </p:cNvSpPr>
@@ -570,7 +567,7 @@
         <p:spPr>
           <a:xfrm>
             <a:off x="3291840" y="5387400"/>
-            <a:ext cx="37307160" cy="11460240"/>
+            <a:ext cx="37306800" cy="11459880"/>
           </a:xfrm>
           <a:prstGeom prst="rect">
             <a:avLst/>
@@ -585,18 +582,18 @@
             <a:noAutofit/>
           </a:bodyPr>
           <a:p>
-            <a:endParaRPr b="0" lang="en-US" sz="7260" spc="-1" strike="noStrike">
-              <a:solidFill>
-                <a:srgbClr val="000000"/>
-              </a:solidFill>
-              <a:latin typeface="Calibri"/>
-            </a:endParaRPr>
-          </a:p>
-        </p:txBody>
-      </p:sp>
-      <p:sp>
-        <p:nvSpPr>
-          <p:cNvPr id="27" name="PlaceHolder 2"/>
+            <a:pPr algn="ctr">
+              <a:buNone/>
+            </a:pPr>
+            <a:endParaRPr b="0" lang="en-US" sz="4400" spc="-1" strike="noStrike">
+              <a:latin typeface="Arial"/>
+            </a:endParaRPr>
+          </a:p>
+        </p:txBody>
+      </p:sp>
+      <p:sp>
+        <p:nvSpPr>
+          <p:cNvPr id="26" name="PlaceHolder 2"/>
           <p:cNvSpPr>
             <a:spLocks noGrp="1"/>
           </p:cNvSpPr>
@@ -622,27 +619,15 @@
             <a:normAutofit/>
           </a:bodyPr>
           <a:p>
-            <a:pPr>
-              <a:lnSpc>
-                <a:spcPct val="90000"/>
-              </a:lnSpc>
-              <a:spcBef>
-                <a:spcPts val="1417"/>
-              </a:spcBef>
-              <a:buNone/>
-            </a:pPr>
-            <a:endParaRPr b="0" lang="en-US" sz="13439" spc="-1" strike="noStrike">
-              <a:solidFill>
-                <a:srgbClr val="000000"/>
-              </a:solidFill>
-              <a:latin typeface="Calibri"/>
-            </a:endParaRPr>
-          </a:p>
-        </p:txBody>
-      </p:sp>
-      <p:sp>
-        <p:nvSpPr>
-          <p:cNvPr id="28" name="PlaceHolder 3"/>
+            <a:endParaRPr b="0" lang="en-US" sz="3200" spc="-1" strike="noStrike">
+              <a:latin typeface="Arial"/>
+            </a:endParaRPr>
+          </a:p>
+        </p:txBody>
+      </p:sp>
+      <p:sp>
+        <p:nvSpPr>
+          <p:cNvPr id="27" name="PlaceHolder 3"/>
           <p:cNvSpPr>
             <a:spLocks noGrp="1"/>
           </p:cNvSpPr>
@@ -668,20 +653,8 @@
             <a:normAutofit/>
           </a:bodyPr>
           <a:p>
-            <a:pPr>
-              <a:lnSpc>
-                <a:spcPct val="90000"/>
-              </a:lnSpc>
-              <a:spcBef>
-                <a:spcPts val="1417"/>
-              </a:spcBef>
-              <a:buNone/>
-            </a:pPr>
-            <a:endParaRPr b="0" lang="en-US" sz="13439" spc="-1" strike="noStrike">
-              <a:solidFill>
-                <a:srgbClr val="000000"/>
-              </a:solidFill>
-              <a:latin typeface="Calibri"/>
+            <a:endParaRPr b="0" lang="en-US" sz="3200" spc="-1" strike="noStrike">
+              <a:latin typeface="Arial"/>
             </a:endParaRPr>
           </a:p>
         </p:txBody>
@@ -693,7 +666,7 @@
             <a:spLocks noGrp="1"/>
           </p:cNvSpPr>
           <p:nvPr>
-            <p:ph type="ftr" idx="2"/>
+            <p:ph type="ftr" idx="1"/>
           </p:nvPr>
         </p:nvSpPr>
         <p:spPr/>
@@ -713,14 +686,14 @@
             <a:spLocks noGrp="1"/>
           </p:cNvSpPr>
           <p:nvPr>
-            <p:ph type="sldNum" idx="3"/>
+            <p:ph type="sldNum" idx="2"/>
           </p:nvPr>
         </p:nvSpPr>
         <p:spPr/>
         <p:txBody>
           <a:bodyPr/>
           <a:p>
-            <a:fld id="{F4479CCC-CCF8-4495-BC0D-8908DEBDB3AA}" type="slidenum">
+            <a:fld id="{ACF8F65E-C314-41B8-8797-440D0394490B}" type="slidenum">
               <a:t>&lt;#&gt;</a:t>
             </a:fld>
           </a:p>
@@ -733,7 +706,7 @@
             <a:spLocks noGrp="1"/>
           </p:cNvSpPr>
           <p:nvPr>
-            <p:ph type="dt" idx="1"/>
+            <p:ph type="dt" idx="3"/>
           </p:nvPr>
         </p:nvSpPr>
         <p:spPr/>
@@ -771,7 +744,7 @@
       </p:grpSpPr>
       <p:sp>
         <p:nvSpPr>
-          <p:cNvPr id="29" name="PlaceHolder 1"/>
+          <p:cNvPr id="28" name="PlaceHolder 1"/>
           <p:cNvSpPr>
             <a:spLocks noGrp="1"/>
           </p:cNvSpPr>
@@ -782,7 +755,7 @@
         <p:spPr>
           <a:xfrm>
             <a:off x="3291840" y="5387400"/>
-            <a:ext cx="37307160" cy="11460240"/>
+            <a:ext cx="37306800" cy="11459880"/>
           </a:xfrm>
           <a:prstGeom prst="rect">
             <a:avLst/>
@@ -797,18 +770,18 @@
             <a:noAutofit/>
           </a:bodyPr>
           <a:p>
-            <a:endParaRPr b="0" lang="en-US" sz="7260" spc="-1" strike="noStrike">
-              <a:solidFill>
-                <a:srgbClr val="000000"/>
-              </a:solidFill>
-              <a:latin typeface="Calibri"/>
-            </a:endParaRPr>
-          </a:p>
-        </p:txBody>
-      </p:sp>
-      <p:sp>
-        <p:nvSpPr>
-          <p:cNvPr id="30" name="PlaceHolder 2"/>
+            <a:pPr algn="ctr">
+              <a:buNone/>
+            </a:pPr>
+            <a:endParaRPr b="0" lang="en-US" sz="4400" spc="-1" strike="noStrike">
+              <a:latin typeface="Arial"/>
+            </a:endParaRPr>
+          </a:p>
+        </p:txBody>
+      </p:sp>
+      <p:sp>
+        <p:nvSpPr>
+          <p:cNvPr id="29" name="PlaceHolder 2"/>
           <p:cNvSpPr>
             <a:spLocks noGrp="1"/>
           </p:cNvSpPr>
@@ -834,27 +807,15 @@
             <a:normAutofit/>
           </a:bodyPr>
           <a:p>
-            <a:pPr>
-              <a:lnSpc>
-                <a:spcPct val="90000"/>
-              </a:lnSpc>
-              <a:spcBef>
-                <a:spcPts val="1417"/>
-              </a:spcBef>
-              <a:buNone/>
-            </a:pPr>
-            <a:endParaRPr b="0" lang="en-US" sz="13439" spc="-1" strike="noStrike">
-              <a:solidFill>
-                <a:srgbClr val="000000"/>
-              </a:solidFill>
-              <a:latin typeface="Calibri"/>
-            </a:endParaRPr>
-          </a:p>
-        </p:txBody>
-      </p:sp>
-      <p:sp>
-        <p:nvSpPr>
-          <p:cNvPr id="31" name="PlaceHolder 3"/>
+            <a:endParaRPr b="0" lang="en-US" sz="3200" spc="-1" strike="noStrike">
+              <a:latin typeface="Arial"/>
+            </a:endParaRPr>
+          </a:p>
+        </p:txBody>
+      </p:sp>
+      <p:sp>
+        <p:nvSpPr>
+          <p:cNvPr id="30" name="PlaceHolder 3"/>
           <p:cNvSpPr>
             <a:spLocks noGrp="1"/>
           </p:cNvSpPr>
@@ -880,27 +841,15 @@
             <a:normAutofit/>
           </a:bodyPr>
           <a:p>
-            <a:pPr>
-              <a:lnSpc>
-                <a:spcPct val="90000"/>
-              </a:lnSpc>
-              <a:spcBef>
-                <a:spcPts val="1417"/>
-              </a:spcBef>
-              <a:buNone/>
-            </a:pPr>
-            <a:endParaRPr b="0" lang="en-US" sz="13439" spc="-1" strike="noStrike">
-              <a:solidFill>
-                <a:srgbClr val="000000"/>
-              </a:solidFill>
-              <a:latin typeface="Calibri"/>
-            </a:endParaRPr>
-          </a:p>
-        </p:txBody>
-      </p:sp>
-      <p:sp>
-        <p:nvSpPr>
-          <p:cNvPr id="32" name="PlaceHolder 4"/>
+            <a:endParaRPr b="0" lang="en-US" sz="3200" spc="-1" strike="noStrike">
+              <a:latin typeface="Arial"/>
+            </a:endParaRPr>
+          </a:p>
+        </p:txBody>
+      </p:sp>
+      <p:sp>
+        <p:nvSpPr>
+          <p:cNvPr id="31" name="PlaceHolder 4"/>
           <p:cNvSpPr>
             <a:spLocks noGrp="1"/>
           </p:cNvSpPr>
@@ -926,27 +875,15 @@
             <a:normAutofit/>
           </a:bodyPr>
           <a:p>
-            <a:pPr>
-              <a:lnSpc>
-                <a:spcPct val="90000"/>
-              </a:lnSpc>
-              <a:spcBef>
-                <a:spcPts val="1417"/>
-              </a:spcBef>
-              <a:buNone/>
-            </a:pPr>
-            <a:endParaRPr b="0" lang="en-US" sz="13439" spc="-1" strike="noStrike">
-              <a:solidFill>
-                <a:srgbClr val="000000"/>
-              </a:solidFill>
-              <a:latin typeface="Calibri"/>
-            </a:endParaRPr>
-          </a:p>
-        </p:txBody>
-      </p:sp>
-      <p:sp>
-        <p:nvSpPr>
-          <p:cNvPr id="33" name="PlaceHolder 5"/>
+            <a:endParaRPr b="0" lang="en-US" sz="3200" spc="-1" strike="noStrike">
+              <a:latin typeface="Arial"/>
+            </a:endParaRPr>
+          </a:p>
+        </p:txBody>
+      </p:sp>
+      <p:sp>
+        <p:nvSpPr>
+          <p:cNvPr id="32" name="PlaceHolder 5"/>
           <p:cNvSpPr>
             <a:spLocks noGrp="1"/>
           </p:cNvSpPr>
@@ -972,20 +909,8 @@
             <a:normAutofit/>
           </a:bodyPr>
           <a:p>
-            <a:pPr>
-              <a:lnSpc>
-                <a:spcPct val="90000"/>
-              </a:lnSpc>
-              <a:spcBef>
-                <a:spcPts val="1417"/>
-              </a:spcBef>
-              <a:buNone/>
-            </a:pPr>
-            <a:endParaRPr b="0" lang="en-US" sz="13439" spc="-1" strike="noStrike">
-              <a:solidFill>
-                <a:srgbClr val="000000"/>
-              </a:solidFill>
-              <a:latin typeface="Calibri"/>
+            <a:endParaRPr b="0" lang="en-US" sz="3200" spc="-1" strike="noStrike">
+              <a:latin typeface="Arial"/>
             </a:endParaRPr>
           </a:p>
         </p:txBody>
@@ -997,7 +922,7 @@
             <a:spLocks noGrp="1"/>
           </p:cNvSpPr>
           <p:nvPr>
-            <p:ph type="ftr" idx="2"/>
+            <p:ph type="ftr" idx="1"/>
           </p:nvPr>
         </p:nvSpPr>
         <p:spPr/>
@@ -1017,14 +942,14 @@
             <a:spLocks noGrp="1"/>
           </p:cNvSpPr>
           <p:nvPr>
-            <p:ph type="sldNum" idx="3"/>
+            <p:ph type="sldNum" idx="2"/>
           </p:nvPr>
         </p:nvSpPr>
         <p:spPr/>
         <p:txBody>
           <a:bodyPr/>
           <a:p>
-            <a:fld id="{5CAA0CCF-0617-41A8-9878-9A20D6EEADE5}" type="slidenum">
+            <a:fld id="{603F8320-59CC-421A-886F-CAA893F16B65}" type="slidenum">
               <a:t>&lt;#&gt;</a:t>
             </a:fld>
           </a:p>
@@ -1037,7 +962,7 @@
             <a:spLocks noGrp="1"/>
           </p:cNvSpPr>
           <p:nvPr>
-            <p:ph type="dt" idx="1"/>
+            <p:ph type="dt" idx="3"/>
           </p:nvPr>
         </p:nvSpPr>
         <p:spPr/>
@@ -1075,7 +1000,7 @@
       </p:grpSpPr>
       <p:sp>
         <p:nvSpPr>
-          <p:cNvPr id="34" name="PlaceHolder 1"/>
+          <p:cNvPr id="33" name="PlaceHolder 1"/>
           <p:cNvSpPr>
             <a:spLocks noGrp="1"/>
           </p:cNvSpPr>
@@ -1086,7 +1011,7 @@
         <p:spPr>
           <a:xfrm>
             <a:off x="3291840" y="5387400"/>
-            <a:ext cx="37307160" cy="11460240"/>
+            <a:ext cx="37306800" cy="11459880"/>
           </a:xfrm>
           <a:prstGeom prst="rect">
             <a:avLst/>
@@ -1101,18 +1026,18 @@
             <a:noAutofit/>
           </a:bodyPr>
           <a:p>
-            <a:endParaRPr b="0" lang="en-US" sz="7260" spc="-1" strike="noStrike">
-              <a:solidFill>
-                <a:srgbClr val="000000"/>
-              </a:solidFill>
-              <a:latin typeface="Calibri"/>
-            </a:endParaRPr>
-          </a:p>
-        </p:txBody>
-      </p:sp>
-      <p:sp>
-        <p:nvSpPr>
-          <p:cNvPr id="35" name="PlaceHolder 2"/>
+            <a:pPr algn="ctr">
+              <a:buNone/>
+            </a:pPr>
+            <a:endParaRPr b="0" lang="en-US" sz="4400" spc="-1" strike="noStrike">
+              <a:latin typeface="Arial"/>
+            </a:endParaRPr>
+          </a:p>
+        </p:txBody>
+      </p:sp>
+      <p:sp>
+        <p:nvSpPr>
+          <p:cNvPr id="34" name="PlaceHolder 2"/>
           <p:cNvSpPr>
             <a:spLocks noGrp="1"/>
           </p:cNvSpPr>
@@ -1138,27 +1063,15 @@
             <a:normAutofit/>
           </a:bodyPr>
           <a:p>
-            <a:pPr>
-              <a:lnSpc>
-                <a:spcPct val="90000"/>
-              </a:lnSpc>
-              <a:spcBef>
-                <a:spcPts val="1417"/>
-              </a:spcBef>
-              <a:buNone/>
-            </a:pPr>
-            <a:endParaRPr b="0" lang="en-US" sz="13439" spc="-1" strike="noStrike">
-              <a:solidFill>
-                <a:srgbClr val="000000"/>
-              </a:solidFill>
-              <a:latin typeface="Calibri"/>
-            </a:endParaRPr>
-          </a:p>
-        </p:txBody>
-      </p:sp>
-      <p:sp>
-        <p:nvSpPr>
-          <p:cNvPr id="36" name="PlaceHolder 3"/>
+            <a:endParaRPr b="0" lang="en-US" sz="3200" spc="-1" strike="noStrike">
+              <a:latin typeface="Arial"/>
+            </a:endParaRPr>
+          </a:p>
+        </p:txBody>
+      </p:sp>
+      <p:sp>
+        <p:nvSpPr>
+          <p:cNvPr id="35" name="PlaceHolder 3"/>
           <p:cNvSpPr>
             <a:spLocks noGrp="1"/>
           </p:cNvSpPr>
@@ -1184,27 +1097,15 @@
             <a:normAutofit/>
           </a:bodyPr>
           <a:p>
-            <a:pPr>
-              <a:lnSpc>
-                <a:spcPct val="90000"/>
-              </a:lnSpc>
-              <a:spcBef>
-                <a:spcPts val="1417"/>
-              </a:spcBef>
-              <a:buNone/>
-            </a:pPr>
-            <a:endParaRPr b="0" lang="en-US" sz="13439" spc="-1" strike="noStrike">
-              <a:solidFill>
-                <a:srgbClr val="000000"/>
-              </a:solidFill>
-              <a:latin typeface="Calibri"/>
-            </a:endParaRPr>
-          </a:p>
-        </p:txBody>
-      </p:sp>
-      <p:sp>
-        <p:nvSpPr>
-          <p:cNvPr id="37" name="PlaceHolder 4"/>
+            <a:endParaRPr b="0" lang="en-US" sz="3200" spc="-1" strike="noStrike">
+              <a:latin typeface="Arial"/>
+            </a:endParaRPr>
+          </a:p>
+        </p:txBody>
+      </p:sp>
+      <p:sp>
+        <p:nvSpPr>
+          <p:cNvPr id="36" name="PlaceHolder 4"/>
           <p:cNvSpPr>
             <a:spLocks noGrp="1"/>
           </p:cNvSpPr>
@@ -1230,27 +1131,15 @@
             <a:normAutofit/>
           </a:bodyPr>
           <a:p>
-            <a:pPr>
-              <a:lnSpc>
-                <a:spcPct val="90000"/>
-              </a:lnSpc>
-              <a:spcBef>
-                <a:spcPts val="1417"/>
-              </a:spcBef>
-              <a:buNone/>
-            </a:pPr>
-            <a:endParaRPr b="0" lang="en-US" sz="13439" spc="-1" strike="noStrike">
-              <a:solidFill>
-                <a:srgbClr val="000000"/>
-              </a:solidFill>
-              <a:latin typeface="Calibri"/>
-            </a:endParaRPr>
-          </a:p>
-        </p:txBody>
-      </p:sp>
-      <p:sp>
-        <p:nvSpPr>
-          <p:cNvPr id="38" name="PlaceHolder 5"/>
+            <a:endParaRPr b="0" lang="en-US" sz="3200" spc="-1" strike="noStrike">
+              <a:latin typeface="Arial"/>
+            </a:endParaRPr>
+          </a:p>
+        </p:txBody>
+      </p:sp>
+      <p:sp>
+        <p:nvSpPr>
+          <p:cNvPr id="37" name="PlaceHolder 5"/>
           <p:cNvSpPr>
             <a:spLocks noGrp="1"/>
           </p:cNvSpPr>
@@ -1276,27 +1165,15 @@
             <a:normAutofit/>
           </a:bodyPr>
           <a:p>
-            <a:pPr>
-              <a:lnSpc>
-                <a:spcPct val="90000"/>
-              </a:lnSpc>
-              <a:spcBef>
-                <a:spcPts val="1417"/>
-              </a:spcBef>
-              <a:buNone/>
-            </a:pPr>
-            <a:endParaRPr b="0" lang="en-US" sz="13439" spc="-1" strike="noStrike">
-              <a:solidFill>
-                <a:srgbClr val="000000"/>
-              </a:solidFill>
-              <a:latin typeface="Calibri"/>
-            </a:endParaRPr>
-          </a:p>
-        </p:txBody>
-      </p:sp>
-      <p:sp>
-        <p:nvSpPr>
-          <p:cNvPr id="39" name="PlaceHolder 6"/>
+            <a:endParaRPr b="0" lang="en-US" sz="3200" spc="-1" strike="noStrike">
+              <a:latin typeface="Arial"/>
+            </a:endParaRPr>
+          </a:p>
+        </p:txBody>
+      </p:sp>
+      <p:sp>
+        <p:nvSpPr>
+          <p:cNvPr id="38" name="PlaceHolder 6"/>
           <p:cNvSpPr>
             <a:spLocks noGrp="1"/>
           </p:cNvSpPr>
@@ -1322,27 +1199,15 @@
             <a:normAutofit/>
           </a:bodyPr>
           <a:p>
-            <a:pPr>
-              <a:lnSpc>
-                <a:spcPct val="90000"/>
-              </a:lnSpc>
-              <a:spcBef>
-                <a:spcPts val="1417"/>
-              </a:spcBef>
-              <a:buNone/>
-            </a:pPr>
-            <a:endParaRPr b="0" lang="en-US" sz="13439" spc="-1" strike="noStrike">
-              <a:solidFill>
-                <a:srgbClr val="000000"/>
-              </a:solidFill>
-              <a:latin typeface="Calibri"/>
-            </a:endParaRPr>
-          </a:p>
-        </p:txBody>
-      </p:sp>
-      <p:sp>
-        <p:nvSpPr>
-          <p:cNvPr id="40" name="PlaceHolder 7"/>
+            <a:endParaRPr b="0" lang="en-US" sz="3200" spc="-1" strike="noStrike">
+              <a:latin typeface="Arial"/>
+            </a:endParaRPr>
+          </a:p>
+        </p:txBody>
+      </p:sp>
+      <p:sp>
+        <p:nvSpPr>
+          <p:cNvPr id="39" name="PlaceHolder 7"/>
           <p:cNvSpPr>
             <a:spLocks noGrp="1"/>
           </p:cNvSpPr>
@@ -1368,20 +1233,8 @@
             <a:normAutofit/>
           </a:bodyPr>
           <a:p>
-            <a:pPr>
-              <a:lnSpc>
-                <a:spcPct val="90000"/>
-              </a:lnSpc>
-              <a:spcBef>
-                <a:spcPts val="1417"/>
-              </a:spcBef>
-              <a:buNone/>
-            </a:pPr>
-            <a:endParaRPr b="0" lang="en-US" sz="13439" spc="-1" strike="noStrike">
-              <a:solidFill>
-                <a:srgbClr val="000000"/>
-              </a:solidFill>
-              <a:latin typeface="Calibri"/>
+            <a:endParaRPr b="0" lang="en-US" sz="3200" spc="-1" strike="noStrike">
+              <a:latin typeface="Arial"/>
             </a:endParaRPr>
           </a:p>
         </p:txBody>
@@ -1393,7 +1246,7 @@
             <a:spLocks noGrp="1"/>
           </p:cNvSpPr>
           <p:nvPr>
-            <p:ph type="ftr" idx="2"/>
+            <p:ph type="ftr" idx="1"/>
           </p:nvPr>
         </p:nvSpPr>
         <p:spPr/>
@@ -1413,14 +1266,14 @@
             <a:spLocks noGrp="1"/>
           </p:cNvSpPr>
           <p:nvPr>
-            <p:ph type="sldNum" idx="3"/>
+            <p:ph type="sldNum" idx="2"/>
           </p:nvPr>
         </p:nvSpPr>
         <p:spPr/>
         <p:txBody>
           <a:bodyPr/>
           <a:p>
-            <a:fld id="{44674365-AE4E-4FDB-ADFC-3BAB7F5A36AA}" type="slidenum">
+            <a:fld id="{04613E01-1124-4F82-AFD9-42293A7C2ADB}" type="slidenum">
               <a:t>&lt;#&gt;</a:t>
             </a:fld>
           </a:p>
@@ -1433,7 +1286,7 @@
             <a:spLocks noGrp="1"/>
           </p:cNvSpPr>
           <p:nvPr>
-            <p:ph type="dt" idx="1"/>
+            <p:ph type="dt" idx="3"/>
           </p:nvPr>
         </p:nvSpPr>
         <p:spPr/>
@@ -1471,7 +1324,7 @@
       </p:grpSpPr>
       <p:sp>
         <p:nvSpPr>
-          <p:cNvPr id="5" name="PlaceHolder 1"/>
+          <p:cNvPr id="4" name="PlaceHolder 1"/>
           <p:cNvSpPr>
             <a:spLocks noGrp="1"/>
           </p:cNvSpPr>
@@ -1482,7 +1335,7 @@
         <p:spPr>
           <a:xfrm>
             <a:off x="3291840" y="5387400"/>
-            <a:ext cx="37307160" cy="11460240"/>
+            <a:ext cx="37306800" cy="11459880"/>
           </a:xfrm>
           <a:prstGeom prst="rect">
             <a:avLst/>
@@ -1497,18 +1350,18 @@
             <a:noAutofit/>
           </a:bodyPr>
           <a:p>
-            <a:endParaRPr b="0" lang="en-US" sz="7260" spc="-1" strike="noStrike">
-              <a:solidFill>
-                <a:srgbClr val="000000"/>
-              </a:solidFill>
-              <a:latin typeface="Calibri"/>
-            </a:endParaRPr>
-          </a:p>
-        </p:txBody>
-      </p:sp>
-      <p:sp>
-        <p:nvSpPr>
-          <p:cNvPr id="6" name="PlaceHolder 2"/>
+            <a:pPr algn="ctr">
+              <a:buNone/>
+            </a:pPr>
+            <a:endParaRPr b="0" lang="en-US" sz="4400" spc="-1" strike="noStrike">
+              <a:latin typeface="Arial"/>
+            </a:endParaRPr>
+          </a:p>
+        </p:txBody>
+      </p:sp>
+      <p:sp>
+        <p:nvSpPr>
+          <p:cNvPr id="5" name="PlaceHolder 2"/>
           <p:cNvSpPr>
             <a:spLocks noGrp="1"/>
           </p:cNvSpPr>
@@ -1550,7 +1403,7 @@
             <a:spLocks noGrp="1"/>
           </p:cNvSpPr>
           <p:nvPr>
-            <p:ph type="ftr" idx="2"/>
+            <p:ph type="ftr" idx="1"/>
           </p:nvPr>
         </p:nvSpPr>
         <p:spPr/>
@@ -1570,14 +1423,14 @@
             <a:spLocks noGrp="1"/>
           </p:cNvSpPr>
           <p:nvPr>
-            <p:ph type="sldNum" idx="3"/>
+            <p:ph type="sldNum" idx="2"/>
           </p:nvPr>
         </p:nvSpPr>
         <p:spPr/>
         <p:txBody>
           <a:bodyPr/>
           <a:p>
-            <a:fld id="{04B16944-B1E9-42E9-9D79-FF921152A9DD}" type="slidenum">
+            <a:fld id="{E68DFBC7-1377-4E58-BC91-9B4DBAA4E6F0}" type="slidenum">
               <a:t>&lt;#&gt;</a:t>
             </a:fld>
           </a:p>
@@ -1590,7 +1443,7 @@
             <a:spLocks noGrp="1"/>
           </p:cNvSpPr>
           <p:nvPr>
-            <p:ph type="dt" idx="1"/>
+            <p:ph type="dt" idx="3"/>
           </p:nvPr>
         </p:nvSpPr>
         <p:spPr/>
@@ -1628,7 +1481,7 @@
       </p:grpSpPr>
       <p:sp>
         <p:nvSpPr>
-          <p:cNvPr id="7" name="PlaceHolder 1"/>
+          <p:cNvPr id="6" name="PlaceHolder 1"/>
           <p:cNvSpPr>
             <a:spLocks noGrp="1"/>
           </p:cNvSpPr>
@@ -1639,7 +1492,7 @@
         <p:spPr>
           <a:xfrm>
             <a:off x="3291840" y="5387400"/>
-            <a:ext cx="37307160" cy="11460240"/>
+            <a:ext cx="37306800" cy="11459880"/>
           </a:xfrm>
           <a:prstGeom prst="rect">
             <a:avLst/>
@@ -1654,18 +1507,18 @@
             <a:noAutofit/>
           </a:bodyPr>
           <a:p>
-            <a:endParaRPr b="0" lang="en-US" sz="7260" spc="-1" strike="noStrike">
-              <a:solidFill>
-                <a:srgbClr val="000000"/>
-              </a:solidFill>
-              <a:latin typeface="Calibri"/>
-            </a:endParaRPr>
-          </a:p>
-        </p:txBody>
-      </p:sp>
-      <p:sp>
-        <p:nvSpPr>
-          <p:cNvPr id="8" name="PlaceHolder 2"/>
+            <a:pPr algn="ctr">
+              <a:buNone/>
+            </a:pPr>
+            <a:endParaRPr b="0" lang="en-US" sz="4400" spc="-1" strike="noStrike">
+              <a:latin typeface="Arial"/>
+            </a:endParaRPr>
+          </a:p>
+        </p:txBody>
+      </p:sp>
+      <p:sp>
+        <p:nvSpPr>
+          <p:cNvPr id="7" name="PlaceHolder 2"/>
           <p:cNvSpPr>
             <a:spLocks noGrp="1"/>
           </p:cNvSpPr>
@@ -1691,20 +1544,8 @@
             <a:normAutofit/>
           </a:bodyPr>
           <a:p>
-            <a:pPr>
-              <a:lnSpc>
-                <a:spcPct val="90000"/>
-              </a:lnSpc>
-              <a:spcBef>
-                <a:spcPts val="1417"/>
-              </a:spcBef>
-              <a:buNone/>
-            </a:pPr>
-            <a:endParaRPr b="0" lang="en-US" sz="13439" spc="-1" strike="noStrike">
-              <a:solidFill>
-                <a:srgbClr val="000000"/>
-              </a:solidFill>
-              <a:latin typeface="Calibri"/>
+            <a:endParaRPr b="0" lang="en-US" sz="3200" spc="-1" strike="noStrike">
+              <a:latin typeface="Arial"/>
             </a:endParaRPr>
           </a:p>
         </p:txBody>
@@ -1716,7 +1557,7 @@
             <a:spLocks noGrp="1"/>
           </p:cNvSpPr>
           <p:nvPr>
-            <p:ph type="ftr" idx="2"/>
+            <p:ph type="ftr" idx="1"/>
           </p:nvPr>
         </p:nvSpPr>
         <p:spPr/>
@@ -1736,14 +1577,14 @@
             <a:spLocks noGrp="1"/>
           </p:cNvSpPr>
           <p:nvPr>
-            <p:ph type="sldNum" idx="3"/>
+            <p:ph type="sldNum" idx="2"/>
           </p:nvPr>
         </p:nvSpPr>
         <p:spPr/>
         <p:txBody>
           <a:bodyPr/>
           <a:p>
-            <a:fld id="{047E500F-7777-435C-9947-5282AF0DE343}" type="slidenum">
+            <a:fld id="{FF857BC0-E4B2-4A65-925D-75D7A443B5A8}" type="slidenum">
               <a:t>&lt;#&gt;</a:t>
             </a:fld>
           </a:p>
@@ -1756,7 +1597,7 @@
             <a:spLocks noGrp="1"/>
           </p:cNvSpPr>
           <p:nvPr>
-            <p:ph type="dt" idx="1"/>
+            <p:ph type="dt" idx="3"/>
           </p:nvPr>
         </p:nvSpPr>
         <p:spPr/>
@@ -1794,7 +1635,7 @@
       </p:grpSpPr>
       <p:sp>
         <p:nvSpPr>
-          <p:cNvPr id="9" name="PlaceHolder 1"/>
+          <p:cNvPr id="8" name="PlaceHolder 1"/>
           <p:cNvSpPr>
             <a:spLocks noGrp="1"/>
           </p:cNvSpPr>
@@ -1805,7 +1646,7 @@
         <p:spPr>
           <a:xfrm>
             <a:off x="3291840" y="5387400"/>
-            <a:ext cx="37307160" cy="11460240"/>
+            <a:ext cx="37306800" cy="11459880"/>
           </a:xfrm>
           <a:prstGeom prst="rect">
             <a:avLst/>
@@ -1820,18 +1661,18 @@
             <a:noAutofit/>
           </a:bodyPr>
           <a:p>
-            <a:endParaRPr b="0" lang="en-US" sz="7260" spc="-1" strike="noStrike">
-              <a:solidFill>
-                <a:srgbClr val="000000"/>
-              </a:solidFill>
-              <a:latin typeface="Calibri"/>
-            </a:endParaRPr>
-          </a:p>
-        </p:txBody>
-      </p:sp>
-      <p:sp>
-        <p:nvSpPr>
-          <p:cNvPr id="10" name="PlaceHolder 2"/>
+            <a:pPr algn="ctr">
+              <a:buNone/>
+            </a:pPr>
+            <a:endParaRPr b="0" lang="en-US" sz="4400" spc="-1" strike="noStrike">
+              <a:latin typeface="Arial"/>
+            </a:endParaRPr>
+          </a:p>
+        </p:txBody>
+      </p:sp>
+      <p:sp>
+        <p:nvSpPr>
+          <p:cNvPr id="9" name="PlaceHolder 2"/>
           <p:cNvSpPr>
             <a:spLocks noGrp="1"/>
           </p:cNvSpPr>
@@ -1857,27 +1698,15 @@
             <a:normAutofit/>
           </a:bodyPr>
           <a:p>
-            <a:pPr>
-              <a:lnSpc>
-                <a:spcPct val="90000"/>
-              </a:lnSpc>
-              <a:spcBef>
-                <a:spcPts val="1417"/>
-              </a:spcBef>
-              <a:buNone/>
-            </a:pPr>
-            <a:endParaRPr b="0" lang="en-US" sz="13439" spc="-1" strike="noStrike">
-              <a:solidFill>
-                <a:srgbClr val="000000"/>
-              </a:solidFill>
-              <a:latin typeface="Calibri"/>
-            </a:endParaRPr>
-          </a:p>
-        </p:txBody>
-      </p:sp>
-      <p:sp>
-        <p:nvSpPr>
-          <p:cNvPr id="11" name="PlaceHolder 3"/>
+            <a:endParaRPr b="0" lang="en-US" sz="3200" spc="-1" strike="noStrike">
+              <a:latin typeface="Arial"/>
+            </a:endParaRPr>
+          </a:p>
+        </p:txBody>
+      </p:sp>
+      <p:sp>
+        <p:nvSpPr>
+          <p:cNvPr id="10" name="PlaceHolder 3"/>
           <p:cNvSpPr>
             <a:spLocks noGrp="1"/>
           </p:cNvSpPr>
@@ -1903,20 +1732,8 @@
             <a:normAutofit/>
           </a:bodyPr>
           <a:p>
-            <a:pPr>
-              <a:lnSpc>
-                <a:spcPct val="90000"/>
-              </a:lnSpc>
-              <a:spcBef>
-                <a:spcPts val="1417"/>
-              </a:spcBef>
-              <a:buNone/>
-            </a:pPr>
-            <a:endParaRPr b="0" lang="en-US" sz="13439" spc="-1" strike="noStrike">
-              <a:solidFill>
-                <a:srgbClr val="000000"/>
-              </a:solidFill>
-              <a:latin typeface="Calibri"/>
+            <a:endParaRPr b="0" lang="en-US" sz="3200" spc="-1" strike="noStrike">
+              <a:latin typeface="Arial"/>
             </a:endParaRPr>
           </a:p>
         </p:txBody>
@@ -1928,7 +1745,7 @@
             <a:spLocks noGrp="1"/>
           </p:cNvSpPr>
           <p:nvPr>
-            <p:ph type="ftr" idx="2"/>
+            <p:ph type="ftr" idx="1"/>
           </p:nvPr>
         </p:nvSpPr>
         <p:spPr/>
@@ -1948,14 +1765,14 @@
             <a:spLocks noGrp="1"/>
           </p:cNvSpPr>
           <p:nvPr>
-            <p:ph type="sldNum" idx="3"/>
+            <p:ph type="sldNum" idx="2"/>
           </p:nvPr>
         </p:nvSpPr>
         <p:spPr/>
         <p:txBody>
           <a:bodyPr/>
           <a:p>
-            <a:fld id="{3931E4DC-293E-4BFF-9A82-5630731F6E6F}" type="slidenum">
+            <a:fld id="{BC2934B2-9105-4E18-B7B1-339F00C5124B}" type="slidenum">
               <a:t>&lt;#&gt;</a:t>
             </a:fld>
           </a:p>
@@ -1968,7 +1785,7 @@
             <a:spLocks noGrp="1"/>
           </p:cNvSpPr>
           <p:nvPr>
-            <p:ph type="dt" idx="1"/>
+            <p:ph type="dt" idx="3"/>
           </p:nvPr>
         </p:nvSpPr>
         <p:spPr/>
@@ -2006,7 +1823,7 @@
       </p:grpSpPr>
       <p:sp>
         <p:nvSpPr>
-          <p:cNvPr id="12" name="PlaceHolder 1"/>
+          <p:cNvPr id="11" name="PlaceHolder 1"/>
           <p:cNvSpPr>
             <a:spLocks noGrp="1"/>
           </p:cNvSpPr>
@@ -2017,7 +1834,7 @@
         <p:spPr>
           <a:xfrm>
             <a:off x="3291840" y="5387400"/>
-            <a:ext cx="37307160" cy="11460240"/>
+            <a:ext cx="37306800" cy="11459880"/>
           </a:xfrm>
           <a:prstGeom prst="rect">
             <a:avLst/>
@@ -2032,11 +1849,11 @@
             <a:noAutofit/>
           </a:bodyPr>
           <a:p>
-            <a:endParaRPr b="0" lang="en-US" sz="7260" spc="-1" strike="noStrike">
-              <a:solidFill>
-                <a:srgbClr val="000000"/>
-              </a:solidFill>
-              <a:latin typeface="Calibri"/>
+            <a:pPr algn="ctr">
+              <a:buNone/>
+            </a:pPr>
+            <a:endParaRPr b="0" lang="en-US" sz="4400" spc="-1" strike="noStrike">
+              <a:latin typeface="Arial"/>
             </a:endParaRPr>
           </a:p>
         </p:txBody>
@@ -2048,7 +1865,7 @@
             <a:spLocks noGrp="1"/>
           </p:cNvSpPr>
           <p:nvPr>
-            <p:ph type="ftr" idx="2"/>
+            <p:ph type="ftr" idx="1"/>
           </p:nvPr>
         </p:nvSpPr>
         <p:spPr/>
@@ -2068,14 +1885,14 @@
             <a:spLocks noGrp="1"/>
           </p:cNvSpPr>
           <p:nvPr>
-            <p:ph type="sldNum" idx="3"/>
+            <p:ph type="sldNum" idx="2"/>
           </p:nvPr>
         </p:nvSpPr>
         <p:spPr/>
         <p:txBody>
           <a:bodyPr/>
           <a:p>
-            <a:fld id="{9B4E51EF-5E40-4291-8ABB-BAC5A29A31EA}" type="slidenum">
+            <a:fld id="{1966AE59-5F0E-4D5E-A2FC-B11F488B2BEC}" type="slidenum">
               <a:t>&lt;#&gt;</a:t>
             </a:fld>
           </a:p>
@@ -2088,7 +1905,7 @@
             <a:spLocks noGrp="1"/>
           </p:cNvSpPr>
           <p:nvPr>
-            <p:ph type="dt" idx="1"/>
+            <p:ph type="dt" idx="3"/>
           </p:nvPr>
         </p:nvSpPr>
         <p:spPr/>
@@ -2126,7 +1943,7 @@
       </p:grpSpPr>
       <p:sp>
         <p:nvSpPr>
-          <p:cNvPr id="13" name="PlaceHolder 1"/>
+          <p:cNvPr id="12" name="PlaceHolder 1"/>
           <p:cNvSpPr>
             <a:spLocks noGrp="1"/>
           </p:cNvSpPr>
@@ -2137,7 +1954,7 @@
         <p:spPr>
           <a:xfrm>
             <a:off x="3291840" y="5387400"/>
-            <a:ext cx="37307160" cy="53124120"/>
+            <a:ext cx="37306800" cy="53122320"/>
           </a:xfrm>
           <a:prstGeom prst="rect">
             <a:avLst/>
@@ -2168,7 +1985,7 @@
             <a:spLocks noGrp="1"/>
           </p:cNvSpPr>
           <p:nvPr>
-            <p:ph type="ftr" idx="2"/>
+            <p:ph type="ftr" idx="1"/>
           </p:nvPr>
         </p:nvSpPr>
         <p:spPr/>
@@ -2188,14 +2005,14 @@
             <a:spLocks noGrp="1"/>
           </p:cNvSpPr>
           <p:nvPr>
-            <p:ph type="sldNum" idx="3"/>
+            <p:ph type="sldNum" idx="2"/>
           </p:nvPr>
         </p:nvSpPr>
         <p:spPr/>
         <p:txBody>
           <a:bodyPr/>
           <a:p>
-            <a:fld id="{8BB61F46-2799-4CF0-87F6-5193F5EA3BD6}" type="slidenum">
+            <a:fld id="{8DB77A6D-86FC-4638-9E1D-A6BFB5C66031}" type="slidenum">
               <a:t>&lt;#&gt;</a:t>
             </a:fld>
           </a:p>
@@ -2208,7 +2025,7 @@
             <a:spLocks noGrp="1"/>
           </p:cNvSpPr>
           <p:nvPr>
-            <p:ph type="dt" idx="1"/>
+            <p:ph type="dt" idx="3"/>
           </p:nvPr>
         </p:nvSpPr>
         <p:spPr/>
@@ -2246,7 +2063,7 @@
       </p:grpSpPr>
       <p:sp>
         <p:nvSpPr>
-          <p:cNvPr id="14" name="PlaceHolder 1"/>
+          <p:cNvPr id="13" name="PlaceHolder 1"/>
           <p:cNvSpPr>
             <a:spLocks noGrp="1"/>
           </p:cNvSpPr>
@@ -2257,7 +2074,7 @@
         <p:spPr>
           <a:xfrm>
             <a:off x="3291840" y="5387400"/>
-            <a:ext cx="37307160" cy="11460240"/>
+            <a:ext cx="37306800" cy="11459880"/>
           </a:xfrm>
           <a:prstGeom prst="rect">
             <a:avLst/>
@@ -2272,18 +2089,18 @@
             <a:noAutofit/>
           </a:bodyPr>
           <a:p>
-            <a:endParaRPr b="0" lang="en-US" sz="7260" spc="-1" strike="noStrike">
-              <a:solidFill>
-                <a:srgbClr val="000000"/>
-              </a:solidFill>
-              <a:latin typeface="Calibri"/>
-            </a:endParaRPr>
-          </a:p>
-        </p:txBody>
-      </p:sp>
-      <p:sp>
-        <p:nvSpPr>
-          <p:cNvPr id="15" name="PlaceHolder 2"/>
+            <a:pPr algn="ctr">
+              <a:buNone/>
+            </a:pPr>
+            <a:endParaRPr b="0" lang="en-US" sz="4400" spc="-1" strike="noStrike">
+              <a:latin typeface="Arial"/>
+            </a:endParaRPr>
+          </a:p>
+        </p:txBody>
+      </p:sp>
+      <p:sp>
+        <p:nvSpPr>
+          <p:cNvPr id="14" name="PlaceHolder 2"/>
           <p:cNvSpPr>
             <a:spLocks noGrp="1"/>
           </p:cNvSpPr>
@@ -2309,27 +2126,15 @@
             <a:normAutofit/>
           </a:bodyPr>
           <a:p>
-            <a:pPr>
-              <a:lnSpc>
-                <a:spcPct val="90000"/>
-              </a:lnSpc>
-              <a:spcBef>
-                <a:spcPts val="1417"/>
-              </a:spcBef>
-              <a:buNone/>
-            </a:pPr>
-            <a:endParaRPr b="0" lang="en-US" sz="13439" spc="-1" strike="noStrike">
-              <a:solidFill>
-                <a:srgbClr val="000000"/>
-              </a:solidFill>
-              <a:latin typeface="Calibri"/>
-            </a:endParaRPr>
-          </a:p>
-        </p:txBody>
-      </p:sp>
-      <p:sp>
-        <p:nvSpPr>
-          <p:cNvPr id="16" name="PlaceHolder 3"/>
+            <a:endParaRPr b="0" lang="en-US" sz="3200" spc="-1" strike="noStrike">
+              <a:latin typeface="Arial"/>
+            </a:endParaRPr>
+          </a:p>
+        </p:txBody>
+      </p:sp>
+      <p:sp>
+        <p:nvSpPr>
+          <p:cNvPr id="15" name="PlaceHolder 3"/>
           <p:cNvSpPr>
             <a:spLocks noGrp="1"/>
           </p:cNvSpPr>
@@ -2355,27 +2160,15 @@
             <a:normAutofit/>
           </a:bodyPr>
           <a:p>
-            <a:pPr>
-              <a:lnSpc>
-                <a:spcPct val="90000"/>
-              </a:lnSpc>
-              <a:spcBef>
-                <a:spcPts val="1417"/>
-              </a:spcBef>
-              <a:buNone/>
-            </a:pPr>
-            <a:endParaRPr b="0" lang="en-US" sz="13439" spc="-1" strike="noStrike">
-              <a:solidFill>
-                <a:srgbClr val="000000"/>
-              </a:solidFill>
-              <a:latin typeface="Calibri"/>
-            </a:endParaRPr>
-          </a:p>
-        </p:txBody>
-      </p:sp>
-      <p:sp>
-        <p:nvSpPr>
-          <p:cNvPr id="17" name="PlaceHolder 4"/>
+            <a:endParaRPr b="0" lang="en-US" sz="3200" spc="-1" strike="noStrike">
+              <a:latin typeface="Arial"/>
+            </a:endParaRPr>
+          </a:p>
+        </p:txBody>
+      </p:sp>
+      <p:sp>
+        <p:nvSpPr>
+          <p:cNvPr id="16" name="PlaceHolder 4"/>
           <p:cNvSpPr>
             <a:spLocks noGrp="1"/>
           </p:cNvSpPr>
@@ -2401,20 +2194,8 @@
             <a:normAutofit/>
           </a:bodyPr>
           <a:p>
-            <a:pPr>
-              <a:lnSpc>
-                <a:spcPct val="90000"/>
-              </a:lnSpc>
-              <a:spcBef>
-                <a:spcPts val="1417"/>
-              </a:spcBef>
-              <a:buNone/>
-            </a:pPr>
-            <a:endParaRPr b="0" lang="en-US" sz="13439" spc="-1" strike="noStrike">
-              <a:solidFill>
-                <a:srgbClr val="000000"/>
-              </a:solidFill>
-              <a:latin typeface="Calibri"/>
+            <a:endParaRPr b="0" lang="en-US" sz="3200" spc="-1" strike="noStrike">
+              <a:latin typeface="Arial"/>
             </a:endParaRPr>
           </a:p>
         </p:txBody>
@@ -2426,7 +2207,7 @@
             <a:spLocks noGrp="1"/>
           </p:cNvSpPr>
           <p:nvPr>
-            <p:ph type="ftr" idx="2"/>
+            <p:ph type="ftr" idx="1"/>
           </p:nvPr>
         </p:nvSpPr>
         <p:spPr/>
@@ -2446,14 +2227,14 @@
             <a:spLocks noGrp="1"/>
           </p:cNvSpPr>
           <p:nvPr>
-            <p:ph type="sldNum" idx="3"/>
+            <p:ph type="sldNum" idx="2"/>
           </p:nvPr>
         </p:nvSpPr>
         <p:spPr/>
         <p:txBody>
           <a:bodyPr/>
           <a:p>
-            <a:fld id="{8470135B-A083-435B-9E22-33F5C4F45B1E}" type="slidenum">
+            <a:fld id="{493054A1-8B2C-44A3-93F8-896F9F4CD857}" type="slidenum">
               <a:t>&lt;#&gt;</a:t>
             </a:fld>
           </a:p>
@@ -2466,7 +2247,7 @@
             <a:spLocks noGrp="1"/>
           </p:cNvSpPr>
           <p:nvPr>
-            <p:ph type="dt" idx="1"/>
+            <p:ph type="dt" idx="3"/>
           </p:nvPr>
         </p:nvSpPr>
         <p:spPr/>
@@ -2504,7 +2285,7 @@
       </p:grpSpPr>
       <p:sp>
         <p:nvSpPr>
-          <p:cNvPr id="18" name="PlaceHolder 1"/>
+          <p:cNvPr id="17" name="PlaceHolder 1"/>
           <p:cNvSpPr>
             <a:spLocks noGrp="1"/>
           </p:cNvSpPr>
@@ -2515,7 +2296,7 @@
         <p:spPr>
           <a:xfrm>
             <a:off x="3291840" y="5387400"/>
-            <a:ext cx="37307160" cy="11460240"/>
+            <a:ext cx="37306800" cy="11459880"/>
           </a:xfrm>
           <a:prstGeom prst="rect">
             <a:avLst/>
@@ -2530,18 +2311,18 @@
             <a:noAutofit/>
           </a:bodyPr>
           <a:p>
-            <a:endParaRPr b="0" lang="en-US" sz="7260" spc="-1" strike="noStrike">
-              <a:solidFill>
-                <a:srgbClr val="000000"/>
-              </a:solidFill>
-              <a:latin typeface="Calibri"/>
-            </a:endParaRPr>
-          </a:p>
-        </p:txBody>
-      </p:sp>
-      <p:sp>
-        <p:nvSpPr>
-          <p:cNvPr id="19" name="PlaceHolder 2"/>
+            <a:pPr algn="ctr">
+              <a:buNone/>
+            </a:pPr>
+            <a:endParaRPr b="0" lang="en-US" sz="4400" spc="-1" strike="noStrike">
+              <a:latin typeface="Arial"/>
+            </a:endParaRPr>
+          </a:p>
+        </p:txBody>
+      </p:sp>
+      <p:sp>
+        <p:nvSpPr>
+          <p:cNvPr id="18" name="PlaceHolder 2"/>
           <p:cNvSpPr>
             <a:spLocks noGrp="1"/>
           </p:cNvSpPr>
@@ -2567,27 +2348,15 @@
             <a:normAutofit/>
           </a:bodyPr>
           <a:p>
-            <a:pPr>
-              <a:lnSpc>
-                <a:spcPct val="90000"/>
-              </a:lnSpc>
-              <a:spcBef>
-                <a:spcPts val="1417"/>
-              </a:spcBef>
-              <a:buNone/>
-            </a:pPr>
-            <a:endParaRPr b="0" lang="en-US" sz="13439" spc="-1" strike="noStrike">
-              <a:solidFill>
-                <a:srgbClr val="000000"/>
-              </a:solidFill>
-              <a:latin typeface="Calibri"/>
-            </a:endParaRPr>
-          </a:p>
-        </p:txBody>
-      </p:sp>
-      <p:sp>
-        <p:nvSpPr>
-          <p:cNvPr id="20" name="PlaceHolder 3"/>
+            <a:endParaRPr b="0" lang="en-US" sz="3200" spc="-1" strike="noStrike">
+              <a:latin typeface="Arial"/>
+            </a:endParaRPr>
+          </a:p>
+        </p:txBody>
+      </p:sp>
+      <p:sp>
+        <p:nvSpPr>
+          <p:cNvPr id="19" name="PlaceHolder 3"/>
           <p:cNvSpPr>
             <a:spLocks noGrp="1"/>
           </p:cNvSpPr>
@@ -2613,27 +2382,15 @@
             <a:normAutofit/>
           </a:bodyPr>
           <a:p>
-            <a:pPr>
-              <a:lnSpc>
-                <a:spcPct val="90000"/>
-              </a:lnSpc>
-              <a:spcBef>
-                <a:spcPts val="1417"/>
-              </a:spcBef>
-              <a:buNone/>
-            </a:pPr>
-            <a:endParaRPr b="0" lang="en-US" sz="13439" spc="-1" strike="noStrike">
-              <a:solidFill>
-                <a:srgbClr val="000000"/>
-              </a:solidFill>
-              <a:latin typeface="Calibri"/>
-            </a:endParaRPr>
-          </a:p>
-        </p:txBody>
-      </p:sp>
-      <p:sp>
-        <p:nvSpPr>
-          <p:cNvPr id="21" name="PlaceHolder 4"/>
+            <a:endParaRPr b="0" lang="en-US" sz="3200" spc="-1" strike="noStrike">
+              <a:latin typeface="Arial"/>
+            </a:endParaRPr>
+          </a:p>
+        </p:txBody>
+      </p:sp>
+      <p:sp>
+        <p:nvSpPr>
+          <p:cNvPr id="20" name="PlaceHolder 4"/>
           <p:cNvSpPr>
             <a:spLocks noGrp="1"/>
           </p:cNvSpPr>
@@ -2659,20 +2416,8 @@
             <a:normAutofit/>
           </a:bodyPr>
           <a:p>
-            <a:pPr>
-              <a:lnSpc>
-                <a:spcPct val="90000"/>
-              </a:lnSpc>
-              <a:spcBef>
-                <a:spcPts val="1417"/>
-              </a:spcBef>
-              <a:buNone/>
-            </a:pPr>
-            <a:endParaRPr b="0" lang="en-US" sz="13439" spc="-1" strike="noStrike">
-              <a:solidFill>
-                <a:srgbClr val="000000"/>
-              </a:solidFill>
-              <a:latin typeface="Calibri"/>
+            <a:endParaRPr b="0" lang="en-US" sz="3200" spc="-1" strike="noStrike">
+              <a:latin typeface="Arial"/>
             </a:endParaRPr>
           </a:p>
         </p:txBody>
@@ -2684,7 +2429,7 @@
             <a:spLocks noGrp="1"/>
           </p:cNvSpPr>
           <p:nvPr>
-            <p:ph type="ftr" idx="2"/>
+            <p:ph type="ftr" idx="1"/>
           </p:nvPr>
         </p:nvSpPr>
         <p:spPr/>
@@ -2704,14 +2449,14 @@
             <a:spLocks noGrp="1"/>
           </p:cNvSpPr>
           <p:nvPr>
-            <p:ph type="sldNum" idx="3"/>
+            <p:ph type="sldNum" idx="2"/>
           </p:nvPr>
         </p:nvSpPr>
         <p:spPr/>
         <p:txBody>
           <a:bodyPr/>
           <a:p>
-            <a:fld id="{88D07542-972C-4811-AA3C-C31F8EDF7EE8}" type="slidenum">
+            <a:fld id="{85535B52-D632-47E1-83E4-8FB321DF9005}" type="slidenum">
               <a:t>&lt;#&gt;</a:t>
             </a:fld>
           </a:p>
@@ -2724,7 +2469,7 @@
             <a:spLocks noGrp="1"/>
           </p:cNvSpPr>
           <p:nvPr>
-            <p:ph type="dt" idx="1"/>
+            <p:ph type="dt" idx="3"/>
           </p:nvPr>
         </p:nvSpPr>
         <p:spPr/>
@@ -2762,7 +2507,7 @@
       </p:grpSpPr>
       <p:sp>
         <p:nvSpPr>
-          <p:cNvPr id="22" name="PlaceHolder 1"/>
+          <p:cNvPr id="21" name="PlaceHolder 1"/>
           <p:cNvSpPr>
             <a:spLocks noGrp="1"/>
           </p:cNvSpPr>
@@ -2773,7 +2518,7 @@
         <p:spPr>
           <a:xfrm>
             <a:off x="3291840" y="5387400"/>
-            <a:ext cx="37307160" cy="11460240"/>
+            <a:ext cx="37306800" cy="11459880"/>
           </a:xfrm>
           <a:prstGeom prst="rect">
             <a:avLst/>
@@ -2788,18 +2533,18 @@
             <a:noAutofit/>
           </a:bodyPr>
           <a:p>
-            <a:endParaRPr b="0" lang="en-US" sz="7260" spc="-1" strike="noStrike">
-              <a:solidFill>
-                <a:srgbClr val="000000"/>
-              </a:solidFill>
-              <a:latin typeface="Calibri"/>
-            </a:endParaRPr>
-          </a:p>
-        </p:txBody>
-      </p:sp>
-      <p:sp>
-        <p:nvSpPr>
-          <p:cNvPr id="23" name="PlaceHolder 2"/>
+            <a:pPr algn="ctr">
+              <a:buNone/>
+            </a:pPr>
+            <a:endParaRPr b="0" lang="en-US" sz="4400" spc="-1" strike="noStrike">
+              <a:latin typeface="Arial"/>
+            </a:endParaRPr>
+          </a:p>
+        </p:txBody>
+      </p:sp>
+      <p:sp>
+        <p:nvSpPr>
+          <p:cNvPr id="22" name="PlaceHolder 2"/>
           <p:cNvSpPr>
             <a:spLocks noGrp="1"/>
           </p:cNvSpPr>
@@ -2825,27 +2570,15 @@
             <a:normAutofit/>
           </a:bodyPr>
           <a:p>
-            <a:pPr>
-              <a:lnSpc>
-                <a:spcPct val="90000"/>
-              </a:lnSpc>
-              <a:spcBef>
-                <a:spcPts val="1417"/>
-              </a:spcBef>
-              <a:buNone/>
-            </a:pPr>
-            <a:endParaRPr b="0" lang="en-US" sz="13439" spc="-1" strike="noStrike">
-              <a:solidFill>
-                <a:srgbClr val="000000"/>
-              </a:solidFill>
-              <a:latin typeface="Calibri"/>
-            </a:endParaRPr>
-          </a:p>
-        </p:txBody>
-      </p:sp>
-      <p:sp>
-        <p:nvSpPr>
-          <p:cNvPr id="24" name="PlaceHolder 3"/>
+            <a:endParaRPr b="0" lang="en-US" sz="3200" spc="-1" strike="noStrike">
+              <a:latin typeface="Arial"/>
+            </a:endParaRPr>
+          </a:p>
+        </p:txBody>
+      </p:sp>
+      <p:sp>
+        <p:nvSpPr>
+          <p:cNvPr id="23" name="PlaceHolder 3"/>
           <p:cNvSpPr>
             <a:spLocks noGrp="1"/>
           </p:cNvSpPr>
@@ -2871,27 +2604,15 @@
             <a:normAutofit/>
           </a:bodyPr>
           <a:p>
-            <a:pPr>
-              <a:lnSpc>
-                <a:spcPct val="90000"/>
-              </a:lnSpc>
-              <a:spcBef>
-                <a:spcPts val="1417"/>
-              </a:spcBef>
-              <a:buNone/>
-            </a:pPr>
-            <a:endParaRPr b="0" lang="en-US" sz="13439" spc="-1" strike="noStrike">
-              <a:solidFill>
-                <a:srgbClr val="000000"/>
-              </a:solidFill>
-              <a:latin typeface="Calibri"/>
-            </a:endParaRPr>
-          </a:p>
-        </p:txBody>
-      </p:sp>
-      <p:sp>
-        <p:nvSpPr>
-          <p:cNvPr id="25" name="PlaceHolder 4"/>
+            <a:endParaRPr b="0" lang="en-US" sz="3200" spc="-1" strike="noStrike">
+              <a:latin typeface="Arial"/>
+            </a:endParaRPr>
+          </a:p>
+        </p:txBody>
+      </p:sp>
+      <p:sp>
+        <p:nvSpPr>
+          <p:cNvPr id="24" name="PlaceHolder 4"/>
           <p:cNvSpPr>
             <a:spLocks noGrp="1"/>
           </p:cNvSpPr>
@@ -2917,20 +2638,8 @@
             <a:normAutofit/>
           </a:bodyPr>
           <a:p>
-            <a:pPr>
-              <a:lnSpc>
-                <a:spcPct val="90000"/>
-              </a:lnSpc>
-              <a:spcBef>
-                <a:spcPts val="1417"/>
-              </a:spcBef>
-              <a:buNone/>
-            </a:pPr>
-            <a:endParaRPr b="0" lang="en-US" sz="13439" spc="-1" strike="noStrike">
-              <a:solidFill>
-                <a:srgbClr val="000000"/>
-              </a:solidFill>
-              <a:latin typeface="Calibri"/>
+            <a:endParaRPr b="0" lang="en-US" sz="3200" spc="-1" strike="noStrike">
+              <a:latin typeface="Arial"/>
             </a:endParaRPr>
           </a:p>
         </p:txBody>
@@ -2942,7 +2651,7 @@
             <a:spLocks noGrp="1"/>
           </p:cNvSpPr>
           <p:nvPr>
-            <p:ph type="ftr" idx="2"/>
+            <p:ph type="ftr" idx="1"/>
           </p:nvPr>
         </p:nvSpPr>
         <p:spPr/>
@@ -2962,14 +2671,14 @@
             <a:spLocks noGrp="1"/>
           </p:cNvSpPr>
           <p:nvPr>
-            <p:ph type="sldNum" idx="3"/>
+            <p:ph type="sldNum" idx="2"/>
           </p:nvPr>
         </p:nvSpPr>
         <p:spPr/>
         <p:txBody>
           <a:bodyPr/>
           <a:p>
-            <a:fld id="{187B734C-222D-43DA-B719-8B35E5776DCB}" type="slidenum">
+            <a:fld id="{D3920BE5-DEF1-4ED4-A0FF-BE6DC5C02069}" type="slidenum">
               <a:t>&lt;#&gt;</a:t>
             </a:fld>
           </a:p>
@@ -2982,7 +2691,7 @@
             <a:spLocks noGrp="1"/>
           </p:cNvSpPr>
           <p:nvPr>
-            <p:ph type="dt" idx="1"/>
+            <p:ph type="dt" idx="3"/>
           </p:nvPr>
         </p:nvSpPr>
         <p:spPr/>
@@ -3038,74 +2747,119 @@
         <p:spPr>
           <a:xfrm>
             <a:off x="3291840" y="5387400"/>
-            <a:ext cx="37307160" cy="11460240"/>
-          </a:xfrm>
-          <a:prstGeom prst="rect">
-            <a:avLst/>
-          </a:prstGeom>
-          <a:noFill/>
-          <a:ln w="0">
-            <a:noFill/>
-          </a:ln>
-        </p:spPr>
-        <p:txBody>
-          <a:bodyPr anchor="b">
+            <a:ext cx="37306800" cy="11459880"/>
+          </a:xfrm>
+          <a:prstGeom prst="rect">
+            <a:avLst/>
+          </a:prstGeom>
+          <a:noFill/>
+          <a:ln w="0">
+            <a:noFill/>
+          </a:ln>
+        </p:spPr>
+        <p:txBody>
+          <a:bodyPr lIns="0" rIns="0" tIns="0" bIns="0" anchor="ctr">
             <a:noAutofit/>
           </a:bodyPr>
+          <a:p>
+            <a:r>
+              <a:rPr b="0" lang="en-US" sz="1800" spc="-1" strike="noStrike">
+                <a:latin typeface="Arial"/>
+              </a:rPr>
+              <a:t>Click to edit the title text format</a:t>
+            </a:r>
+            <a:endParaRPr b="0" lang="en-US" sz="1800" spc="-1" strike="noStrike">
+              <a:latin typeface="Arial"/>
+            </a:endParaRPr>
+          </a:p>
+        </p:txBody>
+      </p:sp>
+      <p:sp>
+        <p:nvSpPr>
+          <p:cNvPr id="1" name="PlaceHolder 2"/>
+          <p:cNvSpPr>
+            <a:spLocks noGrp="1"/>
+          </p:cNvSpPr>
+          <p:nvPr>
+            <p:ph type="ftr" idx="1"/>
+          </p:nvPr>
+        </p:nvSpPr>
+        <p:spPr>
+          <a:xfrm>
+            <a:off x="14538960" y="30510360"/>
+            <a:ext cx="14812560" cy="1751760"/>
+          </a:xfrm>
+          <a:prstGeom prst="rect">
+            <a:avLst/>
+          </a:prstGeom>
+          <a:noFill/>
+          <a:ln w="0">
+            <a:noFill/>
+          </a:ln>
+        </p:spPr>
+        <p:txBody>
+          <a:bodyPr lIns="90000" rIns="90000" tIns="45000" bIns="45000" anchor="ctr">
+            <a:noAutofit/>
+          </a:bodyPr>
+          <a:lstStyle>
+            <a:lvl1pPr algn="ctr">
+              <a:lnSpc>
+                <a:spcPct val="100000"/>
+              </a:lnSpc>
+              <a:buNone/>
+              <a:defRPr b="0" lang="en-US" sz="1400" spc="-1" strike="noStrike">
+                <a:latin typeface="Times New Roman"/>
+              </a:defRPr>
+            </a:lvl1pPr>
+          </a:lstStyle>
           <a:p>
             <a:pPr algn="ctr">
               <a:lnSpc>
-                <a:spcPct val="90000"/>
+                <a:spcPct val="100000"/>
               </a:lnSpc>
               <a:buNone/>
             </a:pPr>
             <a:r>
-              <a:rPr b="0" lang="en-US" sz="28800" spc="-1" strike="noStrike">
-                <a:solidFill>
-                  <a:srgbClr val="000000"/>
-                </a:solidFill>
-                <a:latin typeface="Calibri Light"/>
+              <a:rPr b="0" lang="en-US" sz="1400" spc="-1" strike="noStrike">
+                <a:latin typeface="Times New Roman"/>
               </a:rPr>
-              <a:t>Click to edit Master title style</a:t>
-            </a:r>
-            <a:endParaRPr b="0" lang="en-US" sz="28800" spc="-1" strike="noStrike">
-              <a:solidFill>
-                <a:srgbClr val="000000"/>
-              </a:solidFill>
-              <a:latin typeface="Calibri"/>
-            </a:endParaRPr>
-          </a:p>
-        </p:txBody>
-      </p:sp>
-      <p:sp>
-        <p:nvSpPr>
-          <p:cNvPr id="1" name="PlaceHolder 2"/>
-          <p:cNvSpPr>
-            <a:spLocks noGrp="1"/>
-          </p:cNvSpPr>
-          <p:nvPr>
-            <p:ph type="dt" idx="1"/>
-          </p:nvPr>
-        </p:nvSpPr>
-        <p:spPr>
-          <a:xfrm>
-            <a:off x="3017520" y="30510360"/>
-            <a:ext cx="9875160" cy="1752120"/>
-          </a:xfrm>
-          <a:prstGeom prst="rect">
-            <a:avLst/>
-          </a:prstGeom>
-          <a:noFill/>
-          <a:ln w="0">
-            <a:noFill/>
-          </a:ln>
-        </p:spPr>
-        <p:txBody>
-          <a:bodyPr anchor="ctr">
+              <a:t>&lt;footer&gt;</a:t>
+            </a:r>
+            <a:endParaRPr b="0" lang="en-US" sz="1400" spc="-1" strike="noStrike">
+              <a:latin typeface="Times New Roman"/>
+            </a:endParaRPr>
+          </a:p>
+        </p:txBody>
+      </p:sp>
+      <p:sp>
+        <p:nvSpPr>
+          <p:cNvPr id="2" name="PlaceHolder 3"/>
+          <p:cNvSpPr>
+            <a:spLocks noGrp="1"/>
+          </p:cNvSpPr>
+          <p:nvPr>
+            <p:ph type="sldNum" idx="2"/>
+          </p:nvPr>
+        </p:nvSpPr>
+        <p:spPr>
+          <a:xfrm>
+            <a:off x="30998160" y="30510360"/>
+            <a:ext cx="9874800" cy="1751760"/>
+          </a:xfrm>
+          <a:prstGeom prst="rect">
+            <a:avLst/>
+          </a:prstGeom>
+          <a:noFill/>
+          <a:ln w="0">
+            <a:noFill/>
+          </a:ln>
+        </p:spPr>
+        <p:txBody>
+          <a:bodyPr lIns="90000" rIns="90000" tIns="45000" bIns="45000" anchor="ctr">
             <a:noAutofit/>
           </a:bodyPr>
           <a:lstStyle>
-            <a:lvl1pPr>
+            <a:lvl1pPr algn="r">
               <a:lnSpc>
                 <a:spcPct val="100000"/>
               </a:lnSpc>
@@ -3119,21 +2873,21 @@
             </a:lvl1pPr>
           </a:lstStyle>
           <a:p>
-            <a:pPr>
+            <a:pPr algn="r">
               <a:lnSpc>
                 <a:spcPct val="100000"/>
               </a:lnSpc>
               <a:buNone/>
             </a:pPr>
-            <a:r>
+            <a:fld id="{D7E22B8B-35BE-4FD5-B546-F6A0C4EF9C67}" type="slidenum">
               <a:rPr b="0" lang="en-US" sz="5760" spc="-1" strike="noStrike">
                 <a:solidFill>
                   <a:srgbClr val="8b8b8b"/>
                 </a:solidFill>
                 <a:latin typeface="Calibri"/>
               </a:rPr>
-              <a:t> </a:t>
-            </a:r>
+              <a:t>&lt;number&gt;</a:t>
+            </a:fld>
             <a:endParaRPr b="0" lang="en-US" sz="5760" spc="-1" strike="noStrike">
               <a:latin typeface="Times New Roman"/>
             </a:endParaRPr>
@@ -3142,360 +2896,47 @@
       </p:sp>
       <p:sp>
         <p:nvSpPr>
-          <p:cNvPr id="2" name="PlaceHolder 3"/>
-          <p:cNvSpPr>
-            <a:spLocks noGrp="1"/>
-          </p:cNvSpPr>
-          <p:nvPr>
-            <p:ph type="ftr" idx="2"/>
-          </p:nvPr>
-        </p:nvSpPr>
-        <p:spPr>
-          <a:xfrm>
-            <a:off x="14538960" y="30510360"/>
-            <a:ext cx="14812920" cy="1752120"/>
-          </a:xfrm>
-          <a:prstGeom prst="rect">
-            <a:avLst/>
-          </a:prstGeom>
-          <a:noFill/>
-          <a:ln w="0">
-            <a:noFill/>
-          </a:ln>
-        </p:spPr>
-        <p:txBody>
-          <a:bodyPr anchor="ctr">
+          <p:cNvPr id="3" name="PlaceHolder 4"/>
+          <p:cNvSpPr>
+            <a:spLocks noGrp="1"/>
+          </p:cNvSpPr>
+          <p:nvPr>
+            <p:ph type="dt" idx="3"/>
+          </p:nvPr>
+        </p:nvSpPr>
+        <p:spPr>
+          <a:xfrm>
+            <a:off x="3017520" y="30510360"/>
+            <a:ext cx="9874800" cy="1751760"/>
+          </a:xfrm>
+          <a:prstGeom prst="rect">
+            <a:avLst/>
+          </a:prstGeom>
+          <a:noFill/>
+          <a:ln w="0">
+            <a:noFill/>
+          </a:ln>
+        </p:spPr>
+        <p:txBody>
+          <a:bodyPr lIns="90000" rIns="90000" tIns="45000" bIns="45000" anchor="ctr">
             <a:noAutofit/>
           </a:bodyPr>
           <a:lstStyle>
-            <a:lvl1pPr algn="ctr">
-              <a:buNone/>
+            <a:lvl1pPr>
               <a:defRPr b="0" lang="en-US" sz="1400" spc="-1" strike="noStrike">
                 <a:latin typeface="Times New Roman"/>
               </a:defRPr>
             </a:lvl1pPr>
           </a:lstStyle>
           <a:p>
-            <a:pPr algn="ctr">
-              <a:buNone/>
-            </a:pPr>
             <a:r>
               <a:rPr b="0" lang="en-US" sz="1400" spc="-1" strike="noStrike">
                 <a:latin typeface="Times New Roman"/>
               </a:rPr>
-              <a:t> </a:t>
+              <a:t>&lt;date/time&gt;</a:t>
             </a:r>
             <a:endParaRPr b="0" lang="en-US" sz="1400" spc="-1" strike="noStrike">
               <a:latin typeface="Times New Roman"/>
-            </a:endParaRPr>
-          </a:p>
-        </p:txBody>
-      </p:sp>
-      <p:sp>
-        <p:nvSpPr>
-          <p:cNvPr id="3" name="PlaceHolder 4"/>
-          <p:cNvSpPr>
-            <a:spLocks noGrp="1"/>
-          </p:cNvSpPr>
-          <p:nvPr>
-            <p:ph type="sldNum" idx="3"/>
-          </p:nvPr>
-        </p:nvSpPr>
-        <p:spPr>
-          <a:xfrm>
-            <a:off x="30998160" y="30510360"/>
-            <a:ext cx="9875160" cy="1752120"/>
-          </a:xfrm>
-          <a:prstGeom prst="rect">
-            <a:avLst/>
-          </a:prstGeom>
-          <a:noFill/>
-          <a:ln w="0">
-            <a:noFill/>
-          </a:ln>
-        </p:spPr>
-        <p:txBody>
-          <a:bodyPr anchor="ctr">
-            <a:noAutofit/>
-          </a:bodyPr>
-          <a:lstStyle>
-            <a:lvl1pPr algn="r">
-              <a:lnSpc>
-                <a:spcPct val="100000"/>
-              </a:lnSpc>
-              <a:buNone/>
-              <a:defRPr b="0" lang="en-US" sz="5760" spc="-1" strike="noStrike">
-                <a:solidFill>
-                  <a:srgbClr val="8b8b8b"/>
-                </a:solidFill>
-                <a:latin typeface="Calibri"/>
-              </a:defRPr>
-            </a:lvl1pPr>
-          </a:lstStyle>
-          <a:p>
-            <a:pPr algn="r">
-              <a:lnSpc>
-                <a:spcPct val="100000"/>
-              </a:lnSpc>
-              <a:buNone/>
-            </a:pPr>
-            <a:fld id="{C2B4D1D6-F431-4C36-BFC4-10E5A87D2410}" type="slidenum">
-              <a:rPr b="0" lang="en-US" sz="5760" spc="-1" strike="noStrike">
-                <a:solidFill>
-                  <a:srgbClr val="8b8b8b"/>
-                </a:solidFill>
-                <a:latin typeface="Calibri"/>
-              </a:rPr>
-              <a:t>1</a:t>
-            </a:fld>
-            <a:endParaRPr b="0" lang="en-US" sz="5760" spc="-1" strike="noStrike">
-              <a:latin typeface="Times New Roman"/>
-            </a:endParaRPr>
-          </a:p>
-        </p:txBody>
-      </p:sp>
-      <p:sp>
-        <p:nvSpPr>
-          <p:cNvPr id="4" name="PlaceHolder 5"/>
-          <p:cNvSpPr>
-            <a:spLocks noGrp="1"/>
-          </p:cNvSpPr>
-          <p:nvPr>
-            <p:ph type="body"/>
-          </p:nvPr>
-        </p:nvSpPr>
-        <p:spPr>
-          <a:xfrm>
-            <a:off x="2194560" y="7702560"/>
-            <a:ext cx="39501720" cy="19092240"/>
-          </a:xfrm>
-          <a:prstGeom prst="rect">
-            <a:avLst/>
-          </a:prstGeom>
-          <a:noFill/>
-          <a:ln w="0">
-            <a:noFill/>
-          </a:ln>
-        </p:spPr>
-        <p:txBody>
-          <a:bodyPr lIns="0" rIns="0" tIns="0" bIns="0" anchor="t">
-            <a:normAutofit/>
-          </a:bodyPr>
-          <a:p>
-            <a:pPr marL="432000" indent="-324000">
-              <a:lnSpc>
-                <a:spcPct val="90000"/>
-              </a:lnSpc>
-              <a:spcBef>
-                <a:spcPts val="1417"/>
-              </a:spcBef>
-              <a:buClr>
-                <a:srgbClr val="000000"/>
-              </a:buClr>
-              <a:buSzPct val="45000"/>
-              <a:buFont typeface="Wingdings" charset="2"/>
-              <a:buChar char=""/>
-            </a:pPr>
-            <a:r>
-              <a:rPr b="0" lang="en-US" sz="13439" spc="-1" strike="noStrike">
-                <a:solidFill>
-                  <a:srgbClr val="000000"/>
-                </a:solidFill>
-                <a:latin typeface="Calibri"/>
-              </a:rPr>
-              <a:t>Click to edit the outline text format</a:t>
-            </a:r>
-            <a:endParaRPr b="0" lang="en-US" sz="13439" spc="-1" strike="noStrike">
-              <a:solidFill>
-                <a:srgbClr val="000000"/>
-              </a:solidFill>
-              <a:latin typeface="Calibri"/>
-            </a:endParaRPr>
-          </a:p>
-          <a:p>
-            <a:pPr lvl="1" marL="864000" indent="-324000">
-              <a:lnSpc>
-                <a:spcPct val="90000"/>
-              </a:lnSpc>
-              <a:spcBef>
-                <a:spcPts val="1134"/>
-              </a:spcBef>
-              <a:buClr>
-                <a:srgbClr val="000000"/>
-              </a:buClr>
-              <a:buSzPct val="75000"/>
-              <a:buFont typeface="Symbol" charset="2"/>
-              <a:buChar char=""/>
-            </a:pPr>
-            <a:r>
-              <a:rPr b="0" lang="en-US" sz="9600" spc="-1" strike="noStrike">
-                <a:solidFill>
-                  <a:srgbClr val="000000"/>
-                </a:solidFill>
-                <a:latin typeface="Calibri"/>
-              </a:rPr>
-              <a:t>Second Outline Level</a:t>
-            </a:r>
-            <a:endParaRPr b="0" lang="en-US" sz="9600" spc="-1" strike="noStrike">
-              <a:solidFill>
-                <a:srgbClr val="000000"/>
-              </a:solidFill>
-              <a:latin typeface="Calibri"/>
-            </a:endParaRPr>
-          </a:p>
-          <a:p>
-            <a:pPr lvl="2" marL="1296000" indent="-288000">
-              <a:lnSpc>
-                <a:spcPct val="90000"/>
-              </a:lnSpc>
-              <a:spcBef>
-                <a:spcPts val="850"/>
-              </a:spcBef>
-              <a:buClr>
-                <a:srgbClr val="000000"/>
-              </a:buClr>
-              <a:buSzPct val="45000"/>
-              <a:buFont typeface="Wingdings" charset="2"/>
-              <a:buChar char=""/>
-            </a:pPr>
-            <a:r>
-              <a:rPr b="0" lang="en-US" sz="8640" spc="-1" strike="noStrike">
-                <a:solidFill>
-                  <a:srgbClr val="000000"/>
-                </a:solidFill>
-                <a:latin typeface="Calibri"/>
-              </a:rPr>
-              <a:t>Third Outline Level</a:t>
-            </a:r>
-            <a:endParaRPr b="0" lang="en-US" sz="8640" spc="-1" strike="noStrike">
-              <a:solidFill>
-                <a:srgbClr val="000000"/>
-              </a:solidFill>
-              <a:latin typeface="Calibri"/>
-            </a:endParaRPr>
-          </a:p>
-          <a:p>
-            <a:pPr lvl="3" marL="1728000" indent="-216000">
-              <a:lnSpc>
-                <a:spcPct val="90000"/>
-              </a:lnSpc>
-              <a:spcBef>
-                <a:spcPts val="567"/>
-              </a:spcBef>
-              <a:buClr>
-                <a:srgbClr val="000000"/>
-              </a:buClr>
-              <a:buSzPct val="75000"/>
-              <a:buFont typeface="Symbol" charset="2"/>
-              <a:buChar char=""/>
-            </a:pPr>
-            <a:r>
-              <a:rPr b="0" lang="en-US" sz="8640" spc="-1" strike="noStrike">
-                <a:solidFill>
-                  <a:srgbClr val="000000"/>
-                </a:solidFill>
-                <a:latin typeface="Calibri"/>
-              </a:rPr>
-              <a:t>Fourth Outline Level</a:t>
-            </a:r>
-            <a:endParaRPr b="0" lang="en-US" sz="8640" spc="-1" strike="noStrike">
-              <a:solidFill>
-                <a:srgbClr val="000000"/>
-              </a:solidFill>
-              <a:latin typeface="Calibri"/>
-            </a:endParaRPr>
-          </a:p>
-          <a:p>
-            <a:pPr lvl="4" marL="2160000" indent="-216000">
-              <a:lnSpc>
-                <a:spcPct val="90000"/>
-              </a:lnSpc>
-              <a:spcBef>
-                <a:spcPts val="283"/>
-              </a:spcBef>
-              <a:buClr>
-                <a:srgbClr val="000000"/>
-              </a:buClr>
-              <a:buSzPct val="45000"/>
-              <a:buFont typeface="Wingdings" charset="2"/>
-              <a:buChar char=""/>
-            </a:pPr>
-            <a:r>
-              <a:rPr b="0" lang="en-US" sz="2000" spc="-1" strike="noStrike">
-                <a:solidFill>
-                  <a:srgbClr val="000000"/>
-                </a:solidFill>
-                <a:latin typeface="Calibri"/>
-              </a:rPr>
-              <a:t>Fifth Outline Level</a:t>
-            </a:r>
-            <a:endParaRPr b="0" lang="en-US" sz="2000" spc="-1" strike="noStrike">
-              <a:solidFill>
-                <a:srgbClr val="000000"/>
-              </a:solidFill>
-              <a:latin typeface="Calibri"/>
-            </a:endParaRPr>
-          </a:p>
-          <a:p>
-            <a:pPr lvl="5" marL="2592000" indent="-216000">
-              <a:lnSpc>
-                <a:spcPct val="90000"/>
-              </a:lnSpc>
-              <a:spcBef>
-                <a:spcPts val="283"/>
-              </a:spcBef>
-              <a:buClr>
-                <a:srgbClr val="000000"/>
-              </a:buClr>
-              <a:buSzPct val="45000"/>
-              <a:buFont typeface="Wingdings" charset="2"/>
-              <a:buChar char=""/>
-            </a:pPr>
-            <a:r>
-              <a:rPr b="0" lang="en-US" sz="2000" spc="-1" strike="noStrike">
-                <a:solidFill>
-                  <a:srgbClr val="000000"/>
-                </a:solidFill>
-                <a:latin typeface="Calibri"/>
-              </a:rPr>
-              <a:t>Sixth Outline Level</a:t>
-            </a:r>
-            <a:endParaRPr b="0" lang="en-US" sz="2000" spc="-1" strike="noStrike">
-              <a:solidFill>
-                <a:srgbClr val="000000"/>
-              </a:solidFill>
-              <a:latin typeface="Calibri"/>
-            </a:endParaRPr>
-          </a:p>
-          <a:p>
-            <a:pPr lvl="6" marL="3024000" indent="-216000">
-              <a:lnSpc>
-                <a:spcPct val="90000"/>
-              </a:lnSpc>
-              <a:spcBef>
-                <a:spcPts val="283"/>
-              </a:spcBef>
-              <a:buClr>
-                <a:srgbClr val="000000"/>
-              </a:buClr>
-              <a:buSzPct val="45000"/>
-              <a:buFont typeface="Wingdings" charset="2"/>
-              <a:buChar char=""/>
-            </a:pPr>
-            <a:r>
-              <a:rPr b="0" lang="en-US" sz="2000" spc="-1" strike="noStrike">
-                <a:solidFill>
-                  <a:srgbClr val="000000"/>
-                </a:solidFill>
-                <a:latin typeface="Calibri"/>
-              </a:rPr>
-              <a:t>Seventh Outline Level</a:t>
-            </a:r>
-            <a:endParaRPr b="0" lang="en-US" sz="2000" spc="-1" strike="noStrike">
-              <a:solidFill>
-                <a:srgbClr val="000000"/>
-              </a:solidFill>
-              <a:latin typeface="Calibri"/>
             </a:endParaRPr>
           </a:p>
         </p:txBody>
@@ -3539,14 +2980,14 @@
       </p:grpSpPr>
       <p:sp>
         <p:nvSpPr>
-          <p:cNvPr id="47" name="Rectangle 4"/>
+          <p:cNvPr id="46" name="Rectangle 4"/>
           <p:cNvSpPr/>
           <p:nvPr/>
         </p:nvSpPr>
         <p:spPr>
           <a:xfrm>
             <a:off x="457200" y="5029200"/>
-            <a:ext cx="42976440" cy="456840"/>
+            <a:ext cx="42976080" cy="456480"/>
           </a:xfrm>
           <a:prstGeom prst="rect">
             <a:avLst/>
@@ -3575,14 +3016,14 @@
       </p:sp>
       <p:sp>
         <p:nvSpPr>
-          <p:cNvPr id="48" name="Rectangle 3"/>
+          <p:cNvPr id="47" name="Rectangle 3"/>
           <p:cNvSpPr/>
           <p:nvPr/>
         </p:nvSpPr>
         <p:spPr>
           <a:xfrm>
             <a:off x="457200" y="457200"/>
-            <a:ext cx="42976440" cy="4571640"/>
+            <a:ext cx="42976080" cy="4571280"/>
           </a:xfrm>
           <a:prstGeom prst="rect">
             <a:avLst/>
@@ -3611,14 +3052,14 @@
       </p:sp>
       <p:sp>
         <p:nvSpPr>
-          <p:cNvPr id="49" name="Rectangle 11"/>
+          <p:cNvPr id="48" name="Rectangle 11"/>
           <p:cNvSpPr/>
           <p:nvPr/>
         </p:nvSpPr>
         <p:spPr>
           <a:xfrm>
             <a:off x="457200" y="5943600"/>
-            <a:ext cx="13715640" cy="25145640"/>
+            <a:ext cx="13715280" cy="25145280"/>
           </a:xfrm>
           <a:prstGeom prst="rect">
             <a:avLst/>
@@ -3662,6 +3103,7 @@
                 </a:solidFill>
                 <a:uFillTx/>
                 <a:latin typeface="Arial"/>
+                <a:ea typeface="DejaVu Sans"/>
               </a:rPr>
               <a:t>What is GradTrak?</a:t>
             </a:r>
@@ -3676,14 +3118,25 @@
               </a:lnSpc>
               <a:buNone/>
             </a:pPr>
+            <a:r>
+              <a:rPr b="0" lang="en-US" sz="5400" spc="-1" strike="noStrike">
+                <a:solidFill>
+                  <a:srgbClr val="000000"/>
+                </a:solidFill>
+                <a:latin typeface="Arial"/>
+                <a:ea typeface="DejaVu Sans"/>
+              </a:rPr>
+              <a:t>GradTrak is our vision of a simpler way to monitor one’s progress toward a finished degree to allow quick understanding of completed, in-progress, and unfinished criteria at a glance, without needing to dig through dozens of drop-down menus. It is a web-based application that runs alongside the school’s records to pull accurate, up-to-date information for the student as well as inform on possible fits for each requirement</a:t>
+            </a:r>
             <a:r>
               <a:rPr b="0" lang="en-US" sz="4400" spc="-1" strike="noStrike">
                 <a:solidFill>
                   <a:srgbClr val="000000"/>
                 </a:solidFill>
                 <a:latin typeface="Arial"/>
+                <a:ea typeface="DejaVu Sans"/>
               </a:rPr>
-              <a:t>GradTrak is our vision of a simpler way to monitor one’s progress toward a finished degree to allow quick understanding of completed, in-progress, and unfinished criteria at a glance, without needing to dig through dozens of drop-down menus. It is a web-based application that runs alongside the school’s records to pull accurate, up-to-date information for the student as well as inform on possible fits for each requirement.</a:t>
+              <a:t>.</a:t>
             </a:r>
             <a:endParaRPr b="0" lang="en-US" sz="4400" spc="-1" strike="noStrike">
               <a:latin typeface="Arial"/>
@@ -3736,6 +3189,7 @@
                 </a:solidFill>
                 <a:uFillTx/>
                 <a:latin typeface="Arial"/>
+                <a:ea typeface="DejaVu Sans"/>
               </a:rPr>
               <a:t>How does it work?</a:t>
             </a:r>
@@ -3747,14 +3201,14 @@
       </p:sp>
       <p:sp>
         <p:nvSpPr>
-          <p:cNvPr id="50" name="Rectangle 12"/>
+          <p:cNvPr id="49" name="Rectangle 12"/>
           <p:cNvSpPr/>
           <p:nvPr/>
         </p:nvSpPr>
         <p:spPr>
           <a:xfrm>
             <a:off x="15087600" y="5943600"/>
-            <a:ext cx="13715640" cy="25145640"/>
+            <a:ext cx="13715280" cy="25145280"/>
           </a:xfrm>
           <a:prstGeom prst="rect">
             <a:avLst/>
@@ -3798,6 +3252,7 @@
                 </a:solidFill>
                 <a:uFillTx/>
                 <a:latin typeface="Arial"/>
+                <a:ea typeface="DejaVu Sans"/>
               </a:rPr>
               <a:t>See What You’ve Done And What You Haven’t</a:t>
             </a:r>
@@ -3818,6 +3273,7 @@
                   <a:srgbClr val="000000"/>
                 </a:solidFill>
                 <a:latin typeface="Arial"/>
+                <a:ea typeface="DejaVu Sans"/>
               </a:rPr>
               <a:t>Quickly and easily see what courses are left, which are done, and what you could take to quickly finish your degree!</a:t>
             </a:r>
@@ -3849,6 +3305,7 @@
                   <a:srgbClr val="000000"/>
                 </a:solidFill>
                 <a:latin typeface="Arial"/>
+                <a:ea typeface="DejaVu Sans"/>
               </a:rPr>
               <a:t>* Overall Progress Bar toward graduation</a:t>
             </a:r>
@@ -3869,6 +3326,7 @@
                   <a:srgbClr val="000000"/>
                 </a:solidFill>
                 <a:latin typeface="Arial"/>
+                <a:ea typeface="DejaVu Sans"/>
               </a:rPr>
               <a:t>* Required and Recommended Course Lists</a:t>
             </a:r>
@@ -3889,6 +3347,7 @@
                   <a:srgbClr val="000000"/>
                 </a:solidFill>
                 <a:latin typeface="Arial"/>
+                <a:ea typeface="DejaVu Sans"/>
               </a:rPr>
               <a:t>* Easy to read Course History</a:t>
             </a:r>
@@ -3900,14 +3359,14 @@
       </p:sp>
       <p:sp>
         <p:nvSpPr>
-          <p:cNvPr id="51" name="Rectangle 13"/>
+          <p:cNvPr id="50" name="Rectangle 13"/>
           <p:cNvSpPr/>
           <p:nvPr/>
         </p:nvSpPr>
         <p:spPr>
           <a:xfrm>
             <a:off x="29718000" y="5943600"/>
-            <a:ext cx="13715640" cy="25145640"/>
+            <a:ext cx="13715280" cy="25145280"/>
           </a:xfrm>
           <a:prstGeom prst="rect">
             <a:avLst/>
@@ -3936,7 +3395,7 @@
       </p:sp>
       <p:pic>
         <p:nvPicPr>
-          <p:cNvPr id="52" name="Picture 1" descr="Logo that says California State University Bakersfield"/>
+          <p:cNvPr id="51" name="Picture 1" descr="Logo that says California State University Bakersfield"/>
           <p:cNvPicPr/>
           <p:nvPr/>
         </p:nvPicPr>
@@ -3947,7 +3406,7 @@
         <p:spPr>
           <a:xfrm>
             <a:off x="928080" y="914400"/>
-            <a:ext cx="13315320" cy="3657240"/>
+            <a:ext cx="13314960" cy="3656880"/>
           </a:xfrm>
           <a:prstGeom prst="rect">
             <a:avLst/>
@@ -3959,14 +3418,14 @@
       </p:pic>
       <p:sp>
         <p:nvSpPr>
-          <p:cNvPr id="53" name="TextBox 2"/>
+          <p:cNvPr id="52" name="TextBox 2"/>
           <p:cNvSpPr/>
           <p:nvPr/>
         </p:nvSpPr>
         <p:spPr>
           <a:xfrm>
             <a:off x="14481720" y="457200"/>
-            <a:ext cx="26226720" cy="4280760"/>
+            <a:ext cx="26226360" cy="4280040"/>
           </a:xfrm>
           <a:prstGeom prst="rect">
             <a:avLst/>
@@ -3999,6 +3458,7 @@
                   <a:srgbClr val="ffffff"/>
                 </a:solidFill>
                 <a:latin typeface="Calibri"/>
+                <a:ea typeface="DejaVu Sans"/>
               </a:rPr>
               <a:t>GradTrak: A Better Graduation Progress Bar</a:t>
             </a:r>
@@ -4019,6 +3479,7 @@
                   <a:srgbClr val="ffffff"/>
                 </a:solidFill>
                 <a:latin typeface="Calibri"/>
+                <a:ea typeface="DejaVu Sans"/>
               </a:rPr>
               <a:t>By</a:t>
             </a:r>
@@ -4039,6 +3500,7 @@
                   <a:srgbClr val="ffffff"/>
                 </a:solidFill>
                 <a:latin typeface="Calibri"/>
+                <a:ea typeface="DejaVu Sans"/>
               </a:rPr>
               <a:t>Ulloa, Justin; Allen, Haylee; Abdul-Razzak, Shadi; Bock, Tristan</a:t>
             </a:r>
@@ -4050,14 +3512,14 @@
       </p:sp>
       <p:sp>
         <p:nvSpPr>
-          <p:cNvPr id="54" name="Rectangle 5"/>
+          <p:cNvPr id="53" name="Rectangle 5"/>
           <p:cNvSpPr/>
           <p:nvPr/>
         </p:nvSpPr>
         <p:spPr>
           <a:xfrm>
             <a:off x="457200" y="31546800"/>
-            <a:ext cx="42976440" cy="914040"/>
+            <a:ext cx="42976080" cy="913680"/>
           </a:xfrm>
           <a:prstGeom prst="rect">
             <a:avLst/>
@@ -4102,6 +3564,7 @@
                   <a:srgbClr val="ffffff"/>
                 </a:solidFill>
                 <a:latin typeface="Palatino Linotype"/>
+                <a:ea typeface="DejaVu Sans"/>
               </a:rPr>
               <a:t> </a:t>
             </a:r>
@@ -4111,6 +3574,7 @@
                   <a:srgbClr val="ffffff"/>
                 </a:solidFill>
                 <a:latin typeface="Palatino Linotype"/>
+                <a:ea typeface="DejaVu Sans"/>
               </a:rPr>
               <a:t>School of Natural Sciences, Mathematics, and Engineering</a:t>
             </a:r>
@@ -4120,6 +3584,7 @@
                   <a:srgbClr val="ffffff"/>
                 </a:solidFill>
                 <a:latin typeface="Palatino Linotype"/>
+                <a:ea typeface="DejaVu Sans"/>
               </a:rPr>
               <a:t>	</a:t>
             </a:r>
@@ -4129,6 +3594,7 @@
                   <a:srgbClr val="ffffff"/>
                 </a:solidFill>
                 <a:latin typeface="Palatino Linotype"/>
+                <a:ea typeface="DejaVu Sans"/>
               </a:rPr>
               <a:t>	</a:t>
             </a:r>
@@ -4138,6 +3604,7 @@
                   <a:srgbClr val="ffffff"/>
                 </a:solidFill>
                 <a:latin typeface="Palatino Linotype"/>
+                <a:ea typeface="DejaVu Sans"/>
               </a:rPr>
               <a:t>	</a:t>
             </a:r>
@@ -4147,6 +3614,7 @@
                   <a:srgbClr val="ffffff"/>
                 </a:solidFill>
                 <a:latin typeface="Palatino Linotype"/>
+                <a:ea typeface="DejaVu Sans"/>
               </a:rPr>
               <a:t>             Department of Computer and Electrical Engineering and Computer Science</a:t>
             </a:r>
@@ -4158,14 +3626,14 @@
       </p:sp>
       <p:sp>
         <p:nvSpPr>
-          <p:cNvPr id="55" name="Rectangle 1"/>
+          <p:cNvPr id="54" name="Rectangle 1"/>
           <p:cNvSpPr/>
           <p:nvPr/>
         </p:nvSpPr>
         <p:spPr>
           <a:xfrm>
             <a:off x="29718000" y="5943600"/>
-            <a:ext cx="13715640" cy="25145640"/>
+            <a:ext cx="13715280" cy="25145280"/>
           </a:xfrm>
           <a:prstGeom prst="rect">
             <a:avLst/>
@@ -4209,6 +3677,7 @@
                 </a:solidFill>
                 <a:uFillTx/>
                 <a:latin typeface="Arial"/>
+                <a:ea typeface="DejaVu Sans"/>
               </a:rPr>
               <a:t>Inspiration</a:t>
             </a:r>
@@ -4224,15 +3693,16 @@
               <a:buNone/>
             </a:pPr>
             <a:r>
-              <a:rPr b="0" lang="en-US" sz="4400" spc="-1" strike="noStrike">
+              <a:rPr b="0" lang="en-US" sz="5400" spc="-1" strike="noStrike">
                 <a:solidFill>
                   <a:srgbClr val="000000"/>
                 </a:solidFill>
                 <a:latin typeface="Arial"/>
+                <a:ea typeface="DejaVu Sans"/>
               </a:rPr>
               <a:t>The primary inspiration for this project was a group lamentation that CSUB’s website was cumbersome to use and unclear at first glance to see what was still needed and what was already finished. Some of us remembered other schools using Ellucian’s DegreeWorks program and we decided to try making our own version of that.</a:t>
             </a:r>
-            <a:endParaRPr b="0" lang="en-US" sz="4400" spc="-1" strike="noStrike">
+            <a:endParaRPr b="0" lang="en-US" sz="5400" spc="-1" strike="noStrike">
               <a:latin typeface="Arial"/>
             </a:endParaRPr>
           </a:p>
@@ -4261,6 +3731,7 @@
                 </a:solidFill>
                 <a:uFillTx/>
                 <a:latin typeface="Arial"/>
+                <a:ea typeface="DejaVu Sans"/>
               </a:rPr>
               <a:t>Challenges</a:t>
             </a:r>
@@ -4326,6 +3797,7 @@
                 </a:solidFill>
                 <a:uFillTx/>
                 <a:latin typeface="Arial"/>
+                <a:ea typeface="DejaVu Sans"/>
               </a:rPr>
               <a:t>In the Future...</a:t>
             </a:r>
@@ -4335,6 +3807,29 @@
           </a:p>
         </p:txBody>
       </p:sp>
+      <p:pic>
+        <p:nvPicPr>
+          <p:cNvPr id="55" name="" descr=""/>
+          <p:cNvPicPr/>
+          <p:nvPr/>
+        </p:nvPicPr>
+        <p:blipFill>
+          <a:blip r:embed="rId2"/>
+          <a:stretch/>
+        </p:blipFill>
+        <p:spPr>
+          <a:xfrm>
+            <a:off x="15218640" y="15520680"/>
+            <a:ext cx="6726960" cy="11454120"/>
+          </a:xfrm>
+          <a:prstGeom prst="rect">
+            <a:avLst/>
+          </a:prstGeom>
+          <a:ln w="0">
+            <a:noFill/>
+          </a:ln>
+        </p:spPr>
+      </p:pic>
       <p:pic>
         <p:nvPicPr>
           <p:cNvPr id="56" name="" descr=""/>
@@ -4342,36 +3837,13 @@
           <p:nvPr/>
         </p:nvPicPr>
         <p:blipFill>
-          <a:blip r:embed="rId2"/>
-          <a:stretch/>
-        </p:blipFill>
-        <p:spPr>
-          <a:xfrm>
-            <a:off x="15087600" y="19406520"/>
-            <a:ext cx="6727320" cy="11454480"/>
-          </a:xfrm>
-          <a:prstGeom prst="rect">
-            <a:avLst/>
-          </a:prstGeom>
-          <a:ln w="0">
-            <a:noFill/>
-          </a:ln>
-        </p:spPr>
-      </p:pic>
-      <p:pic>
-        <p:nvPicPr>
-          <p:cNvPr id="57" name="" descr=""/>
-          <p:cNvPicPr/>
-          <p:nvPr/>
-        </p:nvPicPr>
-        <p:blipFill>
           <a:blip r:embed="rId3"/>
           <a:stretch/>
         </p:blipFill>
         <p:spPr>
           <a:xfrm>
-            <a:off x="22636800" y="19431000"/>
-            <a:ext cx="6166440" cy="11658240"/>
+            <a:off x="22636800" y="15545520"/>
+            <a:ext cx="6166080" cy="11657880"/>
           </a:xfrm>
           <a:prstGeom prst="rect">
             <a:avLst/>

--- a/GradTrakPoster.pptx
+++ b/GradTrakPoster.pptx
@@ -34,7 +34,7 @@
       </p:grpSpPr>
       <p:sp>
         <p:nvSpPr>
-          <p:cNvPr id="40" name="PlaceHolder 1"/>
+          <p:cNvPr id="41" name="PlaceHolder 1"/>
           <p:cNvSpPr>
             <a:spLocks noGrp="1"/>
           </p:cNvSpPr>
@@ -77,7 +77,7 @@
       </p:sp>
       <p:sp>
         <p:nvSpPr>
-          <p:cNvPr id="41" name="PlaceHolder 2"/>
+          <p:cNvPr id="42" name="PlaceHolder 2"/>
           <p:cNvSpPr>
             <a:spLocks noGrp="1"/>
           </p:cNvSpPr>
@@ -117,7 +117,7 @@
       </p:sp>
       <p:sp>
         <p:nvSpPr>
-          <p:cNvPr id="42" name="PlaceHolder 3"/>
+          <p:cNvPr id="43" name="PlaceHolder 3"/>
           <p:cNvSpPr>
             <a:spLocks noGrp="1"/>
           </p:cNvSpPr>
@@ -157,7 +157,7 @@
       </p:sp>
       <p:sp>
         <p:nvSpPr>
-          <p:cNvPr id="43" name="PlaceHolder 4"/>
+          <p:cNvPr id="44" name="PlaceHolder 4"/>
           <p:cNvSpPr>
             <a:spLocks noGrp="1"/>
           </p:cNvSpPr>
@@ -208,7 +208,7 @@
       </p:sp>
       <p:sp>
         <p:nvSpPr>
-          <p:cNvPr id="44" name="PlaceHolder 5"/>
+          <p:cNvPr id="45" name="PlaceHolder 5"/>
           <p:cNvSpPr>
             <a:spLocks noGrp="1"/>
           </p:cNvSpPr>
@@ -255,7 +255,7 @@
       </p:sp>
       <p:sp>
         <p:nvSpPr>
-          <p:cNvPr id="45" name="PlaceHolder 6"/>
+          <p:cNvPr id="46" name="PlaceHolder 6"/>
           <p:cNvSpPr>
             <a:spLocks noGrp="1"/>
           </p:cNvSpPr>
@@ -292,7 +292,7 @@
             <a:pPr algn="r">
               <a:buNone/>
             </a:pPr>
-            <a:fld id="{B21852E0-3DCE-4997-A678-7F5052380876}" type="slidenum">
+            <a:fld id="{E66CF75C-E343-4C98-801C-F2B75B6F4F32}" type="slidenum">
               <a:rPr b="0" lang="en-US" sz="1400" spc="-1" strike="noStrike">
                 <a:latin typeface="Times New Roman"/>
               </a:rPr>
@@ -329,7 +329,7 @@
       </p:grpSpPr>
       <p:sp>
         <p:nvSpPr>
-          <p:cNvPr id="57" name="PlaceHolder 1"/>
+          <p:cNvPr id="58" name="PlaceHolder 1"/>
           <p:cNvSpPr>
             <a:spLocks noGrp="1"/>
           </p:cNvSpPr>
@@ -340,19 +340,19 @@
         <p:spPr>
           <a:xfrm>
             <a:off x="1371600" y="1143000"/>
-            <a:ext cx="4114080" cy="3085560"/>
-          </a:xfrm>
-          <a:prstGeom prst="rect">
-            <a:avLst/>
-          </a:prstGeom>
-          <a:ln w="0">
-            <a:noFill/>
-          </a:ln>
-        </p:spPr>
-      </p:sp>
-      <p:sp>
-        <p:nvSpPr>
-          <p:cNvPr id="58" name="PlaceHolder 2"/>
+            <a:ext cx="4113720" cy="3085200"/>
+          </a:xfrm>
+          <a:prstGeom prst="rect">
+            <a:avLst/>
+          </a:prstGeom>
+          <a:ln w="0">
+            <a:noFill/>
+          </a:ln>
+        </p:spPr>
+      </p:sp>
+      <p:sp>
+        <p:nvSpPr>
+          <p:cNvPr id="59" name="PlaceHolder 2"/>
           <p:cNvSpPr>
             <a:spLocks noGrp="1"/>
           </p:cNvSpPr>
@@ -363,7 +363,7 @@
         <p:spPr>
           <a:xfrm>
             <a:off x="685800" y="4400640"/>
-            <a:ext cx="5485680" cy="3599640"/>
+            <a:ext cx="5485320" cy="3599280"/>
           </a:xfrm>
           <a:prstGeom prst="rect">
             <a:avLst/>
@@ -386,7 +386,7 @@
       </p:sp>
       <p:sp>
         <p:nvSpPr>
-          <p:cNvPr id="59" name="PlaceHolder 3"/>
+          <p:cNvPr id="60" name="PlaceHolder 3"/>
           <p:cNvSpPr>
             <a:spLocks noGrp="1"/>
           </p:cNvSpPr>
@@ -397,7 +397,7 @@
         <p:spPr>
           <a:xfrm>
             <a:off x="3884760" y="8685360"/>
-            <a:ext cx="2971080" cy="457920"/>
+            <a:ext cx="2970720" cy="457560"/>
           </a:xfrm>
           <a:prstGeom prst="rect">
             <a:avLst/>
@@ -433,7 +433,7 @@
               </a:lnSpc>
               <a:buNone/>
             </a:pPr>
-            <a:fld id="{9C3A1C80-D650-4F47-B3D2-020EB55D92E8}" type="slidenum">
+            <a:fld id="{88DEA191-452A-4591-A765-101070D7C7D2}" type="slidenum">
               <a:rPr b="0" lang="en-US" sz="1200" spc="-1" strike="noStrike">
                 <a:solidFill>
                   <a:srgbClr val="000000"/>
@@ -505,7 +505,7 @@
         <p:txBody>
           <a:bodyPr/>
           <a:p>
-            <a:fld id="{D0EF4638-FAB0-48CD-A620-5EB0727AC7DB}" type="slidenum">
+            <a:fld id="{926BE135-0E57-4A1E-9C65-AD89B87C2B1D}" type="slidenum">
               <a:t>&lt;#&gt;</a:t>
             </a:fld>
           </a:p>
@@ -556,7 +556,7 @@
       </p:grpSpPr>
       <p:sp>
         <p:nvSpPr>
-          <p:cNvPr id="25" name="PlaceHolder 1"/>
+          <p:cNvPr id="26" name="PlaceHolder 1"/>
           <p:cNvSpPr>
             <a:spLocks noGrp="1"/>
           </p:cNvSpPr>
@@ -567,7 +567,7 @@
         <p:spPr>
           <a:xfrm>
             <a:off x="3291840" y="5387400"/>
-            <a:ext cx="37306800" cy="11459880"/>
+            <a:ext cx="37306440" cy="11459520"/>
           </a:xfrm>
           <a:prstGeom prst="rect">
             <a:avLst/>
@@ -593,7 +593,7 @@
       </p:sp>
       <p:sp>
         <p:nvSpPr>
-          <p:cNvPr id="26" name="PlaceHolder 2"/>
+          <p:cNvPr id="27" name="PlaceHolder 2"/>
           <p:cNvSpPr>
             <a:spLocks noGrp="1"/>
           </p:cNvSpPr>
@@ -604,7 +604,7 @@
         <p:spPr>
           <a:xfrm>
             <a:off x="2194560" y="7702560"/>
-            <a:ext cx="39501720" cy="9106920"/>
+            <a:ext cx="39501360" cy="9106560"/>
           </a:xfrm>
           <a:prstGeom prst="rect">
             <a:avLst/>
@@ -627,7 +627,7 @@
       </p:sp>
       <p:sp>
         <p:nvSpPr>
-          <p:cNvPr id="27" name="PlaceHolder 3"/>
+          <p:cNvPr id="28" name="PlaceHolder 3"/>
           <p:cNvSpPr>
             <a:spLocks noGrp="1"/>
           </p:cNvSpPr>
@@ -637,8 +637,8 @@
         </p:nvSpPr>
         <p:spPr>
           <a:xfrm>
-            <a:off x="2194560" y="17674920"/>
-            <a:ext cx="39501720" cy="9106920"/>
+            <a:off x="2194560" y="17674560"/>
+            <a:ext cx="39501360" cy="9106560"/>
           </a:xfrm>
           <a:prstGeom prst="rect">
             <a:avLst/>
@@ -693,7 +693,7 @@
         <p:txBody>
           <a:bodyPr/>
           <a:p>
-            <a:fld id="{ACF8F65E-C314-41B8-8797-440D0394490B}" type="slidenum">
+            <a:fld id="{10625C4F-D053-44D7-9412-AD2BA0AF1903}" type="slidenum">
               <a:t>&lt;#&gt;</a:t>
             </a:fld>
           </a:p>
@@ -744,7 +744,7 @@
       </p:grpSpPr>
       <p:sp>
         <p:nvSpPr>
-          <p:cNvPr id="28" name="PlaceHolder 1"/>
+          <p:cNvPr id="29" name="PlaceHolder 1"/>
           <p:cNvSpPr>
             <a:spLocks noGrp="1"/>
           </p:cNvSpPr>
@@ -755,7 +755,7 @@
         <p:spPr>
           <a:xfrm>
             <a:off x="3291840" y="5387400"/>
-            <a:ext cx="37306800" cy="11459880"/>
+            <a:ext cx="37306440" cy="11459520"/>
           </a:xfrm>
           <a:prstGeom prst="rect">
             <a:avLst/>
@@ -781,7 +781,7 @@
       </p:sp>
       <p:sp>
         <p:nvSpPr>
-          <p:cNvPr id="29" name="PlaceHolder 2"/>
+          <p:cNvPr id="30" name="PlaceHolder 2"/>
           <p:cNvSpPr>
             <a:spLocks noGrp="1"/>
           </p:cNvSpPr>
@@ -792,7 +792,7 @@
         <p:spPr>
           <a:xfrm>
             <a:off x="2194560" y="7702560"/>
-            <a:ext cx="19276560" cy="9106920"/>
+            <a:ext cx="19276560" cy="9106560"/>
           </a:xfrm>
           <a:prstGeom prst="rect">
             <a:avLst/>
@@ -815,7 +815,7 @@
       </p:sp>
       <p:sp>
         <p:nvSpPr>
-          <p:cNvPr id="30" name="PlaceHolder 3"/>
+          <p:cNvPr id="31" name="PlaceHolder 3"/>
           <p:cNvSpPr>
             <a:spLocks noGrp="1"/>
           </p:cNvSpPr>
@@ -826,7 +826,7 @@
         <p:spPr>
           <a:xfrm>
             <a:off x="22435200" y="7702560"/>
-            <a:ext cx="19276560" cy="9106920"/>
+            <a:ext cx="19276560" cy="9106560"/>
           </a:xfrm>
           <a:prstGeom prst="rect">
             <a:avLst/>
@@ -849,7 +849,7 @@
       </p:sp>
       <p:sp>
         <p:nvSpPr>
-          <p:cNvPr id="31" name="PlaceHolder 4"/>
+          <p:cNvPr id="32" name="PlaceHolder 4"/>
           <p:cNvSpPr>
             <a:spLocks noGrp="1"/>
           </p:cNvSpPr>
@@ -859,8 +859,8 @@
         </p:nvSpPr>
         <p:spPr>
           <a:xfrm>
-            <a:off x="2194560" y="17674920"/>
-            <a:ext cx="19276560" cy="9106920"/>
+            <a:off x="2194560" y="17674560"/>
+            <a:ext cx="19276560" cy="9106560"/>
           </a:xfrm>
           <a:prstGeom prst="rect">
             <a:avLst/>
@@ -883,7 +883,7 @@
       </p:sp>
       <p:sp>
         <p:nvSpPr>
-          <p:cNvPr id="32" name="PlaceHolder 5"/>
+          <p:cNvPr id="33" name="PlaceHolder 5"/>
           <p:cNvSpPr>
             <a:spLocks noGrp="1"/>
           </p:cNvSpPr>
@@ -893,8 +893,8 @@
         </p:nvSpPr>
         <p:spPr>
           <a:xfrm>
-            <a:off x="22435200" y="17674920"/>
-            <a:ext cx="19276560" cy="9106920"/>
+            <a:off x="22435200" y="17674560"/>
+            <a:ext cx="19276560" cy="9106560"/>
           </a:xfrm>
           <a:prstGeom prst="rect">
             <a:avLst/>
@@ -949,7 +949,7 @@
         <p:txBody>
           <a:bodyPr/>
           <a:p>
-            <a:fld id="{603F8320-59CC-421A-886F-CAA893F16B65}" type="slidenum">
+            <a:fld id="{CF3B8DCE-2D44-4E56-A2F2-12B4795684C7}" type="slidenum">
               <a:t>&lt;#&gt;</a:t>
             </a:fld>
           </a:p>
@@ -1000,7 +1000,7 @@
       </p:grpSpPr>
       <p:sp>
         <p:nvSpPr>
-          <p:cNvPr id="33" name="PlaceHolder 1"/>
+          <p:cNvPr id="34" name="PlaceHolder 1"/>
           <p:cNvSpPr>
             <a:spLocks noGrp="1"/>
           </p:cNvSpPr>
@@ -1011,7 +1011,7 @@
         <p:spPr>
           <a:xfrm>
             <a:off x="3291840" y="5387400"/>
-            <a:ext cx="37306800" cy="11459880"/>
+            <a:ext cx="37306440" cy="11459520"/>
           </a:xfrm>
           <a:prstGeom prst="rect">
             <a:avLst/>
@@ -1037,7 +1037,7 @@
       </p:sp>
       <p:sp>
         <p:nvSpPr>
-          <p:cNvPr id="34" name="PlaceHolder 2"/>
+          <p:cNvPr id="35" name="PlaceHolder 2"/>
           <p:cNvSpPr>
             <a:spLocks noGrp="1"/>
           </p:cNvSpPr>
@@ -1048,7 +1048,7 @@
         <p:spPr>
           <a:xfrm>
             <a:off x="2194560" y="7702560"/>
-            <a:ext cx="12719160" cy="9106920"/>
+            <a:ext cx="12719160" cy="9106560"/>
           </a:xfrm>
           <a:prstGeom prst="rect">
             <a:avLst/>
@@ -1071,7 +1071,7 @@
       </p:sp>
       <p:sp>
         <p:nvSpPr>
-          <p:cNvPr id="35" name="PlaceHolder 3"/>
+          <p:cNvPr id="36" name="PlaceHolder 3"/>
           <p:cNvSpPr>
             <a:spLocks noGrp="1"/>
           </p:cNvSpPr>
@@ -1082,7 +1082,7 @@
         <p:spPr>
           <a:xfrm>
             <a:off x="15550200" y="7702560"/>
-            <a:ext cx="12719160" cy="9106920"/>
+            <a:ext cx="12719160" cy="9106560"/>
           </a:xfrm>
           <a:prstGeom prst="rect">
             <a:avLst/>
@@ -1105,7 +1105,7 @@
       </p:sp>
       <p:sp>
         <p:nvSpPr>
-          <p:cNvPr id="36" name="PlaceHolder 4"/>
+          <p:cNvPr id="37" name="PlaceHolder 4"/>
           <p:cNvSpPr>
             <a:spLocks noGrp="1"/>
           </p:cNvSpPr>
@@ -1116,7 +1116,7 @@
         <p:spPr>
           <a:xfrm>
             <a:off x="28905480" y="7702560"/>
-            <a:ext cx="12719160" cy="9106920"/>
+            <a:ext cx="12719160" cy="9106560"/>
           </a:xfrm>
           <a:prstGeom prst="rect">
             <a:avLst/>
@@ -1139,7 +1139,7 @@
       </p:sp>
       <p:sp>
         <p:nvSpPr>
-          <p:cNvPr id="37" name="PlaceHolder 5"/>
+          <p:cNvPr id="38" name="PlaceHolder 5"/>
           <p:cNvSpPr>
             <a:spLocks noGrp="1"/>
           </p:cNvSpPr>
@@ -1149,8 +1149,8 @@
         </p:nvSpPr>
         <p:spPr>
           <a:xfrm>
-            <a:off x="2194560" y="17674920"/>
-            <a:ext cx="12719160" cy="9106920"/>
+            <a:off x="2194560" y="17674560"/>
+            <a:ext cx="12719160" cy="9106560"/>
           </a:xfrm>
           <a:prstGeom prst="rect">
             <a:avLst/>
@@ -1173,7 +1173,7 @@
       </p:sp>
       <p:sp>
         <p:nvSpPr>
-          <p:cNvPr id="38" name="PlaceHolder 6"/>
+          <p:cNvPr id="39" name="PlaceHolder 6"/>
           <p:cNvSpPr>
             <a:spLocks noGrp="1"/>
           </p:cNvSpPr>
@@ -1183,8 +1183,8 @@
         </p:nvSpPr>
         <p:spPr>
           <a:xfrm>
-            <a:off x="15550200" y="17674920"/>
-            <a:ext cx="12719160" cy="9106920"/>
+            <a:off x="15550200" y="17674560"/>
+            <a:ext cx="12719160" cy="9106560"/>
           </a:xfrm>
           <a:prstGeom prst="rect">
             <a:avLst/>
@@ -1207,7 +1207,7 @@
       </p:sp>
       <p:sp>
         <p:nvSpPr>
-          <p:cNvPr id="39" name="PlaceHolder 7"/>
+          <p:cNvPr id="40" name="PlaceHolder 7"/>
           <p:cNvSpPr>
             <a:spLocks noGrp="1"/>
           </p:cNvSpPr>
@@ -1217,8 +1217,8 @@
         </p:nvSpPr>
         <p:spPr>
           <a:xfrm>
-            <a:off x="28905480" y="17674920"/>
-            <a:ext cx="12719160" cy="9106920"/>
+            <a:off x="28905480" y="17674560"/>
+            <a:ext cx="12719160" cy="9106560"/>
           </a:xfrm>
           <a:prstGeom prst="rect">
             <a:avLst/>
@@ -1273,7 +1273,7 @@
         <p:txBody>
           <a:bodyPr/>
           <a:p>
-            <a:fld id="{04613E01-1124-4F82-AFD9-42293A7C2ADB}" type="slidenum">
+            <a:fld id="{337A5FF3-0066-4963-9A6C-81085D82AD8C}" type="slidenum">
               <a:t>&lt;#&gt;</a:t>
             </a:fld>
           </a:p>
@@ -1324,7 +1324,7 @@
       </p:grpSpPr>
       <p:sp>
         <p:nvSpPr>
-          <p:cNvPr id="4" name="PlaceHolder 1"/>
+          <p:cNvPr id="5" name="PlaceHolder 1"/>
           <p:cNvSpPr>
             <a:spLocks noGrp="1"/>
           </p:cNvSpPr>
@@ -1335,7 +1335,7 @@
         <p:spPr>
           <a:xfrm>
             <a:off x="3291840" y="5387400"/>
-            <a:ext cx="37306800" cy="11459880"/>
+            <a:ext cx="37306440" cy="11459520"/>
           </a:xfrm>
           <a:prstGeom prst="rect">
             <a:avLst/>
@@ -1361,7 +1361,7 @@
       </p:sp>
       <p:sp>
         <p:nvSpPr>
-          <p:cNvPr id="5" name="PlaceHolder 2"/>
+          <p:cNvPr id="6" name="PlaceHolder 2"/>
           <p:cNvSpPr>
             <a:spLocks noGrp="1"/>
           </p:cNvSpPr>
@@ -1372,7 +1372,7 @@
         <p:spPr>
           <a:xfrm>
             <a:off x="2194560" y="7702560"/>
-            <a:ext cx="39501720" cy="19092240"/>
+            <a:ext cx="39501360" cy="19091880"/>
           </a:xfrm>
           <a:prstGeom prst="rect">
             <a:avLst/>
@@ -1430,7 +1430,7 @@
         <p:txBody>
           <a:bodyPr/>
           <a:p>
-            <a:fld id="{E68DFBC7-1377-4E58-BC91-9B4DBAA4E6F0}" type="slidenum">
+            <a:fld id="{105C6067-CC89-484E-A762-A5DC99549EDD}" type="slidenum">
               <a:t>&lt;#&gt;</a:t>
             </a:fld>
           </a:p>
@@ -1481,7 +1481,7 @@
       </p:grpSpPr>
       <p:sp>
         <p:nvSpPr>
-          <p:cNvPr id="6" name="PlaceHolder 1"/>
+          <p:cNvPr id="7" name="PlaceHolder 1"/>
           <p:cNvSpPr>
             <a:spLocks noGrp="1"/>
           </p:cNvSpPr>
@@ -1492,7 +1492,7 @@
         <p:spPr>
           <a:xfrm>
             <a:off x="3291840" y="5387400"/>
-            <a:ext cx="37306800" cy="11459880"/>
+            <a:ext cx="37306440" cy="11459520"/>
           </a:xfrm>
           <a:prstGeom prst="rect">
             <a:avLst/>
@@ -1518,7 +1518,7 @@
       </p:sp>
       <p:sp>
         <p:nvSpPr>
-          <p:cNvPr id="7" name="PlaceHolder 2"/>
+          <p:cNvPr id="8" name="PlaceHolder 2"/>
           <p:cNvSpPr>
             <a:spLocks noGrp="1"/>
           </p:cNvSpPr>
@@ -1529,7 +1529,7 @@
         <p:spPr>
           <a:xfrm>
             <a:off x="2194560" y="7702560"/>
-            <a:ext cx="39501720" cy="19092240"/>
+            <a:ext cx="39501360" cy="19091880"/>
           </a:xfrm>
           <a:prstGeom prst="rect">
             <a:avLst/>
@@ -1584,7 +1584,7 @@
         <p:txBody>
           <a:bodyPr/>
           <a:p>
-            <a:fld id="{FF857BC0-E4B2-4A65-925D-75D7A443B5A8}" type="slidenum">
+            <a:fld id="{7E8CDF70-97B7-45C5-9965-CCB56634A302}" type="slidenum">
               <a:t>&lt;#&gt;</a:t>
             </a:fld>
           </a:p>
@@ -1635,7 +1635,7 @@
       </p:grpSpPr>
       <p:sp>
         <p:nvSpPr>
-          <p:cNvPr id="8" name="PlaceHolder 1"/>
+          <p:cNvPr id="9" name="PlaceHolder 1"/>
           <p:cNvSpPr>
             <a:spLocks noGrp="1"/>
           </p:cNvSpPr>
@@ -1646,7 +1646,7 @@
         <p:spPr>
           <a:xfrm>
             <a:off x="3291840" y="5387400"/>
-            <a:ext cx="37306800" cy="11459880"/>
+            <a:ext cx="37306440" cy="11459520"/>
           </a:xfrm>
           <a:prstGeom prst="rect">
             <a:avLst/>
@@ -1672,7 +1672,7 @@
       </p:sp>
       <p:sp>
         <p:nvSpPr>
-          <p:cNvPr id="9" name="PlaceHolder 2"/>
+          <p:cNvPr id="10" name="PlaceHolder 2"/>
           <p:cNvSpPr>
             <a:spLocks noGrp="1"/>
           </p:cNvSpPr>
@@ -1683,7 +1683,7 @@
         <p:spPr>
           <a:xfrm>
             <a:off x="2194560" y="7702560"/>
-            <a:ext cx="19276560" cy="19092240"/>
+            <a:ext cx="19276560" cy="19091880"/>
           </a:xfrm>
           <a:prstGeom prst="rect">
             <a:avLst/>
@@ -1706,7 +1706,7 @@
       </p:sp>
       <p:sp>
         <p:nvSpPr>
-          <p:cNvPr id="10" name="PlaceHolder 3"/>
+          <p:cNvPr id="11" name="PlaceHolder 3"/>
           <p:cNvSpPr>
             <a:spLocks noGrp="1"/>
           </p:cNvSpPr>
@@ -1717,7 +1717,7 @@
         <p:spPr>
           <a:xfrm>
             <a:off x="22435200" y="7702560"/>
-            <a:ext cx="19276560" cy="19092240"/>
+            <a:ext cx="19276560" cy="19091880"/>
           </a:xfrm>
           <a:prstGeom prst="rect">
             <a:avLst/>
@@ -1772,7 +1772,7 @@
         <p:txBody>
           <a:bodyPr/>
           <a:p>
-            <a:fld id="{BC2934B2-9105-4E18-B7B1-339F00C5124B}" type="slidenum">
+            <a:fld id="{ADD47E8D-CAF1-458C-9117-693D60989A63}" type="slidenum">
               <a:t>&lt;#&gt;</a:t>
             </a:fld>
           </a:p>
@@ -1823,7 +1823,7 @@
       </p:grpSpPr>
       <p:sp>
         <p:nvSpPr>
-          <p:cNvPr id="11" name="PlaceHolder 1"/>
+          <p:cNvPr id="12" name="PlaceHolder 1"/>
           <p:cNvSpPr>
             <a:spLocks noGrp="1"/>
           </p:cNvSpPr>
@@ -1834,7 +1834,7 @@
         <p:spPr>
           <a:xfrm>
             <a:off x="3291840" y="5387400"/>
-            <a:ext cx="37306800" cy="11459880"/>
+            <a:ext cx="37306440" cy="11459520"/>
           </a:xfrm>
           <a:prstGeom prst="rect">
             <a:avLst/>
@@ -1892,7 +1892,7 @@
         <p:txBody>
           <a:bodyPr/>
           <a:p>
-            <a:fld id="{1966AE59-5F0E-4D5E-A2FC-B11F488B2BEC}" type="slidenum">
+            <a:fld id="{3A5B0848-02B4-411F-A091-E37375B074C4}" type="slidenum">
               <a:t>&lt;#&gt;</a:t>
             </a:fld>
           </a:p>
@@ -1943,7 +1943,7 @@
       </p:grpSpPr>
       <p:sp>
         <p:nvSpPr>
-          <p:cNvPr id="12" name="PlaceHolder 1"/>
+          <p:cNvPr id="13" name="PlaceHolder 1"/>
           <p:cNvSpPr>
             <a:spLocks noGrp="1"/>
           </p:cNvSpPr>
@@ -1954,7 +1954,7 @@
         <p:spPr>
           <a:xfrm>
             <a:off x="3291840" y="5387400"/>
-            <a:ext cx="37306800" cy="53122320"/>
+            <a:ext cx="37306440" cy="53120880"/>
           </a:xfrm>
           <a:prstGeom prst="rect">
             <a:avLst/>
@@ -2012,7 +2012,7 @@
         <p:txBody>
           <a:bodyPr/>
           <a:p>
-            <a:fld id="{8DB77A6D-86FC-4638-9E1D-A6BFB5C66031}" type="slidenum">
+            <a:fld id="{FACA81EF-B366-4AA7-AC8F-1F23134E864A}" type="slidenum">
               <a:t>&lt;#&gt;</a:t>
             </a:fld>
           </a:p>
@@ -2063,7 +2063,7 @@
       </p:grpSpPr>
       <p:sp>
         <p:nvSpPr>
-          <p:cNvPr id="13" name="PlaceHolder 1"/>
+          <p:cNvPr id="14" name="PlaceHolder 1"/>
           <p:cNvSpPr>
             <a:spLocks noGrp="1"/>
           </p:cNvSpPr>
@@ -2074,7 +2074,7 @@
         <p:spPr>
           <a:xfrm>
             <a:off x="3291840" y="5387400"/>
-            <a:ext cx="37306800" cy="11459880"/>
+            <a:ext cx="37306440" cy="11459520"/>
           </a:xfrm>
           <a:prstGeom prst="rect">
             <a:avLst/>
@@ -2100,7 +2100,7 @@
       </p:sp>
       <p:sp>
         <p:nvSpPr>
-          <p:cNvPr id="14" name="PlaceHolder 2"/>
+          <p:cNvPr id="15" name="PlaceHolder 2"/>
           <p:cNvSpPr>
             <a:spLocks noGrp="1"/>
           </p:cNvSpPr>
@@ -2111,7 +2111,7 @@
         <p:spPr>
           <a:xfrm>
             <a:off x="2194560" y="7702560"/>
-            <a:ext cx="19276560" cy="9106920"/>
+            <a:ext cx="19276560" cy="9106560"/>
           </a:xfrm>
           <a:prstGeom prst="rect">
             <a:avLst/>
@@ -2134,7 +2134,7 @@
       </p:sp>
       <p:sp>
         <p:nvSpPr>
-          <p:cNvPr id="15" name="PlaceHolder 3"/>
+          <p:cNvPr id="16" name="PlaceHolder 3"/>
           <p:cNvSpPr>
             <a:spLocks noGrp="1"/>
           </p:cNvSpPr>
@@ -2145,7 +2145,7 @@
         <p:spPr>
           <a:xfrm>
             <a:off x="22435200" y="7702560"/>
-            <a:ext cx="19276560" cy="19092240"/>
+            <a:ext cx="19276560" cy="19091880"/>
           </a:xfrm>
           <a:prstGeom prst="rect">
             <a:avLst/>
@@ -2168,7 +2168,7 @@
       </p:sp>
       <p:sp>
         <p:nvSpPr>
-          <p:cNvPr id="16" name="PlaceHolder 4"/>
+          <p:cNvPr id="17" name="PlaceHolder 4"/>
           <p:cNvSpPr>
             <a:spLocks noGrp="1"/>
           </p:cNvSpPr>
@@ -2178,8 +2178,8 @@
         </p:nvSpPr>
         <p:spPr>
           <a:xfrm>
-            <a:off x="2194560" y="17674920"/>
-            <a:ext cx="19276560" cy="9106920"/>
+            <a:off x="2194560" y="17674560"/>
+            <a:ext cx="19276560" cy="9106560"/>
           </a:xfrm>
           <a:prstGeom prst="rect">
             <a:avLst/>
@@ -2234,7 +2234,7 @@
         <p:txBody>
           <a:bodyPr/>
           <a:p>
-            <a:fld id="{493054A1-8B2C-44A3-93F8-896F9F4CD857}" type="slidenum">
+            <a:fld id="{1E290C8D-4601-4DA9-B3A0-21A6B542D326}" type="slidenum">
               <a:t>&lt;#&gt;</a:t>
             </a:fld>
           </a:p>
@@ -2285,7 +2285,7 @@
       </p:grpSpPr>
       <p:sp>
         <p:nvSpPr>
-          <p:cNvPr id="17" name="PlaceHolder 1"/>
+          <p:cNvPr id="18" name="PlaceHolder 1"/>
           <p:cNvSpPr>
             <a:spLocks noGrp="1"/>
           </p:cNvSpPr>
@@ -2296,7 +2296,7 @@
         <p:spPr>
           <a:xfrm>
             <a:off x="3291840" y="5387400"/>
-            <a:ext cx="37306800" cy="11459880"/>
+            <a:ext cx="37306440" cy="11459520"/>
           </a:xfrm>
           <a:prstGeom prst="rect">
             <a:avLst/>
@@ -2322,7 +2322,7 @@
       </p:sp>
       <p:sp>
         <p:nvSpPr>
-          <p:cNvPr id="18" name="PlaceHolder 2"/>
+          <p:cNvPr id="19" name="PlaceHolder 2"/>
           <p:cNvSpPr>
             <a:spLocks noGrp="1"/>
           </p:cNvSpPr>
@@ -2333,7 +2333,7 @@
         <p:spPr>
           <a:xfrm>
             <a:off x="2194560" y="7702560"/>
-            <a:ext cx="19276560" cy="19092240"/>
+            <a:ext cx="19276560" cy="19091880"/>
           </a:xfrm>
           <a:prstGeom prst="rect">
             <a:avLst/>
@@ -2356,7 +2356,7 @@
       </p:sp>
       <p:sp>
         <p:nvSpPr>
-          <p:cNvPr id="19" name="PlaceHolder 3"/>
+          <p:cNvPr id="20" name="PlaceHolder 3"/>
           <p:cNvSpPr>
             <a:spLocks noGrp="1"/>
           </p:cNvSpPr>
@@ -2367,7 +2367,7 @@
         <p:spPr>
           <a:xfrm>
             <a:off x="22435200" y="7702560"/>
-            <a:ext cx="19276560" cy="9106920"/>
+            <a:ext cx="19276560" cy="9106560"/>
           </a:xfrm>
           <a:prstGeom prst="rect">
             <a:avLst/>
@@ -2390,7 +2390,7 @@
       </p:sp>
       <p:sp>
         <p:nvSpPr>
-          <p:cNvPr id="20" name="PlaceHolder 4"/>
+          <p:cNvPr id="21" name="PlaceHolder 4"/>
           <p:cNvSpPr>
             <a:spLocks noGrp="1"/>
           </p:cNvSpPr>
@@ -2400,8 +2400,8 @@
         </p:nvSpPr>
         <p:spPr>
           <a:xfrm>
-            <a:off x="22435200" y="17674920"/>
-            <a:ext cx="19276560" cy="9106920"/>
+            <a:off x="22435200" y="17674560"/>
+            <a:ext cx="19276560" cy="9106560"/>
           </a:xfrm>
           <a:prstGeom prst="rect">
             <a:avLst/>
@@ -2456,7 +2456,7 @@
         <p:txBody>
           <a:bodyPr/>
           <a:p>
-            <a:fld id="{85535B52-D632-47E1-83E4-8FB321DF9005}" type="slidenum">
+            <a:fld id="{80232874-0870-4D7B-A5B6-358AC1FED980}" type="slidenum">
               <a:t>&lt;#&gt;</a:t>
             </a:fld>
           </a:p>
@@ -2507,7 +2507,7 @@
       </p:grpSpPr>
       <p:sp>
         <p:nvSpPr>
-          <p:cNvPr id="21" name="PlaceHolder 1"/>
+          <p:cNvPr id="22" name="PlaceHolder 1"/>
           <p:cNvSpPr>
             <a:spLocks noGrp="1"/>
           </p:cNvSpPr>
@@ -2518,7 +2518,7 @@
         <p:spPr>
           <a:xfrm>
             <a:off x="3291840" y="5387400"/>
-            <a:ext cx="37306800" cy="11459880"/>
+            <a:ext cx="37306440" cy="11459520"/>
           </a:xfrm>
           <a:prstGeom prst="rect">
             <a:avLst/>
@@ -2544,7 +2544,7 @@
       </p:sp>
       <p:sp>
         <p:nvSpPr>
-          <p:cNvPr id="22" name="PlaceHolder 2"/>
+          <p:cNvPr id="23" name="PlaceHolder 2"/>
           <p:cNvSpPr>
             <a:spLocks noGrp="1"/>
           </p:cNvSpPr>
@@ -2555,7 +2555,7 @@
         <p:spPr>
           <a:xfrm>
             <a:off x="2194560" y="7702560"/>
-            <a:ext cx="19276560" cy="9106920"/>
+            <a:ext cx="19276560" cy="9106560"/>
           </a:xfrm>
           <a:prstGeom prst="rect">
             <a:avLst/>
@@ -2578,7 +2578,7 @@
       </p:sp>
       <p:sp>
         <p:nvSpPr>
-          <p:cNvPr id="23" name="PlaceHolder 3"/>
+          <p:cNvPr id="24" name="PlaceHolder 3"/>
           <p:cNvSpPr>
             <a:spLocks noGrp="1"/>
           </p:cNvSpPr>
@@ -2589,7 +2589,7 @@
         <p:spPr>
           <a:xfrm>
             <a:off x="22435200" y="7702560"/>
-            <a:ext cx="19276560" cy="9106920"/>
+            <a:ext cx="19276560" cy="9106560"/>
           </a:xfrm>
           <a:prstGeom prst="rect">
             <a:avLst/>
@@ -2612,7 +2612,7 @@
       </p:sp>
       <p:sp>
         <p:nvSpPr>
-          <p:cNvPr id="24" name="PlaceHolder 4"/>
+          <p:cNvPr id="25" name="PlaceHolder 4"/>
           <p:cNvSpPr>
             <a:spLocks noGrp="1"/>
           </p:cNvSpPr>
@@ -2622,8 +2622,8 @@
         </p:nvSpPr>
         <p:spPr>
           <a:xfrm>
-            <a:off x="2194560" y="17674920"/>
-            <a:ext cx="39501720" cy="9106920"/>
+            <a:off x="2194560" y="17674560"/>
+            <a:ext cx="39501360" cy="9106560"/>
           </a:xfrm>
           <a:prstGeom prst="rect">
             <a:avLst/>
@@ -2678,7 +2678,7 @@
         <p:txBody>
           <a:bodyPr/>
           <a:p>
-            <a:fld id="{D3920BE5-DEF1-4ED4-A0FF-BE6DC5C02069}" type="slidenum">
+            <a:fld id="{E518D680-F3C0-4433-A4A5-D2468A712D71}" type="slidenum">
               <a:t>&lt;#&gt;</a:t>
             </a:fld>
           </a:p>
@@ -2747,7 +2747,7 @@
         <p:spPr>
           <a:xfrm>
             <a:off x="3291840" y="5387400"/>
-            <a:ext cx="37306800" cy="11459880"/>
+            <a:ext cx="37306440" cy="11459520"/>
           </a:xfrm>
           <a:prstGeom prst="rect">
             <a:avLst/>
@@ -2781,13 +2781,196 @@
             <a:spLocks noGrp="1"/>
           </p:cNvSpPr>
           <p:nvPr>
+            <p:ph type="body"/>
+          </p:nvPr>
+        </p:nvSpPr>
+        <p:spPr>
+          <a:xfrm>
+            <a:off x="2194560" y="7702560"/>
+            <a:ext cx="39501360" cy="19091880"/>
+          </a:xfrm>
+          <a:prstGeom prst="rect">
+            <a:avLst/>
+          </a:prstGeom>
+          <a:noFill/>
+          <a:ln w="0">
+            <a:noFill/>
+          </a:ln>
+        </p:spPr>
+        <p:txBody>
+          <a:bodyPr lIns="0" rIns="0" tIns="0" bIns="0" anchor="t">
+            <a:normAutofit/>
+          </a:bodyPr>
+          <a:p>
+            <a:pPr marL="432000" indent="-324000">
+              <a:spcBef>
+                <a:spcPts val="1417"/>
+              </a:spcBef>
+              <a:buClr>
+                <a:srgbClr val="000000"/>
+              </a:buClr>
+              <a:buSzPct val="45000"/>
+              <a:buFont typeface="Wingdings" charset="2"/>
+              <a:buChar char=""/>
+            </a:pPr>
+            <a:r>
+              <a:rPr b="0" lang="en-US" sz="1800" spc="-1" strike="noStrike">
+                <a:latin typeface="Arial"/>
+              </a:rPr>
+              <a:t>Click to edit the outline text format</a:t>
+            </a:r>
+            <a:endParaRPr b="0" lang="en-US" sz="1800" spc="-1" strike="noStrike">
+              <a:latin typeface="Arial"/>
+            </a:endParaRPr>
+          </a:p>
+          <a:p>
+            <a:pPr lvl="1" marL="864000" indent="-324000">
+              <a:spcBef>
+                <a:spcPts val="1134"/>
+              </a:spcBef>
+              <a:buClr>
+                <a:srgbClr val="000000"/>
+              </a:buClr>
+              <a:buSzPct val="75000"/>
+              <a:buFont typeface="Symbol" charset="2"/>
+              <a:buChar char=""/>
+            </a:pPr>
+            <a:r>
+              <a:rPr b="0" lang="en-US" sz="1800" spc="-1" strike="noStrike">
+                <a:latin typeface="Arial"/>
+              </a:rPr>
+              <a:t>Second Outline Level</a:t>
+            </a:r>
+            <a:endParaRPr b="0" lang="en-US" sz="1800" spc="-1" strike="noStrike">
+              <a:latin typeface="Arial"/>
+            </a:endParaRPr>
+          </a:p>
+          <a:p>
+            <a:pPr lvl="2" marL="1296000" indent="-288000">
+              <a:spcBef>
+                <a:spcPts val="850"/>
+              </a:spcBef>
+              <a:buClr>
+                <a:srgbClr val="000000"/>
+              </a:buClr>
+              <a:buSzPct val="45000"/>
+              <a:buFont typeface="Wingdings" charset="2"/>
+              <a:buChar char=""/>
+            </a:pPr>
+            <a:r>
+              <a:rPr b="0" lang="en-US" sz="1800" spc="-1" strike="noStrike">
+                <a:latin typeface="Arial"/>
+              </a:rPr>
+              <a:t>Third Outline Level</a:t>
+            </a:r>
+            <a:endParaRPr b="0" lang="en-US" sz="1800" spc="-1" strike="noStrike">
+              <a:latin typeface="Arial"/>
+            </a:endParaRPr>
+          </a:p>
+          <a:p>
+            <a:pPr lvl="3" marL="1728000" indent="-216000">
+              <a:spcBef>
+                <a:spcPts val="567"/>
+              </a:spcBef>
+              <a:buClr>
+                <a:srgbClr val="000000"/>
+              </a:buClr>
+              <a:buSzPct val="75000"/>
+              <a:buFont typeface="Symbol" charset="2"/>
+              <a:buChar char=""/>
+            </a:pPr>
+            <a:r>
+              <a:rPr b="0" lang="en-US" sz="1800" spc="-1" strike="noStrike">
+                <a:latin typeface="Arial"/>
+              </a:rPr>
+              <a:t>Fourth Outline Level</a:t>
+            </a:r>
+            <a:endParaRPr b="0" lang="en-US" sz="1800" spc="-1" strike="noStrike">
+              <a:latin typeface="Arial"/>
+            </a:endParaRPr>
+          </a:p>
+          <a:p>
+            <a:pPr lvl="4" marL="2160000" indent="-216000">
+              <a:spcBef>
+                <a:spcPts val="283"/>
+              </a:spcBef>
+              <a:buClr>
+                <a:srgbClr val="000000"/>
+              </a:buClr>
+              <a:buSzPct val="45000"/>
+              <a:buFont typeface="Wingdings" charset="2"/>
+              <a:buChar char=""/>
+            </a:pPr>
+            <a:r>
+              <a:rPr b="0" lang="en-US" sz="1800" spc="-1" strike="noStrike">
+                <a:latin typeface="Arial"/>
+              </a:rPr>
+              <a:t>Fifth Outline Level</a:t>
+            </a:r>
+            <a:endParaRPr b="0" lang="en-US" sz="1800" spc="-1" strike="noStrike">
+              <a:latin typeface="Arial"/>
+            </a:endParaRPr>
+          </a:p>
+          <a:p>
+            <a:pPr lvl="5" marL="2592000" indent="-216000">
+              <a:spcBef>
+                <a:spcPts val="283"/>
+              </a:spcBef>
+              <a:buClr>
+                <a:srgbClr val="000000"/>
+              </a:buClr>
+              <a:buSzPct val="45000"/>
+              <a:buFont typeface="Wingdings" charset="2"/>
+              <a:buChar char=""/>
+            </a:pPr>
+            <a:r>
+              <a:rPr b="0" lang="en-US" sz="1800" spc="-1" strike="noStrike">
+                <a:latin typeface="Arial"/>
+              </a:rPr>
+              <a:t>Sixth Outline Level</a:t>
+            </a:r>
+            <a:endParaRPr b="0" lang="en-US" sz="1800" spc="-1" strike="noStrike">
+              <a:latin typeface="Arial"/>
+            </a:endParaRPr>
+          </a:p>
+          <a:p>
+            <a:pPr lvl="6" marL="3024000" indent="-216000">
+              <a:spcBef>
+                <a:spcPts val="283"/>
+              </a:spcBef>
+              <a:buClr>
+                <a:srgbClr val="000000"/>
+              </a:buClr>
+              <a:buSzPct val="45000"/>
+              <a:buFont typeface="Wingdings" charset="2"/>
+              <a:buChar char=""/>
+            </a:pPr>
+            <a:r>
+              <a:rPr b="0" lang="en-US" sz="1800" spc="-1" strike="noStrike">
+                <a:latin typeface="Arial"/>
+              </a:rPr>
+              <a:t>Seventh Outline Level</a:t>
+            </a:r>
+            <a:endParaRPr b="0" lang="en-US" sz="1800" spc="-1" strike="noStrike">
+              <a:latin typeface="Arial"/>
+            </a:endParaRPr>
+          </a:p>
+        </p:txBody>
+      </p:sp>
+      <p:sp>
+        <p:nvSpPr>
+          <p:cNvPr id="2" name="PlaceHolder 3"/>
+          <p:cNvSpPr>
+            <a:spLocks noGrp="1"/>
+          </p:cNvSpPr>
+          <p:nvPr>
             <p:ph type="ftr" idx="1"/>
           </p:nvPr>
         </p:nvSpPr>
         <p:spPr>
           <a:xfrm>
             <a:off x="14538960" y="30510360"/>
-            <a:ext cx="14812560" cy="1751760"/>
+            <a:ext cx="14812200" cy="1751400"/>
           </a:xfrm>
           <a:prstGeom prst="rect">
             <a:avLst/>
@@ -2833,7 +3016,7 @@
       </p:sp>
       <p:sp>
         <p:nvSpPr>
-          <p:cNvPr id="2" name="PlaceHolder 3"/>
+          <p:cNvPr id="3" name="PlaceHolder 4"/>
           <p:cNvSpPr>
             <a:spLocks noGrp="1"/>
           </p:cNvSpPr>
@@ -2844,7 +3027,7 @@
         <p:spPr>
           <a:xfrm>
             <a:off x="30998160" y="30510360"/>
-            <a:ext cx="9874800" cy="1751760"/>
+            <a:ext cx="9874440" cy="1751400"/>
           </a:xfrm>
           <a:prstGeom prst="rect">
             <a:avLst/>
@@ -2879,7 +3062,7 @@
               </a:lnSpc>
               <a:buNone/>
             </a:pPr>
-            <a:fld id="{D7E22B8B-35BE-4FD5-B546-F6A0C4EF9C67}" type="slidenum">
+            <a:fld id="{303DDFCA-49B8-4F03-949A-322BD3E627D5}" type="slidenum">
               <a:rPr b="0" lang="en-US" sz="5760" spc="-1" strike="noStrike">
                 <a:solidFill>
                   <a:srgbClr val="8b8b8b"/>
@@ -2896,7 +3079,7 @@
       </p:sp>
       <p:sp>
         <p:nvSpPr>
-          <p:cNvPr id="3" name="PlaceHolder 4"/>
+          <p:cNvPr id="4" name="PlaceHolder 5"/>
           <p:cNvSpPr>
             <a:spLocks noGrp="1"/>
           </p:cNvSpPr>
@@ -2907,7 +3090,7 @@
         <p:spPr>
           <a:xfrm>
             <a:off x="3017520" y="30510360"/>
-            <a:ext cx="9874800" cy="1751760"/>
+            <a:ext cx="9874440" cy="1751400"/>
           </a:xfrm>
           <a:prstGeom prst="rect">
             <a:avLst/>
@@ -2980,14 +3163,14 @@
       </p:grpSpPr>
       <p:sp>
         <p:nvSpPr>
-          <p:cNvPr id="46" name="Rectangle 4"/>
+          <p:cNvPr id="47" name="Rectangle 4"/>
           <p:cNvSpPr/>
           <p:nvPr/>
         </p:nvSpPr>
         <p:spPr>
           <a:xfrm>
             <a:off x="457200" y="5029200"/>
-            <a:ext cx="42976080" cy="456480"/>
+            <a:ext cx="42975720" cy="456120"/>
           </a:xfrm>
           <a:prstGeom prst="rect">
             <a:avLst/>
@@ -3016,14 +3199,14 @@
       </p:sp>
       <p:sp>
         <p:nvSpPr>
-          <p:cNvPr id="47" name="Rectangle 3"/>
+          <p:cNvPr id="48" name="Rectangle 3"/>
           <p:cNvSpPr/>
           <p:nvPr/>
         </p:nvSpPr>
         <p:spPr>
           <a:xfrm>
             <a:off x="457200" y="457200"/>
-            <a:ext cx="42976080" cy="4571280"/>
+            <a:ext cx="42975720" cy="4570920"/>
           </a:xfrm>
           <a:prstGeom prst="rect">
             <a:avLst/>
@@ -3052,14 +3235,14 @@
       </p:sp>
       <p:sp>
         <p:nvSpPr>
-          <p:cNvPr id="48" name="Rectangle 11"/>
+          <p:cNvPr id="49" name="Rectangle 11"/>
           <p:cNvSpPr/>
           <p:nvPr/>
         </p:nvSpPr>
         <p:spPr>
           <a:xfrm>
             <a:off x="457200" y="5943600"/>
-            <a:ext cx="13715280" cy="25145280"/>
+            <a:ext cx="13714920" cy="25144920"/>
           </a:xfrm>
           <a:prstGeom prst="rect">
             <a:avLst/>
@@ -3160,7 +3343,7 @@
               </a:lnSpc>
               <a:buNone/>
             </a:pPr>
-            <a:endParaRPr b="0" lang="en-US" sz="4800" spc="-1" strike="noStrike">
+            <a:endParaRPr b="0" lang="en-US" sz="4400" spc="-1" strike="noStrike">
               <a:latin typeface="Arial"/>
             </a:endParaRPr>
           </a:p>
@@ -3197,18 +3380,50 @@
               <a:latin typeface="Arial"/>
             </a:endParaRPr>
           </a:p>
-        </p:txBody>
-      </p:sp>
-      <p:sp>
-        <p:nvSpPr>
-          <p:cNvPr id="49" name="Rectangle 12"/>
+          <a:p>
+            <a:pPr>
+              <a:lnSpc>
+                <a:spcPct val="100000"/>
+              </a:lnSpc>
+              <a:buNone/>
+            </a:pPr>
+            <a:r>
+              <a:rPr b="0" lang="en-US" sz="5400" spc="-1" strike="noStrike">
+                <a:solidFill>
+                  <a:srgbClr val="000000"/>
+                </a:solidFill>
+                <a:latin typeface="Arial"/>
+                <a:ea typeface="DejaVu Sans"/>
+              </a:rPr>
+              <a:t>As GradTrak is initially made to connect to the school’s records as mentioned, it pulls everyone’s class information including their login as it would be the same to log into here as well. GradTrak would recognize your major, and list you classes appropriate to said major from the school’s road-map recommendation. Per semester finished as as the records are updated, completed and remaining classes are updated and the progress bar would recalculate to show your new progress percentage towards completion. </a:t>
+            </a:r>
+            <a:endParaRPr b="0" lang="en-US" sz="5400" spc="-1" strike="noStrike">
+              <a:latin typeface="Arial"/>
+            </a:endParaRPr>
+          </a:p>
+          <a:p>
+            <a:pPr algn="ctr">
+              <a:lnSpc>
+                <a:spcPct val="100000"/>
+              </a:lnSpc>
+              <a:buNone/>
+            </a:pPr>
+            <a:endParaRPr b="0" lang="en-US" sz="5400" spc="-1" strike="noStrike">
+              <a:latin typeface="Arial"/>
+            </a:endParaRPr>
+          </a:p>
+        </p:txBody>
+      </p:sp>
+      <p:sp>
+        <p:nvSpPr>
+          <p:cNvPr id="50" name="Rectangle 12"/>
           <p:cNvSpPr/>
           <p:nvPr/>
         </p:nvSpPr>
         <p:spPr>
           <a:xfrm>
             <a:off x="15087600" y="5943600"/>
-            <a:ext cx="13715280" cy="25145280"/>
+            <a:ext cx="13714920" cy="25144920"/>
           </a:xfrm>
           <a:prstGeom prst="rect">
             <a:avLst/>
@@ -3359,14 +3574,14 @@
       </p:sp>
       <p:sp>
         <p:nvSpPr>
-          <p:cNvPr id="50" name="Rectangle 13"/>
+          <p:cNvPr id="51" name="Rectangle 13"/>
           <p:cNvSpPr/>
           <p:nvPr/>
         </p:nvSpPr>
         <p:spPr>
           <a:xfrm>
             <a:off x="29718000" y="5943600"/>
-            <a:ext cx="13715280" cy="25145280"/>
+            <a:ext cx="13714920" cy="25144920"/>
           </a:xfrm>
           <a:prstGeom prst="rect">
             <a:avLst/>
@@ -3395,7 +3610,7 @@
       </p:sp>
       <p:pic>
         <p:nvPicPr>
-          <p:cNvPr id="51" name="Picture 1" descr="Logo that says California State University Bakersfield"/>
+          <p:cNvPr id="52" name="Picture 1" descr="Logo that says California State University Bakersfield"/>
           <p:cNvPicPr/>
           <p:nvPr/>
         </p:nvPicPr>
@@ -3406,7 +3621,7 @@
         <p:spPr>
           <a:xfrm>
             <a:off x="928080" y="914400"/>
-            <a:ext cx="13314960" cy="3656880"/>
+            <a:ext cx="13314600" cy="3656520"/>
           </a:xfrm>
           <a:prstGeom prst="rect">
             <a:avLst/>
@@ -3418,14 +3633,14 @@
       </p:pic>
       <p:sp>
         <p:nvSpPr>
-          <p:cNvPr id="52" name="TextBox 2"/>
+          <p:cNvPr id="53" name="TextBox 2"/>
           <p:cNvSpPr/>
           <p:nvPr/>
         </p:nvSpPr>
         <p:spPr>
           <a:xfrm>
             <a:off x="14481720" y="457200"/>
-            <a:ext cx="26226360" cy="4280040"/>
+            <a:ext cx="26226000" cy="4280040"/>
           </a:xfrm>
           <a:prstGeom prst="rect">
             <a:avLst/>
@@ -3512,14 +3727,14 @@
       </p:sp>
       <p:sp>
         <p:nvSpPr>
-          <p:cNvPr id="53" name="Rectangle 5"/>
+          <p:cNvPr id="54" name="Rectangle 5"/>
           <p:cNvSpPr/>
           <p:nvPr/>
         </p:nvSpPr>
         <p:spPr>
           <a:xfrm>
             <a:off x="457200" y="31546800"/>
-            <a:ext cx="42976080" cy="913680"/>
+            <a:ext cx="42975720" cy="913320"/>
           </a:xfrm>
           <a:prstGeom prst="rect">
             <a:avLst/>
@@ -3626,14 +3841,14 @@
       </p:sp>
       <p:sp>
         <p:nvSpPr>
-          <p:cNvPr id="54" name="Rectangle 1"/>
+          <p:cNvPr id="55" name="Rectangle 1"/>
           <p:cNvSpPr/>
           <p:nvPr/>
         </p:nvSpPr>
         <p:spPr>
           <a:xfrm>
             <a:off x="29718000" y="5943600"/>
-            <a:ext cx="13715280" cy="25145280"/>
+            <a:ext cx="13714920" cy="25144920"/>
           </a:xfrm>
           <a:prstGeom prst="rect">
             <a:avLst/>
@@ -3713,7 +3928,7 @@
               </a:lnSpc>
               <a:buNone/>
             </a:pPr>
-            <a:endParaRPr b="0" lang="en-US" sz="4400" spc="-1" strike="noStrike">
+            <a:endParaRPr b="0" lang="en-US" sz="5400" spc="-1" strike="noStrike">
               <a:latin typeface="Arial"/>
             </a:endParaRPr>
           </a:p>
@@ -3746,6 +3961,16 @@
               </a:lnSpc>
               <a:buNone/>
             </a:pPr>
+            <a:r>
+              <a:rPr b="0" lang="en-US" sz="5400" spc="-1" strike="noStrike">
+                <a:solidFill>
+                  <a:srgbClr val="000000"/>
+                </a:solidFill>
+                <a:latin typeface="Arial"/>
+                <a:ea typeface="DejaVu Sans"/>
+              </a:rPr>
+              <a:t>We had different UI approaches in the beginning, it’s not until after some feedback that we got the idea to make our web application to look similar to our school website, as they’re supposed to go hand in hand. At this point, it was now about getting our database to work with the school’s style. </a:t>
+            </a:r>
             <a:endParaRPr b="0" lang="en-US" sz="5400" spc="-1" strike="noStrike">
               <a:latin typeface="Arial"/>
             </a:endParaRPr>
@@ -3757,7 +3982,7 @@
               </a:lnSpc>
               <a:buNone/>
             </a:pPr>
-            <a:endParaRPr b="0" lang="en-US" sz="6000" spc="-1" strike="noStrike">
+            <a:endParaRPr b="0" lang="en-US" sz="5400" spc="-1" strike="noStrike">
               <a:latin typeface="Arial"/>
             </a:endParaRPr>
           </a:p>
@@ -3768,18 +3993,7 @@
               </a:lnSpc>
               <a:buNone/>
             </a:pPr>
-            <a:endParaRPr b="0" lang="en-US" sz="6000" spc="-1" strike="noStrike">
-              <a:latin typeface="Arial"/>
-            </a:endParaRPr>
-          </a:p>
-          <a:p>
-            <a:pPr algn="ctr">
-              <a:lnSpc>
-                <a:spcPct val="100000"/>
-              </a:lnSpc>
-              <a:buNone/>
-            </a:pPr>
-            <a:endParaRPr b="0" lang="en-US" sz="6000" spc="-1" strike="noStrike">
+            <a:endParaRPr b="0" lang="en-US" sz="5400" spc="-1" strike="noStrike">
               <a:latin typeface="Arial"/>
             </a:endParaRPr>
           </a:p>
@@ -3799,8 +4013,19 @@
                 <a:latin typeface="Arial"/>
                 <a:ea typeface="DejaVu Sans"/>
               </a:rPr>
-              <a:t>In the Future...</a:t>
-            </a:r>
+              <a:t>In the Future…</a:t>
+            </a:r>
+            <a:endParaRPr b="0" lang="en-US" sz="6000" spc="-1" strike="noStrike">
+              <a:latin typeface="Arial"/>
+            </a:endParaRPr>
+          </a:p>
+          <a:p>
+            <a:pPr algn="ctr">
+              <a:lnSpc>
+                <a:spcPct val="100000"/>
+              </a:lnSpc>
+              <a:buNone/>
+            </a:pPr>
             <a:endParaRPr b="0" lang="en-US" sz="6000" spc="-1" strike="noStrike">
               <a:latin typeface="Arial"/>
             </a:endParaRPr>
@@ -3809,7 +4034,7 @@
       </p:sp>
       <p:pic>
         <p:nvPicPr>
-          <p:cNvPr id="55" name="" descr=""/>
+          <p:cNvPr id="56" name="" descr=""/>
           <p:cNvPicPr/>
           <p:nvPr/>
         </p:nvPicPr>
@@ -3820,7 +4045,7 @@
         <p:spPr>
           <a:xfrm>
             <a:off x="15218640" y="15520680"/>
-            <a:ext cx="6726960" cy="11454120"/>
+            <a:ext cx="6726600" cy="11453760"/>
           </a:xfrm>
           <a:prstGeom prst="rect">
             <a:avLst/>
@@ -3832,7 +4057,7 @@
       </p:pic>
       <p:pic>
         <p:nvPicPr>
-          <p:cNvPr id="56" name="" descr=""/>
+          <p:cNvPr id="57" name="" descr=""/>
           <p:cNvPicPr/>
           <p:nvPr/>
         </p:nvPicPr>
@@ -3843,7 +4068,7 @@
         <p:spPr>
           <a:xfrm>
             <a:off x="22636800" y="15545520"/>
-            <a:ext cx="6166080" cy="11657880"/>
+            <a:ext cx="6165720" cy="11657520"/>
           </a:xfrm>
           <a:prstGeom prst="rect">
             <a:avLst/>

--- a/GradTrakPoster.pptx
+++ b/GradTrakPoster.pptx
@@ -34,7 +34,7 @@
       </p:grpSpPr>
       <p:sp>
         <p:nvSpPr>
-          <p:cNvPr id="41" name="PlaceHolder 1"/>
+          <p:cNvPr id="39" name="PlaceHolder 1"/>
           <p:cNvSpPr>
             <a:spLocks noGrp="1"/>
           </p:cNvSpPr>
@@ -77,7 +77,7 @@
       </p:sp>
       <p:sp>
         <p:nvSpPr>
-          <p:cNvPr id="42" name="PlaceHolder 2"/>
+          <p:cNvPr id="40" name="PlaceHolder 2"/>
           <p:cNvSpPr>
             <a:spLocks noGrp="1"/>
           </p:cNvSpPr>
@@ -117,7 +117,7 @@
       </p:sp>
       <p:sp>
         <p:nvSpPr>
-          <p:cNvPr id="43" name="PlaceHolder 3"/>
+          <p:cNvPr id="41" name="PlaceHolder 3"/>
           <p:cNvSpPr>
             <a:spLocks noGrp="1"/>
           </p:cNvSpPr>
@@ -157,7 +157,7 @@
       </p:sp>
       <p:sp>
         <p:nvSpPr>
-          <p:cNvPr id="44" name="PlaceHolder 4"/>
+          <p:cNvPr id="42" name="PlaceHolder 4"/>
           <p:cNvSpPr>
             <a:spLocks noGrp="1"/>
           </p:cNvSpPr>
@@ -208,7 +208,7 @@
       </p:sp>
       <p:sp>
         <p:nvSpPr>
-          <p:cNvPr id="45" name="PlaceHolder 5"/>
+          <p:cNvPr id="43" name="PlaceHolder 5"/>
           <p:cNvSpPr>
             <a:spLocks noGrp="1"/>
           </p:cNvSpPr>
@@ -255,7 +255,7 @@
       </p:sp>
       <p:sp>
         <p:nvSpPr>
-          <p:cNvPr id="46" name="PlaceHolder 6"/>
+          <p:cNvPr id="44" name="PlaceHolder 6"/>
           <p:cNvSpPr>
             <a:spLocks noGrp="1"/>
           </p:cNvSpPr>
@@ -292,7 +292,7 @@
             <a:pPr algn="r">
               <a:buNone/>
             </a:pPr>
-            <a:fld id="{E66CF75C-E343-4C98-801C-F2B75B6F4F32}" type="slidenum">
+            <a:fld id="{779A0DA0-269E-405F-8726-9F288A6A92BE}" type="slidenum">
               <a:rPr b="0" lang="en-US" sz="1400" spc="-1" strike="noStrike">
                 <a:latin typeface="Times New Roman"/>
               </a:rPr>
@@ -329,7 +329,7 @@
       </p:grpSpPr>
       <p:sp>
         <p:nvSpPr>
-          <p:cNvPr id="58" name="PlaceHolder 1"/>
+          <p:cNvPr id="57" name="PlaceHolder 1"/>
           <p:cNvSpPr>
             <a:spLocks noGrp="1"/>
           </p:cNvSpPr>
@@ -340,19 +340,19 @@
         <p:spPr>
           <a:xfrm>
             <a:off x="1371600" y="1143000"/>
-            <a:ext cx="4113720" cy="3085200"/>
-          </a:xfrm>
-          <a:prstGeom prst="rect">
-            <a:avLst/>
-          </a:prstGeom>
-          <a:ln w="0">
-            <a:noFill/>
-          </a:ln>
-        </p:spPr>
-      </p:sp>
-      <p:sp>
-        <p:nvSpPr>
-          <p:cNvPr id="59" name="PlaceHolder 2"/>
+            <a:ext cx="4113360" cy="3084840"/>
+          </a:xfrm>
+          <a:prstGeom prst="rect">
+            <a:avLst/>
+          </a:prstGeom>
+          <a:ln w="0">
+            <a:noFill/>
+          </a:ln>
+        </p:spPr>
+      </p:sp>
+      <p:sp>
+        <p:nvSpPr>
+          <p:cNvPr id="58" name="PlaceHolder 2"/>
           <p:cNvSpPr>
             <a:spLocks noGrp="1"/>
           </p:cNvSpPr>
@@ -363,7 +363,7 @@
         <p:spPr>
           <a:xfrm>
             <a:off x="685800" y="4400640"/>
-            <a:ext cx="5485320" cy="3599280"/>
+            <a:ext cx="5484960" cy="3598920"/>
           </a:xfrm>
           <a:prstGeom prst="rect">
             <a:avLst/>
@@ -386,7 +386,7 @@
       </p:sp>
       <p:sp>
         <p:nvSpPr>
-          <p:cNvPr id="60" name="PlaceHolder 3"/>
+          <p:cNvPr id="59" name="PlaceHolder 3"/>
           <p:cNvSpPr>
             <a:spLocks noGrp="1"/>
           </p:cNvSpPr>
@@ -397,7 +397,7 @@
         <p:spPr>
           <a:xfrm>
             <a:off x="3884760" y="8685360"/>
-            <a:ext cx="2970720" cy="457560"/>
+            <a:ext cx="2970360" cy="457200"/>
           </a:xfrm>
           <a:prstGeom prst="rect">
             <a:avLst/>
@@ -433,7 +433,7 @@
               </a:lnSpc>
               <a:buNone/>
             </a:pPr>
-            <a:fld id="{88DEA191-452A-4591-A765-101070D7C7D2}" type="slidenum">
+            <a:fld id="{4DF1A4F2-4A86-4217-9386-F9FB63E9862D}" type="slidenum">
               <a:rPr b="0" lang="en-US" sz="1200" spc="-1" strike="noStrike">
                 <a:solidFill>
                   <a:srgbClr val="000000"/>
@@ -505,7 +505,7 @@
         <p:txBody>
           <a:bodyPr/>
           <a:p>
-            <a:fld id="{926BE135-0E57-4A1E-9C65-AD89B87C2B1D}" type="slidenum">
+            <a:fld id="{DCCF2D64-8CE5-4C19-BA58-6D43C8580540}" type="slidenum">
               <a:t>&lt;#&gt;</a:t>
             </a:fld>
           </a:p>
@@ -556,7 +556,7 @@
       </p:grpSpPr>
       <p:sp>
         <p:nvSpPr>
-          <p:cNvPr id="26" name="PlaceHolder 1"/>
+          <p:cNvPr id="24" name="PlaceHolder 1"/>
           <p:cNvSpPr>
             <a:spLocks noGrp="1"/>
           </p:cNvSpPr>
@@ -566,8 +566,8 @@
         </p:nvSpPr>
         <p:spPr>
           <a:xfrm>
-            <a:off x="3291840" y="5387400"/>
-            <a:ext cx="37306440" cy="11459520"/>
+            <a:off x="2194560" y="1313280"/>
+            <a:ext cx="39501720" cy="5496840"/>
           </a:xfrm>
           <a:prstGeom prst="rect">
             <a:avLst/>
@@ -593,7 +593,7 @@
       </p:sp>
       <p:sp>
         <p:nvSpPr>
-          <p:cNvPr id="27" name="PlaceHolder 2"/>
+          <p:cNvPr id="25" name="PlaceHolder 2"/>
           <p:cNvSpPr>
             <a:spLocks noGrp="1"/>
           </p:cNvSpPr>
@@ -604,7 +604,7 @@
         <p:spPr>
           <a:xfrm>
             <a:off x="2194560" y="7702560"/>
-            <a:ext cx="39501360" cy="9106560"/>
+            <a:ext cx="39501720" cy="9106920"/>
           </a:xfrm>
           <a:prstGeom prst="rect">
             <a:avLst/>
@@ -627,7 +627,7 @@
       </p:sp>
       <p:sp>
         <p:nvSpPr>
-          <p:cNvPr id="28" name="PlaceHolder 3"/>
+          <p:cNvPr id="26" name="PlaceHolder 3"/>
           <p:cNvSpPr>
             <a:spLocks noGrp="1"/>
           </p:cNvSpPr>
@@ -637,8 +637,8 @@
         </p:nvSpPr>
         <p:spPr>
           <a:xfrm>
-            <a:off x="2194560" y="17674560"/>
-            <a:ext cx="39501360" cy="9106560"/>
+            <a:off x="2194560" y="17674920"/>
+            <a:ext cx="39501720" cy="9106920"/>
           </a:xfrm>
           <a:prstGeom prst="rect">
             <a:avLst/>
@@ -693,7 +693,7 @@
         <p:txBody>
           <a:bodyPr/>
           <a:p>
-            <a:fld id="{10625C4F-D053-44D7-9412-AD2BA0AF1903}" type="slidenum">
+            <a:fld id="{F1D20D37-7D98-44AB-AA64-E989BFE3E9FA}" type="slidenum">
               <a:t>&lt;#&gt;</a:t>
             </a:fld>
           </a:p>
@@ -744,7 +744,7 @@
       </p:grpSpPr>
       <p:sp>
         <p:nvSpPr>
-          <p:cNvPr id="29" name="PlaceHolder 1"/>
+          <p:cNvPr id="27" name="PlaceHolder 1"/>
           <p:cNvSpPr>
             <a:spLocks noGrp="1"/>
           </p:cNvSpPr>
@@ -754,8 +754,8 @@
         </p:nvSpPr>
         <p:spPr>
           <a:xfrm>
-            <a:off x="3291840" y="5387400"/>
-            <a:ext cx="37306440" cy="11459520"/>
+            <a:off x="2194560" y="1313280"/>
+            <a:ext cx="39501720" cy="5496840"/>
           </a:xfrm>
           <a:prstGeom prst="rect">
             <a:avLst/>
@@ -781,7 +781,7 @@
       </p:sp>
       <p:sp>
         <p:nvSpPr>
-          <p:cNvPr id="30" name="PlaceHolder 2"/>
+          <p:cNvPr id="28" name="PlaceHolder 2"/>
           <p:cNvSpPr>
             <a:spLocks noGrp="1"/>
           </p:cNvSpPr>
@@ -792,7 +792,7 @@
         <p:spPr>
           <a:xfrm>
             <a:off x="2194560" y="7702560"/>
-            <a:ext cx="19276560" cy="9106560"/>
+            <a:ext cx="19276560" cy="9106920"/>
           </a:xfrm>
           <a:prstGeom prst="rect">
             <a:avLst/>
@@ -815,7 +815,7 @@
       </p:sp>
       <p:sp>
         <p:nvSpPr>
-          <p:cNvPr id="31" name="PlaceHolder 3"/>
+          <p:cNvPr id="29" name="PlaceHolder 3"/>
           <p:cNvSpPr>
             <a:spLocks noGrp="1"/>
           </p:cNvSpPr>
@@ -826,7 +826,7 @@
         <p:spPr>
           <a:xfrm>
             <a:off x="22435200" y="7702560"/>
-            <a:ext cx="19276560" cy="9106560"/>
+            <a:ext cx="19276560" cy="9106920"/>
           </a:xfrm>
           <a:prstGeom prst="rect">
             <a:avLst/>
@@ -849,7 +849,7 @@
       </p:sp>
       <p:sp>
         <p:nvSpPr>
-          <p:cNvPr id="32" name="PlaceHolder 4"/>
+          <p:cNvPr id="30" name="PlaceHolder 4"/>
           <p:cNvSpPr>
             <a:spLocks noGrp="1"/>
           </p:cNvSpPr>
@@ -859,8 +859,8 @@
         </p:nvSpPr>
         <p:spPr>
           <a:xfrm>
-            <a:off x="2194560" y="17674560"/>
-            <a:ext cx="19276560" cy="9106560"/>
+            <a:off x="2194560" y="17674920"/>
+            <a:ext cx="19276560" cy="9106920"/>
           </a:xfrm>
           <a:prstGeom prst="rect">
             <a:avLst/>
@@ -883,7 +883,7 @@
       </p:sp>
       <p:sp>
         <p:nvSpPr>
-          <p:cNvPr id="33" name="PlaceHolder 5"/>
+          <p:cNvPr id="31" name="PlaceHolder 5"/>
           <p:cNvSpPr>
             <a:spLocks noGrp="1"/>
           </p:cNvSpPr>
@@ -893,8 +893,8 @@
         </p:nvSpPr>
         <p:spPr>
           <a:xfrm>
-            <a:off x="22435200" y="17674560"/>
-            <a:ext cx="19276560" cy="9106560"/>
+            <a:off x="22435200" y="17674920"/>
+            <a:ext cx="19276560" cy="9106920"/>
           </a:xfrm>
           <a:prstGeom prst="rect">
             <a:avLst/>
@@ -949,7 +949,7 @@
         <p:txBody>
           <a:bodyPr/>
           <a:p>
-            <a:fld id="{CF3B8DCE-2D44-4E56-A2F2-12B4795684C7}" type="slidenum">
+            <a:fld id="{E9C0C203-0406-4172-9741-25ED1F270EE7}" type="slidenum">
               <a:t>&lt;#&gt;</a:t>
             </a:fld>
           </a:p>
@@ -1000,7 +1000,7 @@
       </p:grpSpPr>
       <p:sp>
         <p:nvSpPr>
-          <p:cNvPr id="34" name="PlaceHolder 1"/>
+          <p:cNvPr id="32" name="PlaceHolder 1"/>
           <p:cNvSpPr>
             <a:spLocks noGrp="1"/>
           </p:cNvSpPr>
@@ -1010,8 +1010,8 @@
         </p:nvSpPr>
         <p:spPr>
           <a:xfrm>
-            <a:off x="3291840" y="5387400"/>
-            <a:ext cx="37306440" cy="11459520"/>
+            <a:off x="2194560" y="1313280"/>
+            <a:ext cx="39501720" cy="5496840"/>
           </a:xfrm>
           <a:prstGeom prst="rect">
             <a:avLst/>
@@ -1037,7 +1037,7 @@
       </p:sp>
       <p:sp>
         <p:nvSpPr>
-          <p:cNvPr id="35" name="PlaceHolder 2"/>
+          <p:cNvPr id="33" name="PlaceHolder 2"/>
           <p:cNvSpPr>
             <a:spLocks noGrp="1"/>
           </p:cNvSpPr>
@@ -1048,7 +1048,7 @@
         <p:spPr>
           <a:xfrm>
             <a:off x="2194560" y="7702560"/>
-            <a:ext cx="12719160" cy="9106560"/>
+            <a:ext cx="12719160" cy="9106920"/>
           </a:xfrm>
           <a:prstGeom prst="rect">
             <a:avLst/>
@@ -1071,7 +1071,7 @@
       </p:sp>
       <p:sp>
         <p:nvSpPr>
-          <p:cNvPr id="36" name="PlaceHolder 3"/>
+          <p:cNvPr id="34" name="PlaceHolder 3"/>
           <p:cNvSpPr>
             <a:spLocks noGrp="1"/>
           </p:cNvSpPr>
@@ -1082,7 +1082,7 @@
         <p:spPr>
           <a:xfrm>
             <a:off x="15550200" y="7702560"/>
-            <a:ext cx="12719160" cy="9106560"/>
+            <a:ext cx="12719160" cy="9106920"/>
           </a:xfrm>
           <a:prstGeom prst="rect">
             <a:avLst/>
@@ -1105,7 +1105,7 @@
       </p:sp>
       <p:sp>
         <p:nvSpPr>
-          <p:cNvPr id="37" name="PlaceHolder 4"/>
+          <p:cNvPr id="35" name="PlaceHolder 4"/>
           <p:cNvSpPr>
             <a:spLocks noGrp="1"/>
           </p:cNvSpPr>
@@ -1116,7 +1116,7 @@
         <p:spPr>
           <a:xfrm>
             <a:off x="28905480" y="7702560"/>
-            <a:ext cx="12719160" cy="9106560"/>
+            <a:ext cx="12719160" cy="9106920"/>
           </a:xfrm>
           <a:prstGeom prst="rect">
             <a:avLst/>
@@ -1139,7 +1139,7 @@
       </p:sp>
       <p:sp>
         <p:nvSpPr>
-          <p:cNvPr id="38" name="PlaceHolder 5"/>
+          <p:cNvPr id="36" name="PlaceHolder 5"/>
           <p:cNvSpPr>
             <a:spLocks noGrp="1"/>
           </p:cNvSpPr>
@@ -1149,8 +1149,8 @@
         </p:nvSpPr>
         <p:spPr>
           <a:xfrm>
-            <a:off x="2194560" y="17674560"/>
-            <a:ext cx="12719160" cy="9106560"/>
+            <a:off x="2194560" y="17674920"/>
+            <a:ext cx="12719160" cy="9106920"/>
           </a:xfrm>
           <a:prstGeom prst="rect">
             <a:avLst/>
@@ -1173,7 +1173,7 @@
       </p:sp>
       <p:sp>
         <p:nvSpPr>
-          <p:cNvPr id="39" name="PlaceHolder 6"/>
+          <p:cNvPr id="37" name="PlaceHolder 6"/>
           <p:cNvSpPr>
             <a:spLocks noGrp="1"/>
           </p:cNvSpPr>
@@ -1183,8 +1183,8 @@
         </p:nvSpPr>
         <p:spPr>
           <a:xfrm>
-            <a:off x="15550200" y="17674560"/>
-            <a:ext cx="12719160" cy="9106560"/>
+            <a:off x="15550200" y="17674920"/>
+            <a:ext cx="12719160" cy="9106920"/>
           </a:xfrm>
           <a:prstGeom prst="rect">
             <a:avLst/>
@@ -1207,7 +1207,7 @@
       </p:sp>
       <p:sp>
         <p:nvSpPr>
-          <p:cNvPr id="40" name="PlaceHolder 7"/>
+          <p:cNvPr id="38" name="PlaceHolder 7"/>
           <p:cNvSpPr>
             <a:spLocks noGrp="1"/>
           </p:cNvSpPr>
@@ -1217,8 +1217,8 @@
         </p:nvSpPr>
         <p:spPr>
           <a:xfrm>
-            <a:off x="28905480" y="17674560"/>
-            <a:ext cx="12719160" cy="9106560"/>
+            <a:off x="28905480" y="17674920"/>
+            <a:ext cx="12719160" cy="9106920"/>
           </a:xfrm>
           <a:prstGeom prst="rect">
             <a:avLst/>
@@ -1273,7 +1273,7 @@
         <p:txBody>
           <a:bodyPr/>
           <a:p>
-            <a:fld id="{337A5FF3-0066-4963-9A6C-81085D82AD8C}" type="slidenum">
+            <a:fld id="{076A30C3-932C-4E3C-A5C0-D7D22DD5023C}" type="slidenum">
               <a:t>&lt;#&gt;</a:t>
             </a:fld>
           </a:p>
@@ -1324,7 +1324,7 @@
       </p:grpSpPr>
       <p:sp>
         <p:nvSpPr>
-          <p:cNvPr id="5" name="PlaceHolder 1"/>
+          <p:cNvPr id="3" name="PlaceHolder 1"/>
           <p:cNvSpPr>
             <a:spLocks noGrp="1"/>
           </p:cNvSpPr>
@@ -1334,8 +1334,8 @@
         </p:nvSpPr>
         <p:spPr>
           <a:xfrm>
-            <a:off x="3291840" y="5387400"/>
-            <a:ext cx="37306440" cy="11459520"/>
+            <a:off x="2194560" y="1313280"/>
+            <a:ext cx="39501720" cy="5496840"/>
           </a:xfrm>
           <a:prstGeom prst="rect">
             <a:avLst/>
@@ -1361,7 +1361,7 @@
       </p:sp>
       <p:sp>
         <p:nvSpPr>
-          <p:cNvPr id="6" name="PlaceHolder 2"/>
+          <p:cNvPr id="4" name="PlaceHolder 2"/>
           <p:cNvSpPr>
             <a:spLocks noGrp="1"/>
           </p:cNvSpPr>
@@ -1372,7 +1372,7 @@
         <p:spPr>
           <a:xfrm>
             <a:off x="2194560" y="7702560"/>
-            <a:ext cx="39501360" cy="19091880"/>
+            <a:ext cx="39501720" cy="19092240"/>
           </a:xfrm>
           <a:prstGeom prst="rect">
             <a:avLst/>
@@ -1430,7 +1430,7 @@
         <p:txBody>
           <a:bodyPr/>
           <a:p>
-            <a:fld id="{105C6067-CC89-484E-A762-A5DC99549EDD}" type="slidenum">
+            <a:fld id="{1CF711EC-CACA-4F9A-A095-1FCEA95D5DEA}" type="slidenum">
               <a:t>&lt;#&gt;</a:t>
             </a:fld>
           </a:p>
@@ -1481,7 +1481,7 @@
       </p:grpSpPr>
       <p:sp>
         <p:nvSpPr>
-          <p:cNvPr id="7" name="PlaceHolder 1"/>
+          <p:cNvPr id="5" name="PlaceHolder 1"/>
           <p:cNvSpPr>
             <a:spLocks noGrp="1"/>
           </p:cNvSpPr>
@@ -1491,8 +1491,8 @@
         </p:nvSpPr>
         <p:spPr>
           <a:xfrm>
-            <a:off x="3291840" y="5387400"/>
-            <a:ext cx="37306440" cy="11459520"/>
+            <a:off x="2194560" y="1313280"/>
+            <a:ext cx="39501720" cy="5496840"/>
           </a:xfrm>
           <a:prstGeom prst="rect">
             <a:avLst/>
@@ -1518,7 +1518,7 @@
       </p:sp>
       <p:sp>
         <p:nvSpPr>
-          <p:cNvPr id="8" name="PlaceHolder 2"/>
+          <p:cNvPr id="6" name="PlaceHolder 2"/>
           <p:cNvSpPr>
             <a:spLocks noGrp="1"/>
           </p:cNvSpPr>
@@ -1529,7 +1529,7 @@
         <p:spPr>
           <a:xfrm>
             <a:off x="2194560" y="7702560"/>
-            <a:ext cx="39501360" cy="19091880"/>
+            <a:ext cx="39501720" cy="19092240"/>
           </a:xfrm>
           <a:prstGeom prst="rect">
             <a:avLst/>
@@ -1584,7 +1584,7 @@
         <p:txBody>
           <a:bodyPr/>
           <a:p>
-            <a:fld id="{7E8CDF70-97B7-45C5-9965-CCB56634A302}" type="slidenum">
+            <a:fld id="{9FA20C2B-88A6-4F11-A7B2-F6D1A755F3AC}" type="slidenum">
               <a:t>&lt;#&gt;</a:t>
             </a:fld>
           </a:p>
@@ -1635,7 +1635,7 @@
       </p:grpSpPr>
       <p:sp>
         <p:nvSpPr>
-          <p:cNvPr id="9" name="PlaceHolder 1"/>
+          <p:cNvPr id="7" name="PlaceHolder 1"/>
           <p:cNvSpPr>
             <a:spLocks noGrp="1"/>
           </p:cNvSpPr>
@@ -1645,8 +1645,8 @@
         </p:nvSpPr>
         <p:spPr>
           <a:xfrm>
-            <a:off x="3291840" y="5387400"/>
-            <a:ext cx="37306440" cy="11459520"/>
+            <a:off x="2194560" y="1313280"/>
+            <a:ext cx="39501720" cy="5496840"/>
           </a:xfrm>
           <a:prstGeom prst="rect">
             <a:avLst/>
@@ -1672,7 +1672,7 @@
       </p:sp>
       <p:sp>
         <p:nvSpPr>
-          <p:cNvPr id="10" name="PlaceHolder 2"/>
+          <p:cNvPr id="8" name="PlaceHolder 2"/>
           <p:cNvSpPr>
             <a:spLocks noGrp="1"/>
           </p:cNvSpPr>
@@ -1683,7 +1683,7 @@
         <p:spPr>
           <a:xfrm>
             <a:off x="2194560" y="7702560"/>
-            <a:ext cx="19276560" cy="19091880"/>
+            <a:ext cx="19276560" cy="19092240"/>
           </a:xfrm>
           <a:prstGeom prst="rect">
             <a:avLst/>
@@ -1706,7 +1706,7 @@
       </p:sp>
       <p:sp>
         <p:nvSpPr>
-          <p:cNvPr id="11" name="PlaceHolder 3"/>
+          <p:cNvPr id="9" name="PlaceHolder 3"/>
           <p:cNvSpPr>
             <a:spLocks noGrp="1"/>
           </p:cNvSpPr>
@@ -1717,7 +1717,7 @@
         <p:spPr>
           <a:xfrm>
             <a:off x="22435200" y="7702560"/>
-            <a:ext cx="19276560" cy="19091880"/>
+            <a:ext cx="19276560" cy="19092240"/>
           </a:xfrm>
           <a:prstGeom prst="rect">
             <a:avLst/>
@@ -1772,7 +1772,7 @@
         <p:txBody>
           <a:bodyPr/>
           <a:p>
-            <a:fld id="{ADD47E8D-CAF1-458C-9117-693D60989A63}" type="slidenum">
+            <a:fld id="{1874BF5E-6CFE-4EEE-B280-89A2819BBA69}" type="slidenum">
               <a:t>&lt;#&gt;</a:t>
             </a:fld>
           </a:p>
@@ -1823,7 +1823,7 @@
       </p:grpSpPr>
       <p:sp>
         <p:nvSpPr>
-          <p:cNvPr id="12" name="PlaceHolder 1"/>
+          <p:cNvPr id="10" name="PlaceHolder 1"/>
           <p:cNvSpPr>
             <a:spLocks noGrp="1"/>
           </p:cNvSpPr>
@@ -1833,8 +1833,8 @@
         </p:nvSpPr>
         <p:spPr>
           <a:xfrm>
-            <a:off x="3291840" y="5387400"/>
-            <a:ext cx="37306440" cy="11459520"/>
+            <a:off x="2194560" y="1313280"/>
+            <a:ext cx="39501720" cy="5496840"/>
           </a:xfrm>
           <a:prstGeom prst="rect">
             <a:avLst/>
@@ -1892,7 +1892,7 @@
         <p:txBody>
           <a:bodyPr/>
           <a:p>
-            <a:fld id="{3A5B0848-02B4-411F-A091-E37375B074C4}" type="slidenum">
+            <a:fld id="{12D8747F-CA31-4161-85D3-23320B1F7F56}" type="slidenum">
               <a:t>&lt;#&gt;</a:t>
             </a:fld>
           </a:p>
@@ -1943,7 +1943,7 @@
       </p:grpSpPr>
       <p:sp>
         <p:nvSpPr>
-          <p:cNvPr id="13" name="PlaceHolder 1"/>
+          <p:cNvPr id="11" name="PlaceHolder 1"/>
           <p:cNvSpPr>
             <a:spLocks noGrp="1"/>
           </p:cNvSpPr>
@@ -1953,8 +1953,8 @@
         </p:nvSpPr>
         <p:spPr>
           <a:xfrm>
-            <a:off x="3291840" y="5387400"/>
-            <a:ext cx="37306440" cy="53120880"/>
+            <a:off x="2194560" y="1313280"/>
+            <a:ext cx="39501720" cy="25481520"/>
           </a:xfrm>
           <a:prstGeom prst="rect">
             <a:avLst/>
@@ -2012,7 +2012,7 @@
         <p:txBody>
           <a:bodyPr/>
           <a:p>
-            <a:fld id="{FACA81EF-B366-4AA7-AC8F-1F23134E864A}" type="slidenum">
+            <a:fld id="{67776388-C672-4D03-B0C0-0E2F6D48C2FD}" type="slidenum">
               <a:t>&lt;#&gt;</a:t>
             </a:fld>
           </a:p>
@@ -2063,7 +2063,7 @@
       </p:grpSpPr>
       <p:sp>
         <p:nvSpPr>
-          <p:cNvPr id="14" name="PlaceHolder 1"/>
+          <p:cNvPr id="12" name="PlaceHolder 1"/>
           <p:cNvSpPr>
             <a:spLocks noGrp="1"/>
           </p:cNvSpPr>
@@ -2073,8 +2073,8 @@
         </p:nvSpPr>
         <p:spPr>
           <a:xfrm>
-            <a:off x="3291840" y="5387400"/>
-            <a:ext cx="37306440" cy="11459520"/>
+            <a:off x="2194560" y="1313280"/>
+            <a:ext cx="39501720" cy="5496840"/>
           </a:xfrm>
           <a:prstGeom prst="rect">
             <a:avLst/>
@@ -2100,7 +2100,7 @@
       </p:sp>
       <p:sp>
         <p:nvSpPr>
-          <p:cNvPr id="15" name="PlaceHolder 2"/>
+          <p:cNvPr id="13" name="PlaceHolder 2"/>
           <p:cNvSpPr>
             <a:spLocks noGrp="1"/>
           </p:cNvSpPr>
@@ -2111,7 +2111,7 @@
         <p:spPr>
           <a:xfrm>
             <a:off x="2194560" y="7702560"/>
-            <a:ext cx="19276560" cy="9106560"/>
+            <a:ext cx="19276560" cy="9106920"/>
           </a:xfrm>
           <a:prstGeom prst="rect">
             <a:avLst/>
@@ -2134,7 +2134,7 @@
       </p:sp>
       <p:sp>
         <p:nvSpPr>
-          <p:cNvPr id="16" name="PlaceHolder 3"/>
+          <p:cNvPr id="14" name="PlaceHolder 3"/>
           <p:cNvSpPr>
             <a:spLocks noGrp="1"/>
           </p:cNvSpPr>
@@ -2145,7 +2145,7 @@
         <p:spPr>
           <a:xfrm>
             <a:off x="22435200" y="7702560"/>
-            <a:ext cx="19276560" cy="19091880"/>
+            <a:ext cx="19276560" cy="19092240"/>
           </a:xfrm>
           <a:prstGeom prst="rect">
             <a:avLst/>
@@ -2168,7 +2168,7 @@
       </p:sp>
       <p:sp>
         <p:nvSpPr>
-          <p:cNvPr id="17" name="PlaceHolder 4"/>
+          <p:cNvPr id="15" name="PlaceHolder 4"/>
           <p:cNvSpPr>
             <a:spLocks noGrp="1"/>
           </p:cNvSpPr>
@@ -2178,8 +2178,8 @@
         </p:nvSpPr>
         <p:spPr>
           <a:xfrm>
-            <a:off x="2194560" y="17674560"/>
-            <a:ext cx="19276560" cy="9106560"/>
+            <a:off x="2194560" y="17674920"/>
+            <a:ext cx="19276560" cy="9106920"/>
           </a:xfrm>
           <a:prstGeom prst="rect">
             <a:avLst/>
@@ -2234,7 +2234,7 @@
         <p:txBody>
           <a:bodyPr/>
           <a:p>
-            <a:fld id="{1E290C8D-4601-4DA9-B3A0-21A6B542D326}" type="slidenum">
+            <a:fld id="{D8E7750C-6AC3-4B64-B485-46A8AAB08C8B}" type="slidenum">
               <a:t>&lt;#&gt;</a:t>
             </a:fld>
           </a:p>
@@ -2285,7 +2285,7 @@
       </p:grpSpPr>
       <p:sp>
         <p:nvSpPr>
-          <p:cNvPr id="18" name="PlaceHolder 1"/>
+          <p:cNvPr id="16" name="PlaceHolder 1"/>
           <p:cNvSpPr>
             <a:spLocks noGrp="1"/>
           </p:cNvSpPr>
@@ -2295,8 +2295,8 @@
         </p:nvSpPr>
         <p:spPr>
           <a:xfrm>
-            <a:off x="3291840" y="5387400"/>
-            <a:ext cx="37306440" cy="11459520"/>
+            <a:off x="2194560" y="1313280"/>
+            <a:ext cx="39501720" cy="5496840"/>
           </a:xfrm>
           <a:prstGeom prst="rect">
             <a:avLst/>
@@ -2322,7 +2322,7 @@
       </p:sp>
       <p:sp>
         <p:nvSpPr>
-          <p:cNvPr id="19" name="PlaceHolder 2"/>
+          <p:cNvPr id="17" name="PlaceHolder 2"/>
           <p:cNvSpPr>
             <a:spLocks noGrp="1"/>
           </p:cNvSpPr>
@@ -2333,7 +2333,7 @@
         <p:spPr>
           <a:xfrm>
             <a:off x="2194560" y="7702560"/>
-            <a:ext cx="19276560" cy="19091880"/>
+            <a:ext cx="19276560" cy="19092240"/>
           </a:xfrm>
           <a:prstGeom prst="rect">
             <a:avLst/>
@@ -2356,7 +2356,7 @@
       </p:sp>
       <p:sp>
         <p:nvSpPr>
-          <p:cNvPr id="20" name="PlaceHolder 3"/>
+          <p:cNvPr id="18" name="PlaceHolder 3"/>
           <p:cNvSpPr>
             <a:spLocks noGrp="1"/>
           </p:cNvSpPr>
@@ -2367,7 +2367,7 @@
         <p:spPr>
           <a:xfrm>
             <a:off x="22435200" y="7702560"/>
-            <a:ext cx="19276560" cy="9106560"/>
+            <a:ext cx="19276560" cy="9106920"/>
           </a:xfrm>
           <a:prstGeom prst="rect">
             <a:avLst/>
@@ -2390,7 +2390,7 @@
       </p:sp>
       <p:sp>
         <p:nvSpPr>
-          <p:cNvPr id="21" name="PlaceHolder 4"/>
+          <p:cNvPr id="19" name="PlaceHolder 4"/>
           <p:cNvSpPr>
             <a:spLocks noGrp="1"/>
           </p:cNvSpPr>
@@ -2400,8 +2400,8 @@
         </p:nvSpPr>
         <p:spPr>
           <a:xfrm>
-            <a:off x="22435200" y="17674560"/>
-            <a:ext cx="19276560" cy="9106560"/>
+            <a:off x="22435200" y="17674920"/>
+            <a:ext cx="19276560" cy="9106920"/>
           </a:xfrm>
           <a:prstGeom prst="rect">
             <a:avLst/>
@@ -2456,7 +2456,7 @@
         <p:txBody>
           <a:bodyPr/>
           <a:p>
-            <a:fld id="{80232874-0870-4D7B-A5B6-358AC1FED980}" type="slidenum">
+            <a:fld id="{595AE008-3060-473F-8700-046317461BF4}" type="slidenum">
               <a:t>&lt;#&gt;</a:t>
             </a:fld>
           </a:p>
@@ -2507,7 +2507,7 @@
       </p:grpSpPr>
       <p:sp>
         <p:nvSpPr>
-          <p:cNvPr id="22" name="PlaceHolder 1"/>
+          <p:cNvPr id="20" name="PlaceHolder 1"/>
           <p:cNvSpPr>
             <a:spLocks noGrp="1"/>
           </p:cNvSpPr>
@@ -2517,8 +2517,8 @@
         </p:nvSpPr>
         <p:spPr>
           <a:xfrm>
-            <a:off x="3291840" y="5387400"/>
-            <a:ext cx="37306440" cy="11459520"/>
+            <a:off x="2194560" y="1313280"/>
+            <a:ext cx="39501720" cy="5496840"/>
           </a:xfrm>
           <a:prstGeom prst="rect">
             <a:avLst/>
@@ -2544,7 +2544,7 @@
       </p:sp>
       <p:sp>
         <p:nvSpPr>
-          <p:cNvPr id="23" name="PlaceHolder 2"/>
+          <p:cNvPr id="21" name="PlaceHolder 2"/>
           <p:cNvSpPr>
             <a:spLocks noGrp="1"/>
           </p:cNvSpPr>
@@ -2555,7 +2555,7 @@
         <p:spPr>
           <a:xfrm>
             <a:off x="2194560" y="7702560"/>
-            <a:ext cx="19276560" cy="9106560"/>
+            <a:ext cx="19276560" cy="9106920"/>
           </a:xfrm>
           <a:prstGeom prst="rect">
             <a:avLst/>
@@ -2578,7 +2578,7 @@
       </p:sp>
       <p:sp>
         <p:nvSpPr>
-          <p:cNvPr id="24" name="PlaceHolder 3"/>
+          <p:cNvPr id="22" name="PlaceHolder 3"/>
           <p:cNvSpPr>
             <a:spLocks noGrp="1"/>
           </p:cNvSpPr>
@@ -2589,7 +2589,7 @@
         <p:spPr>
           <a:xfrm>
             <a:off x="22435200" y="7702560"/>
-            <a:ext cx="19276560" cy="9106560"/>
+            <a:ext cx="19276560" cy="9106920"/>
           </a:xfrm>
           <a:prstGeom prst="rect">
             <a:avLst/>
@@ -2612,7 +2612,7 @@
       </p:sp>
       <p:sp>
         <p:nvSpPr>
-          <p:cNvPr id="25" name="PlaceHolder 4"/>
+          <p:cNvPr id="23" name="PlaceHolder 4"/>
           <p:cNvSpPr>
             <a:spLocks noGrp="1"/>
           </p:cNvSpPr>
@@ -2622,8 +2622,8 @@
         </p:nvSpPr>
         <p:spPr>
           <a:xfrm>
-            <a:off x="2194560" y="17674560"/>
-            <a:ext cx="39501360" cy="9106560"/>
+            <a:off x="2194560" y="17674920"/>
+            <a:ext cx="39501720" cy="9106920"/>
           </a:xfrm>
           <a:prstGeom prst="rect">
             <a:avLst/>
@@ -2678,7 +2678,7 @@
         <p:txBody>
           <a:bodyPr/>
           <a:p>
-            <a:fld id="{E518D680-F3C0-4433-A4A5-D2468A712D71}" type="slidenum">
+            <a:fld id="{61AAE83C-9B2D-4211-A71C-6FF5316B40B9}" type="slidenum">
               <a:t>&lt;#&gt;</a:t>
             </a:fld>
           </a:p>
@@ -2741,236 +2741,13 @@
             <a:spLocks noGrp="1"/>
           </p:cNvSpPr>
           <p:nvPr>
-            <p:ph type="title"/>
-          </p:nvPr>
-        </p:nvSpPr>
-        <p:spPr>
-          <a:xfrm>
-            <a:off x="3291840" y="5387400"/>
-            <a:ext cx="37306440" cy="11459520"/>
-          </a:xfrm>
-          <a:prstGeom prst="rect">
-            <a:avLst/>
-          </a:prstGeom>
-          <a:noFill/>
-          <a:ln w="0">
-            <a:noFill/>
-          </a:ln>
-        </p:spPr>
-        <p:txBody>
-          <a:bodyPr lIns="0" rIns="0" tIns="0" bIns="0" anchor="ctr">
-            <a:noAutofit/>
-          </a:bodyPr>
-          <a:p>
-            <a:r>
-              <a:rPr b="0" lang="en-US" sz="1800" spc="-1" strike="noStrike">
-                <a:latin typeface="Arial"/>
-              </a:rPr>
-              <a:t>Click to edit the title text format</a:t>
-            </a:r>
-            <a:endParaRPr b="0" lang="en-US" sz="1800" spc="-1" strike="noStrike">
-              <a:latin typeface="Arial"/>
-            </a:endParaRPr>
-          </a:p>
-        </p:txBody>
-      </p:sp>
-      <p:sp>
-        <p:nvSpPr>
-          <p:cNvPr id="1" name="PlaceHolder 2"/>
-          <p:cNvSpPr>
-            <a:spLocks noGrp="1"/>
-          </p:cNvSpPr>
-          <p:nvPr>
-            <p:ph type="body"/>
-          </p:nvPr>
-        </p:nvSpPr>
-        <p:spPr>
-          <a:xfrm>
-            <a:off x="2194560" y="7702560"/>
-            <a:ext cx="39501360" cy="19091880"/>
-          </a:xfrm>
-          <a:prstGeom prst="rect">
-            <a:avLst/>
-          </a:prstGeom>
-          <a:noFill/>
-          <a:ln w="0">
-            <a:noFill/>
-          </a:ln>
-        </p:spPr>
-        <p:txBody>
-          <a:bodyPr lIns="0" rIns="0" tIns="0" bIns="0" anchor="t">
-            <a:normAutofit/>
-          </a:bodyPr>
-          <a:p>
-            <a:pPr marL="432000" indent="-324000">
-              <a:spcBef>
-                <a:spcPts val="1417"/>
-              </a:spcBef>
-              <a:buClr>
-                <a:srgbClr val="000000"/>
-              </a:buClr>
-              <a:buSzPct val="45000"/>
-              <a:buFont typeface="Wingdings" charset="2"/>
-              <a:buChar char=""/>
-            </a:pPr>
-            <a:r>
-              <a:rPr b="0" lang="en-US" sz="1800" spc="-1" strike="noStrike">
-                <a:latin typeface="Arial"/>
-              </a:rPr>
-              <a:t>Click to edit the outline text format</a:t>
-            </a:r>
-            <a:endParaRPr b="0" lang="en-US" sz="1800" spc="-1" strike="noStrike">
-              <a:latin typeface="Arial"/>
-            </a:endParaRPr>
-          </a:p>
-          <a:p>
-            <a:pPr lvl="1" marL="864000" indent="-324000">
-              <a:spcBef>
-                <a:spcPts val="1134"/>
-              </a:spcBef>
-              <a:buClr>
-                <a:srgbClr val="000000"/>
-              </a:buClr>
-              <a:buSzPct val="75000"/>
-              <a:buFont typeface="Symbol" charset="2"/>
-              <a:buChar char=""/>
-            </a:pPr>
-            <a:r>
-              <a:rPr b="0" lang="en-US" sz="1800" spc="-1" strike="noStrike">
-                <a:latin typeface="Arial"/>
-              </a:rPr>
-              <a:t>Second Outline Level</a:t>
-            </a:r>
-            <a:endParaRPr b="0" lang="en-US" sz="1800" spc="-1" strike="noStrike">
-              <a:latin typeface="Arial"/>
-            </a:endParaRPr>
-          </a:p>
-          <a:p>
-            <a:pPr lvl="2" marL="1296000" indent="-288000">
-              <a:spcBef>
-                <a:spcPts val="850"/>
-              </a:spcBef>
-              <a:buClr>
-                <a:srgbClr val="000000"/>
-              </a:buClr>
-              <a:buSzPct val="45000"/>
-              <a:buFont typeface="Wingdings" charset="2"/>
-              <a:buChar char=""/>
-            </a:pPr>
-            <a:r>
-              <a:rPr b="0" lang="en-US" sz="1800" spc="-1" strike="noStrike">
-                <a:latin typeface="Arial"/>
-              </a:rPr>
-              <a:t>Third Outline Level</a:t>
-            </a:r>
-            <a:endParaRPr b="0" lang="en-US" sz="1800" spc="-1" strike="noStrike">
-              <a:latin typeface="Arial"/>
-            </a:endParaRPr>
-          </a:p>
-          <a:p>
-            <a:pPr lvl="3" marL="1728000" indent="-216000">
-              <a:spcBef>
-                <a:spcPts val="567"/>
-              </a:spcBef>
-              <a:buClr>
-                <a:srgbClr val="000000"/>
-              </a:buClr>
-              <a:buSzPct val="75000"/>
-              <a:buFont typeface="Symbol" charset="2"/>
-              <a:buChar char=""/>
-            </a:pPr>
-            <a:r>
-              <a:rPr b="0" lang="en-US" sz="1800" spc="-1" strike="noStrike">
-                <a:latin typeface="Arial"/>
-              </a:rPr>
-              <a:t>Fourth Outline Level</a:t>
-            </a:r>
-            <a:endParaRPr b="0" lang="en-US" sz="1800" spc="-1" strike="noStrike">
-              <a:latin typeface="Arial"/>
-            </a:endParaRPr>
-          </a:p>
-          <a:p>
-            <a:pPr lvl="4" marL="2160000" indent="-216000">
-              <a:spcBef>
-                <a:spcPts val="283"/>
-              </a:spcBef>
-              <a:buClr>
-                <a:srgbClr val="000000"/>
-              </a:buClr>
-              <a:buSzPct val="45000"/>
-              <a:buFont typeface="Wingdings" charset="2"/>
-              <a:buChar char=""/>
-            </a:pPr>
-            <a:r>
-              <a:rPr b="0" lang="en-US" sz="1800" spc="-1" strike="noStrike">
-                <a:latin typeface="Arial"/>
-              </a:rPr>
-              <a:t>Fifth Outline Level</a:t>
-            </a:r>
-            <a:endParaRPr b="0" lang="en-US" sz="1800" spc="-1" strike="noStrike">
-              <a:latin typeface="Arial"/>
-            </a:endParaRPr>
-          </a:p>
-          <a:p>
-            <a:pPr lvl="5" marL="2592000" indent="-216000">
-              <a:spcBef>
-                <a:spcPts val="283"/>
-              </a:spcBef>
-              <a:buClr>
-                <a:srgbClr val="000000"/>
-              </a:buClr>
-              <a:buSzPct val="45000"/>
-              <a:buFont typeface="Wingdings" charset="2"/>
-              <a:buChar char=""/>
-            </a:pPr>
-            <a:r>
-              <a:rPr b="0" lang="en-US" sz="1800" spc="-1" strike="noStrike">
-                <a:latin typeface="Arial"/>
-              </a:rPr>
-              <a:t>Sixth Outline Level</a:t>
-            </a:r>
-            <a:endParaRPr b="0" lang="en-US" sz="1800" spc="-1" strike="noStrike">
-              <a:latin typeface="Arial"/>
-            </a:endParaRPr>
-          </a:p>
-          <a:p>
-            <a:pPr lvl="6" marL="3024000" indent="-216000">
-              <a:spcBef>
-                <a:spcPts val="283"/>
-              </a:spcBef>
-              <a:buClr>
-                <a:srgbClr val="000000"/>
-              </a:buClr>
-              <a:buSzPct val="45000"/>
-              <a:buFont typeface="Wingdings" charset="2"/>
-              <a:buChar char=""/>
-            </a:pPr>
-            <a:r>
-              <a:rPr b="0" lang="en-US" sz="1800" spc="-1" strike="noStrike">
-                <a:latin typeface="Arial"/>
-              </a:rPr>
-              <a:t>Seventh Outline Level</a:t>
-            </a:r>
-            <a:endParaRPr b="0" lang="en-US" sz="1800" spc="-1" strike="noStrike">
-              <a:latin typeface="Arial"/>
-            </a:endParaRPr>
-          </a:p>
-        </p:txBody>
-      </p:sp>
-      <p:sp>
-        <p:nvSpPr>
-          <p:cNvPr id="2" name="PlaceHolder 3"/>
-          <p:cNvSpPr>
-            <a:spLocks noGrp="1"/>
-          </p:cNvSpPr>
-          <p:nvPr>
             <p:ph type="ftr" idx="1"/>
           </p:nvPr>
         </p:nvSpPr>
         <p:spPr>
           <a:xfrm>
             <a:off x="14538960" y="30510360"/>
-            <a:ext cx="14812200" cy="1751400"/>
+            <a:ext cx="14811840" cy="1751040"/>
           </a:xfrm>
           <a:prstGeom prst="rect">
             <a:avLst/>
@@ -3006,7 +2783,7 @@
               <a:rPr b="0" lang="en-US" sz="1400" spc="-1" strike="noStrike">
                 <a:latin typeface="Times New Roman"/>
               </a:rPr>
-              <a:t>&lt;footer&gt;</a:t>
+              <a:t> </a:t>
             </a:r>
             <a:endParaRPr b="0" lang="en-US" sz="1400" spc="-1" strike="noStrike">
               <a:latin typeface="Times New Roman"/>
@@ -3016,7 +2793,7 @@
       </p:sp>
       <p:sp>
         <p:nvSpPr>
-          <p:cNvPr id="3" name="PlaceHolder 4"/>
+          <p:cNvPr id="1" name="PlaceHolder 2"/>
           <p:cNvSpPr>
             <a:spLocks noGrp="1"/>
           </p:cNvSpPr>
@@ -3027,7 +2804,7 @@
         <p:spPr>
           <a:xfrm>
             <a:off x="30998160" y="30510360"/>
-            <a:ext cx="9874440" cy="1751400"/>
+            <a:ext cx="9874080" cy="1751040"/>
           </a:xfrm>
           <a:prstGeom prst="rect">
             <a:avLst/>
@@ -3062,7 +2839,7 @@
               </a:lnSpc>
               <a:buNone/>
             </a:pPr>
-            <a:fld id="{303DDFCA-49B8-4F03-949A-322BD3E627D5}" type="slidenum">
+            <a:fld id="{D5DF118F-8D47-4527-A314-25F3E1EDC4AB}" type="slidenum">
               <a:rPr b="0" lang="en-US" sz="5760" spc="-1" strike="noStrike">
                 <a:solidFill>
                   <a:srgbClr val="8b8b8b"/>
@@ -3079,7 +2856,7 @@
       </p:sp>
       <p:sp>
         <p:nvSpPr>
-          <p:cNvPr id="4" name="PlaceHolder 5"/>
+          <p:cNvPr id="2" name="PlaceHolder 3"/>
           <p:cNvSpPr>
             <a:spLocks noGrp="1"/>
           </p:cNvSpPr>
@@ -3090,7 +2867,7 @@
         <p:spPr>
           <a:xfrm>
             <a:off x="3017520" y="30510360"/>
-            <a:ext cx="9874440" cy="1751400"/>
+            <a:ext cx="9874080" cy="1751040"/>
           </a:xfrm>
           <a:prstGeom prst="rect">
             <a:avLst/>
@@ -3163,14 +2940,14 @@
       </p:grpSpPr>
       <p:sp>
         <p:nvSpPr>
-          <p:cNvPr id="47" name="Rectangle 4"/>
+          <p:cNvPr id="45" name="Rectangle 4"/>
           <p:cNvSpPr/>
           <p:nvPr/>
         </p:nvSpPr>
         <p:spPr>
           <a:xfrm>
             <a:off x="457200" y="5029200"/>
-            <a:ext cx="42975720" cy="456120"/>
+            <a:ext cx="42975360" cy="455760"/>
           </a:xfrm>
           <a:prstGeom prst="rect">
             <a:avLst/>
@@ -3199,14 +2976,14 @@
       </p:sp>
       <p:sp>
         <p:nvSpPr>
-          <p:cNvPr id="48" name="Rectangle 3"/>
+          <p:cNvPr id="46" name="Rectangle 3"/>
           <p:cNvSpPr/>
           <p:nvPr/>
         </p:nvSpPr>
         <p:spPr>
           <a:xfrm>
             <a:off x="457200" y="457200"/>
-            <a:ext cx="42975720" cy="4570920"/>
+            <a:ext cx="42975360" cy="4570560"/>
           </a:xfrm>
           <a:prstGeom prst="rect">
             <a:avLst/>
@@ -3235,14 +3012,14 @@
       </p:sp>
       <p:sp>
         <p:nvSpPr>
-          <p:cNvPr id="49" name="Rectangle 11"/>
+          <p:cNvPr id="47" name="Rectangle 11"/>
           <p:cNvSpPr/>
           <p:nvPr/>
         </p:nvSpPr>
         <p:spPr>
           <a:xfrm>
             <a:off x="457200" y="5943600"/>
-            <a:ext cx="13714920" cy="25144920"/>
+            <a:ext cx="13714560" cy="25144560"/>
           </a:xfrm>
           <a:prstGeom prst="rect">
             <a:avLst/>
@@ -3416,14 +3193,14 @@
       </p:sp>
       <p:sp>
         <p:nvSpPr>
-          <p:cNvPr id="50" name="Rectangle 12"/>
+          <p:cNvPr id="48" name="Rectangle 12"/>
           <p:cNvSpPr/>
           <p:nvPr/>
         </p:nvSpPr>
         <p:spPr>
           <a:xfrm>
             <a:off x="15087600" y="5943600"/>
-            <a:ext cx="13714920" cy="25144920"/>
+            <a:ext cx="13714560" cy="25144560"/>
           </a:xfrm>
           <a:prstGeom prst="rect">
             <a:avLst/>
@@ -3570,18 +3347,39 @@
               <a:latin typeface="Arial"/>
             </a:endParaRPr>
           </a:p>
-        </p:txBody>
-      </p:sp>
-      <p:sp>
-        <p:nvSpPr>
-          <p:cNvPr id="51" name="Rectangle 13"/>
+          <a:p>
+            <a:pPr>
+              <a:lnSpc>
+                <a:spcPct val="100000"/>
+              </a:lnSpc>
+              <a:buNone/>
+            </a:pPr>
+            <a:r>
+              <a:rPr b="0" lang="en-US" sz="4800" spc="-1" strike="noStrike">
+                <a:solidFill>
+                  <a:srgbClr val="000000"/>
+                </a:solidFill>
+                <a:latin typeface="Arial"/>
+                <a:ea typeface="DejaVu Sans"/>
+              </a:rPr>
+              <a:t>* Mobile and Desktop Supported</a:t>
+            </a:r>
+            <a:endParaRPr b="0" lang="en-US" sz="4800" spc="-1" strike="noStrike">
+              <a:latin typeface="Arial"/>
+            </a:endParaRPr>
+          </a:p>
+        </p:txBody>
+      </p:sp>
+      <p:sp>
+        <p:nvSpPr>
+          <p:cNvPr id="49" name="Rectangle 13"/>
           <p:cNvSpPr/>
           <p:nvPr/>
         </p:nvSpPr>
         <p:spPr>
           <a:xfrm>
             <a:off x="29718000" y="5943600"/>
-            <a:ext cx="13714920" cy="25144920"/>
+            <a:ext cx="13714560" cy="25144560"/>
           </a:xfrm>
           <a:prstGeom prst="rect">
             <a:avLst/>
@@ -3610,7 +3408,7 @@
       </p:sp>
       <p:pic>
         <p:nvPicPr>
-          <p:cNvPr id="52" name="Picture 1" descr="Logo that says California State University Bakersfield"/>
+          <p:cNvPr id="50" name="Picture 1" descr="Logo that says California State University Bakersfield"/>
           <p:cNvPicPr/>
           <p:nvPr/>
         </p:nvPicPr>
@@ -3621,7 +3419,7 @@
         <p:spPr>
           <a:xfrm>
             <a:off x="928080" y="914400"/>
-            <a:ext cx="13314600" cy="3656520"/>
+            <a:ext cx="13314240" cy="3656160"/>
           </a:xfrm>
           <a:prstGeom prst="rect">
             <a:avLst/>
@@ -3633,14 +3431,14 @@
       </p:pic>
       <p:sp>
         <p:nvSpPr>
-          <p:cNvPr id="53" name="TextBox 2"/>
+          <p:cNvPr id="51" name="TextBox 2"/>
           <p:cNvSpPr/>
           <p:nvPr/>
         </p:nvSpPr>
         <p:spPr>
           <a:xfrm>
             <a:off x="14481720" y="457200"/>
-            <a:ext cx="26226000" cy="4280040"/>
+            <a:ext cx="26225640" cy="4280040"/>
           </a:xfrm>
           <a:prstGeom prst="rect">
             <a:avLst/>
@@ -3727,14 +3525,14 @@
       </p:sp>
       <p:sp>
         <p:nvSpPr>
-          <p:cNvPr id="54" name="Rectangle 5"/>
+          <p:cNvPr id="52" name="Rectangle 5"/>
           <p:cNvSpPr/>
           <p:nvPr/>
         </p:nvSpPr>
         <p:spPr>
           <a:xfrm>
             <a:off x="457200" y="31546800"/>
-            <a:ext cx="42975720" cy="913320"/>
+            <a:ext cx="42975360" cy="912960"/>
           </a:xfrm>
           <a:prstGeom prst="rect">
             <a:avLst/>
@@ -3841,14 +3639,14 @@
       </p:sp>
       <p:sp>
         <p:nvSpPr>
-          <p:cNvPr id="55" name="Rectangle 1"/>
+          <p:cNvPr id="53" name="Rectangle 1"/>
           <p:cNvSpPr/>
           <p:nvPr/>
         </p:nvSpPr>
         <p:spPr>
           <a:xfrm>
             <a:off x="29718000" y="5943600"/>
-            <a:ext cx="13714920" cy="25144920"/>
+            <a:ext cx="13714560" cy="25144560"/>
           </a:xfrm>
           <a:prstGeom prst="rect">
             <a:avLst/>
@@ -4013,7 +3811,7 @@
                 <a:latin typeface="Arial"/>
                 <a:ea typeface="DejaVu Sans"/>
               </a:rPr>
-              <a:t>In the Future…</a:t>
+              <a:t>Timeline</a:t>
             </a:r>
             <a:endParaRPr b="0" lang="en-US" sz="6000" spc="-1" strike="noStrike">
               <a:latin typeface="Arial"/>
@@ -4032,6 +3830,52 @@
           </a:p>
         </p:txBody>
       </p:sp>
+      <p:pic>
+        <p:nvPicPr>
+          <p:cNvPr id="54" name="" descr=""/>
+          <p:cNvPicPr/>
+          <p:nvPr/>
+        </p:nvPicPr>
+        <p:blipFill>
+          <a:blip r:embed="rId2"/>
+          <a:stretch/>
+        </p:blipFill>
+        <p:spPr>
+          <a:xfrm>
+            <a:off x="29946600" y="24679800"/>
+            <a:ext cx="13129560" cy="3895200"/>
+          </a:xfrm>
+          <a:prstGeom prst="rect">
+            <a:avLst/>
+          </a:prstGeom>
+          <a:ln w="0">
+            <a:noFill/>
+          </a:ln>
+        </p:spPr>
+      </p:pic>
+      <p:pic>
+        <p:nvPicPr>
+          <p:cNvPr id="55" name="" descr=""/>
+          <p:cNvPicPr/>
+          <p:nvPr/>
+        </p:nvPicPr>
+        <p:blipFill>
+          <a:blip r:embed="rId3"/>
+          <a:stretch/>
+        </p:blipFill>
+        <p:spPr>
+          <a:xfrm>
+            <a:off x="15316200" y="12988080"/>
+            <a:ext cx="13029840" cy="5528520"/>
+          </a:xfrm>
+          <a:prstGeom prst="rect">
+            <a:avLst/>
+          </a:prstGeom>
+          <a:ln w="0">
+            <a:noFill/>
+          </a:ln>
+        </p:spPr>
+      </p:pic>
       <p:pic>
         <p:nvPicPr>
           <p:cNvPr id="56" name="" descr=""/>
@@ -4039,36 +3883,13 @@
           <p:nvPr/>
         </p:nvPicPr>
         <p:blipFill>
-          <a:blip r:embed="rId2"/>
+          <a:blip r:embed="rId4"/>
           <a:stretch/>
         </p:blipFill>
         <p:spPr>
           <a:xfrm>
-            <a:off x="15218640" y="15520680"/>
-            <a:ext cx="6726600" cy="11453760"/>
-          </a:xfrm>
-          <a:prstGeom prst="rect">
-            <a:avLst/>
-          </a:prstGeom>
-          <a:ln w="0">
-            <a:noFill/>
-          </a:ln>
-        </p:spPr>
-      </p:pic>
-      <p:pic>
-        <p:nvPicPr>
-          <p:cNvPr id="57" name="" descr=""/>
-          <p:cNvPicPr/>
-          <p:nvPr/>
-        </p:nvPicPr>
-        <p:blipFill>
-          <a:blip r:embed="rId3"/>
-          <a:stretch/>
-        </p:blipFill>
-        <p:spPr>
-          <a:xfrm>
-            <a:off x="22636800" y="15545520"/>
-            <a:ext cx="6165720" cy="11657520"/>
+            <a:off x="18288000" y="19928160"/>
+            <a:ext cx="6858000" cy="11132640"/>
           </a:xfrm>
           <a:prstGeom prst="rect">
             <a:avLst/>

--- a/GradTrakPoster.pptx
+++ b/GradTrakPoster.pptx
@@ -292,7 +292,7 @@
             <a:pPr algn="r">
               <a:buNone/>
             </a:pPr>
-            <a:fld id="{779A0DA0-269E-405F-8726-9F288A6A92BE}" type="slidenum">
+            <a:fld id="{96B1363C-E165-4C68-B8AE-BDF685994E77}" type="slidenum">
               <a:rPr b="0" lang="en-US" sz="1400" spc="-1" strike="noStrike">
                 <a:latin typeface="Times New Roman"/>
               </a:rPr>
@@ -329,7 +329,7 @@
       </p:grpSpPr>
       <p:sp>
         <p:nvSpPr>
-          <p:cNvPr id="57" name="PlaceHolder 1"/>
+          <p:cNvPr id="58" name="PlaceHolder 1"/>
           <p:cNvSpPr>
             <a:spLocks noGrp="1"/>
           </p:cNvSpPr>
@@ -340,19 +340,19 @@
         <p:spPr>
           <a:xfrm>
             <a:off x="1371600" y="1143000"/>
-            <a:ext cx="4113360" cy="3084840"/>
-          </a:xfrm>
-          <a:prstGeom prst="rect">
-            <a:avLst/>
-          </a:prstGeom>
-          <a:ln w="0">
-            <a:noFill/>
-          </a:ln>
-        </p:spPr>
-      </p:sp>
-      <p:sp>
-        <p:nvSpPr>
-          <p:cNvPr id="58" name="PlaceHolder 2"/>
+            <a:ext cx="4113000" cy="3084480"/>
+          </a:xfrm>
+          <a:prstGeom prst="rect">
+            <a:avLst/>
+          </a:prstGeom>
+          <a:ln w="0">
+            <a:noFill/>
+          </a:ln>
+        </p:spPr>
+      </p:sp>
+      <p:sp>
+        <p:nvSpPr>
+          <p:cNvPr id="59" name="PlaceHolder 2"/>
           <p:cNvSpPr>
             <a:spLocks noGrp="1"/>
           </p:cNvSpPr>
@@ -363,7 +363,7 @@
         <p:spPr>
           <a:xfrm>
             <a:off x="685800" y="4400640"/>
-            <a:ext cx="5484960" cy="3598920"/>
+            <a:ext cx="5484600" cy="3598560"/>
           </a:xfrm>
           <a:prstGeom prst="rect">
             <a:avLst/>
@@ -386,7 +386,7 @@
       </p:sp>
       <p:sp>
         <p:nvSpPr>
-          <p:cNvPr id="59" name="PlaceHolder 3"/>
+          <p:cNvPr id="60" name="PlaceHolder 3"/>
           <p:cNvSpPr>
             <a:spLocks noGrp="1"/>
           </p:cNvSpPr>
@@ -397,7 +397,7 @@
         <p:spPr>
           <a:xfrm>
             <a:off x="3884760" y="8685360"/>
-            <a:ext cx="2970360" cy="457200"/>
+            <a:ext cx="2970000" cy="456840"/>
           </a:xfrm>
           <a:prstGeom prst="rect">
             <a:avLst/>
@@ -433,7 +433,7 @@
               </a:lnSpc>
               <a:buNone/>
             </a:pPr>
-            <a:fld id="{4DF1A4F2-4A86-4217-9386-F9FB63E9862D}" type="slidenum">
+            <a:fld id="{B6F0242C-1AD0-4C39-878D-6BB1BCC8757C}" type="slidenum">
               <a:rPr b="0" lang="en-US" sz="1200" spc="-1" strike="noStrike">
                 <a:solidFill>
                   <a:srgbClr val="000000"/>
@@ -505,7 +505,7 @@
         <p:txBody>
           <a:bodyPr/>
           <a:p>
-            <a:fld id="{DCCF2D64-8CE5-4C19-BA58-6D43C8580540}" type="slidenum">
+            <a:fld id="{463410B3-3DDA-4805-BB98-75F27DCCD155}" type="slidenum">
               <a:t>&lt;#&gt;</a:t>
             </a:fld>
           </a:p>
@@ -693,7 +693,7 @@
         <p:txBody>
           <a:bodyPr/>
           <a:p>
-            <a:fld id="{F1D20D37-7D98-44AB-AA64-E989BFE3E9FA}" type="slidenum">
+            <a:fld id="{5120BB0D-43F9-4BC7-BE46-F802C83443CE}" type="slidenum">
               <a:t>&lt;#&gt;</a:t>
             </a:fld>
           </a:p>
@@ -949,7 +949,7 @@
         <p:txBody>
           <a:bodyPr/>
           <a:p>
-            <a:fld id="{E9C0C203-0406-4172-9741-25ED1F270EE7}" type="slidenum">
+            <a:fld id="{3F1F25AC-1154-4B60-915D-586BD8B071A5}" type="slidenum">
               <a:t>&lt;#&gt;</a:t>
             </a:fld>
           </a:p>
@@ -1273,7 +1273,7 @@
         <p:txBody>
           <a:bodyPr/>
           <a:p>
-            <a:fld id="{076A30C3-932C-4E3C-A5C0-D7D22DD5023C}" type="slidenum">
+            <a:fld id="{0DE94CAD-95D7-43D0-8D0A-1C0DCD86A09D}" type="slidenum">
               <a:t>&lt;#&gt;</a:t>
             </a:fld>
           </a:p>
@@ -1430,7 +1430,7 @@
         <p:txBody>
           <a:bodyPr/>
           <a:p>
-            <a:fld id="{1CF711EC-CACA-4F9A-A095-1FCEA95D5DEA}" type="slidenum">
+            <a:fld id="{2852A809-AB3C-4841-BE90-50B632179469}" type="slidenum">
               <a:t>&lt;#&gt;</a:t>
             </a:fld>
           </a:p>
@@ -1584,7 +1584,7 @@
         <p:txBody>
           <a:bodyPr/>
           <a:p>
-            <a:fld id="{9FA20C2B-88A6-4F11-A7B2-F6D1A755F3AC}" type="slidenum">
+            <a:fld id="{9E6807A6-46D2-4408-B25E-5F96038B5193}" type="slidenum">
               <a:t>&lt;#&gt;</a:t>
             </a:fld>
           </a:p>
@@ -1772,7 +1772,7 @@
         <p:txBody>
           <a:bodyPr/>
           <a:p>
-            <a:fld id="{1874BF5E-6CFE-4EEE-B280-89A2819BBA69}" type="slidenum">
+            <a:fld id="{E377D776-84AA-45EA-A617-B537E80D0454}" type="slidenum">
               <a:t>&lt;#&gt;</a:t>
             </a:fld>
           </a:p>
@@ -1892,7 +1892,7 @@
         <p:txBody>
           <a:bodyPr/>
           <a:p>
-            <a:fld id="{12D8747F-CA31-4161-85D3-23320B1F7F56}" type="slidenum">
+            <a:fld id="{4CA94D8E-A37A-4783-90A8-7B27DD464258}" type="slidenum">
               <a:t>&lt;#&gt;</a:t>
             </a:fld>
           </a:p>
@@ -2012,7 +2012,7 @@
         <p:txBody>
           <a:bodyPr/>
           <a:p>
-            <a:fld id="{67776388-C672-4D03-B0C0-0E2F6D48C2FD}" type="slidenum">
+            <a:fld id="{B228C0CC-DA0A-41E1-A72C-2F85557ABA26}" type="slidenum">
               <a:t>&lt;#&gt;</a:t>
             </a:fld>
           </a:p>
@@ -2234,7 +2234,7 @@
         <p:txBody>
           <a:bodyPr/>
           <a:p>
-            <a:fld id="{D8E7750C-6AC3-4B64-B485-46A8AAB08C8B}" type="slidenum">
+            <a:fld id="{BF2BC786-8848-4254-8400-1B630FDAD9DA}" type="slidenum">
               <a:t>&lt;#&gt;</a:t>
             </a:fld>
           </a:p>
@@ -2456,7 +2456,7 @@
         <p:txBody>
           <a:bodyPr/>
           <a:p>
-            <a:fld id="{595AE008-3060-473F-8700-046317461BF4}" type="slidenum">
+            <a:fld id="{34914A7A-EBC1-439D-9ED8-7AA08BFA01E5}" type="slidenum">
               <a:t>&lt;#&gt;</a:t>
             </a:fld>
           </a:p>
@@ -2678,7 +2678,7 @@
         <p:txBody>
           <a:bodyPr/>
           <a:p>
-            <a:fld id="{61AAE83C-9B2D-4211-A71C-6FF5316B40B9}" type="slidenum">
+            <a:fld id="{05783528-9BDD-4738-99A2-E27AA6F567D2}" type="slidenum">
               <a:t>&lt;#&gt;</a:t>
             </a:fld>
           </a:p>
@@ -2747,7 +2747,7 @@
         <p:spPr>
           <a:xfrm>
             <a:off x="14538960" y="30510360"/>
-            <a:ext cx="14811840" cy="1751040"/>
+            <a:ext cx="14811480" cy="1750680"/>
           </a:xfrm>
           <a:prstGeom prst="rect">
             <a:avLst/>
@@ -2804,7 +2804,7 @@
         <p:spPr>
           <a:xfrm>
             <a:off x="30998160" y="30510360"/>
-            <a:ext cx="9874080" cy="1751040"/>
+            <a:ext cx="9873720" cy="1750680"/>
           </a:xfrm>
           <a:prstGeom prst="rect">
             <a:avLst/>
@@ -2839,14 +2839,14 @@
               </a:lnSpc>
               <a:buNone/>
             </a:pPr>
-            <a:fld id="{D5DF118F-8D47-4527-A314-25F3E1EDC4AB}" type="slidenum">
+            <a:fld id="{D65A7DAB-EC01-4200-A543-6E82AD97F0C6}" type="slidenum">
               <a:rPr b="0" lang="en-US" sz="5760" spc="-1" strike="noStrike">
                 <a:solidFill>
                   <a:srgbClr val="8b8b8b"/>
                 </a:solidFill>
                 <a:latin typeface="Calibri"/>
               </a:rPr>
-              <a:t>&lt;number&gt;</a:t>
+              <a:t>1</a:t>
             </a:fld>
             <a:endParaRPr b="0" lang="en-US" sz="5760" spc="-1" strike="noStrike">
               <a:latin typeface="Times New Roman"/>
@@ -2867,7 +2867,7 @@
         <p:spPr>
           <a:xfrm>
             <a:off x="3017520" y="30510360"/>
-            <a:ext cx="9874080" cy="1751040"/>
+            <a:ext cx="9873720" cy="1750680"/>
           </a:xfrm>
           <a:prstGeom prst="rect">
             <a:avLst/>
@@ -2893,7 +2893,7 @@
               <a:rPr b="0" lang="en-US" sz="1400" spc="-1" strike="noStrike">
                 <a:latin typeface="Times New Roman"/>
               </a:rPr>
-              <a:t>&lt;date/time&gt;</a:t>
+              <a:t> </a:t>
             </a:r>
             <a:endParaRPr b="0" lang="en-US" sz="1400" spc="-1" strike="noStrike">
               <a:latin typeface="Times New Roman"/>
@@ -2947,7 +2947,7 @@
         <p:spPr>
           <a:xfrm>
             <a:off x="457200" y="5029200"/>
-            <a:ext cx="42975360" cy="455760"/>
+            <a:ext cx="42975000" cy="455400"/>
           </a:xfrm>
           <a:prstGeom prst="rect">
             <a:avLst/>
@@ -2983,7 +2983,7 @@
         <p:spPr>
           <a:xfrm>
             <a:off x="457200" y="457200"/>
-            <a:ext cx="42975360" cy="4570560"/>
+            <a:ext cx="42975000" cy="4570200"/>
           </a:xfrm>
           <a:prstGeom prst="rect">
             <a:avLst/>
@@ -3019,7 +3019,7 @@
         <p:spPr>
           <a:xfrm>
             <a:off x="457200" y="5943600"/>
-            <a:ext cx="13714560" cy="25144560"/>
+            <a:ext cx="13714200" cy="25144200"/>
           </a:xfrm>
           <a:prstGeom prst="rect">
             <a:avLst/>
@@ -3200,7 +3200,7 @@
         <p:spPr>
           <a:xfrm>
             <a:off x="15087600" y="5943600"/>
-            <a:ext cx="13714560" cy="25144560"/>
+            <a:ext cx="13714200" cy="25144200"/>
           </a:xfrm>
           <a:prstGeom prst="rect">
             <a:avLst/>
@@ -3379,7 +3379,7 @@
         <p:spPr>
           <a:xfrm>
             <a:off x="29718000" y="5943600"/>
-            <a:ext cx="13714560" cy="25144560"/>
+            <a:ext cx="13714200" cy="25144200"/>
           </a:xfrm>
           <a:prstGeom prst="rect">
             <a:avLst/>
@@ -3419,7 +3419,7 @@
         <p:spPr>
           <a:xfrm>
             <a:off x="928080" y="914400"/>
-            <a:ext cx="13314240" cy="3656160"/>
+            <a:ext cx="13313880" cy="3655800"/>
           </a:xfrm>
           <a:prstGeom prst="rect">
             <a:avLst/>
@@ -3438,7 +3438,7 @@
         <p:spPr>
           <a:xfrm>
             <a:off x="14481720" y="457200"/>
-            <a:ext cx="26225640" cy="4280040"/>
+            <a:ext cx="26225280" cy="4280040"/>
           </a:xfrm>
           <a:prstGeom prst="rect">
             <a:avLst/>
@@ -3532,7 +3532,7 @@
         <p:spPr>
           <a:xfrm>
             <a:off x="457200" y="31546800"/>
-            <a:ext cx="42975360" cy="912960"/>
+            <a:ext cx="42975000" cy="912600"/>
           </a:xfrm>
           <a:prstGeom prst="rect">
             <a:avLst/>
@@ -3646,7 +3646,7 @@
         <p:spPr>
           <a:xfrm>
             <a:off x="29718000" y="5943600"/>
-            <a:ext cx="13714560" cy="25144560"/>
+            <a:ext cx="13714200" cy="25144200"/>
           </a:xfrm>
           <a:prstGeom prst="rect">
             <a:avLst/>
@@ -3843,7 +3843,7 @@
         <p:spPr>
           <a:xfrm>
             <a:off x="29946600" y="24679800"/>
-            <a:ext cx="13129560" cy="3895200"/>
+            <a:ext cx="13129200" cy="3894840"/>
           </a:xfrm>
           <a:prstGeom prst="rect">
             <a:avLst/>
@@ -3865,8 +3865,8 @@
         </p:blipFill>
         <p:spPr>
           <a:xfrm>
-            <a:off x="15316200" y="12988080"/>
-            <a:ext cx="13029840" cy="5528520"/>
+            <a:off x="15316200" y="12573000"/>
+            <a:ext cx="13029480" cy="5528160"/>
           </a:xfrm>
           <a:prstGeom prst="rect">
             <a:avLst/>
@@ -3888,8 +3888,8 @@
         </p:blipFill>
         <p:spPr>
           <a:xfrm>
-            <a:off x="18288000" y="19928160"/>
-            <a:ext cx="6858000" cy="11132640"/>
+            <a:off x="21944160" y="19888200"/>
+            <a:ext cx="6857640" cy="11132280"/>
           </a:xfrm>
           <a:prstGeom prst="rect">
             <a:avLst/>
@@ -3899,6 +3899,68 @@
           </a:ln>
         </p:spPr>
       </p:pic>
+      <p:sp>
+        <p:nvSpPr>
+          <p:cNvPr id="57" name=""/>
+          <p:cNvSpPr txBox="1"/>
+          <p:nvPr/>
+        </p:nvSpPr>
+        <p:spPr>
+          <a:xfrm>
+            <a:off x="15087600" y="19888200"/>
+            <a:ext cx="6856560" cy="10744200"/>
+          </a:xfrm>
+          <a:prstGeom prst="rect">
+            <a:avLst/>
+          </a:prstGeom>
+          <a:noFill/>
+          <a:ln w="0">
+            <a:noFill/>
+          </a:ln>
+        </p:spPr>
+        <p:txBody>
+          <a:bodyPr lIns="90000" rIns="90000" tIns="45000" bIns="45000" anchor="t">
+            <a:noAutofit/>
+          </a:bodyPr>
+          <a:p>
+            <a:r>
+              <a:rPr b="1" lang="en-US" sz="6000" spc="-1" strike="noStrike" u="sng">
+                <a:solidFill>
+                  <a:srgbClr val="113595"/>
+                </a:solidFill>
+                <a:uFillTx/>
+                <a:latin typeface="Arial"/>
+              </a:rPr>
+              <a:t>Career Resources</a:t>
+            </a:r>
+            <a:endParaRPr b="1" lang="en-US" sz="6000" spc="-1" strike="noStrike" u="sng">
+              <a:solidFill>
+                <a:srgbClr val="113595"/>
+              </a:solidFill>
+              <a:uFillTx/>
+              <a:latin typeface="Arial"/>
+            </a:endParaRPr>
+          </a:p>
+          <a:p>
+            <a:r>
+              <a:rPr b="0" lang="en-US" sz="4800" spc="-1" strike="noStrike">
+                <a:solidFill>
+                  <a:srgbClr val="000000"/>
+                </a:solidFill>
+                <a:latin typeface="Arial"/>
+              </a:rPr>
+              <a:t>GradTrak provides job and internship resources to help find the right place for you, as well as resume builders/template sources to help you create a professional resume.</a:t>
+            </a:r>
+            <a:endParaRPr b="1" lang="en-US" sz="4800" spc="-1" strike="noStrike" u="sng">
+              <a:solidFill>
+                <a:srgbClr val="113595"/>
+              </a:solidFill>
+              <a:uFillTx/>
+              <a:latin typeface="Arial"/>
+            </a:endParaRPr>
+          </a:p>
+        </p:txBody>
+      </p:sp>
     </p:spTree>
   </p:cSld>
   <mc:AlternateContent>
